--- a/Machine Learning Models - 3.pptx
+++ b/Machine Learning Models - 3.pptx
@@ -171,7 +171,7 @@
 
 <file path=ppt/commentAuthors.xml><?xml version="1.0" encoding="utf-8"?>
 <p:cmAuthorLst xmlns:a="http://schemas.openxmlformats.org/drawingml/2006/main" xmlns:r="http://schemas.openxmlformats.org/officeDocument/2006/relationships" xmlns:p="http://schemas.openxmlformats.org/presentationml/2006/main">
-  <p:cmAuthor id="0" name="LUCA MAMMI" initials="LM" lastIdx="2" clrIdx="0"/>
+  <p:cmAuthor id="0" name="LUCA MAMMI" initials="LM" lastIdx="3" clrIdx="0"/>
 </p:cmAuthorLst>
 </file>
 
@@ -257,7 +257,7 @@
           <a:p>
             <a:fld id="{90072532-2365-4550-8B7C-814F0932B43A}" type="datetimeFigureOut">
               <a:rPr lang="en-US" smtClean="0"/>
-              <a:t>6/8/2018</a:t>
+              <a:t>6/13/2018</a:t>
             </a:fld>
             <a:endParaRPr lang="en-US"/>
           </a:p>
@@ -7162,11 +7162,7 @@
             </a:r>
             <a:r>
               <a:rPr lang="en-GB" dirty="0" smtClean="0"/>
-              <a:t>June </a:t>
-            </a:r>
-            <a:r>
-              <a:rPr lang="en-GB" dirty="0" smtClean="0"/>
-              <a:t>14</a:t>
+              <a:t>June 14</a:t>
             </a:r>
             <a:r>
               <a:rPr lang="en-GB" baseline="30000" dirty="0" smtClean="0"/>
@@ -7306,6 +7302,61 @@
       </p:grpSpPr>
       <p:sp>
         <p:nvSpPr>
+          <p:cNvPr id="28" name="Rounded Rectangle 27"/>
+          <p:cNvSpPr/>
+          <p:nvPr/>
+        </p:nvSpPr>
+        <p:spPr>
+          <a:xfrm>
+            <a:off x="142206" y="1984063"/>
+            <a:ext cx="2108243" cy="888547"/>
+          </a:xfrm>
+          <a:prstGeom prst="roundRect">
+            <a:avLst/>
+          </a:prstGeom>
+          <a:noFill/>
+          <a:ln>
+            <a:noFill/>
+          </a:ln>
+        </p:spPr>
+        <p:style>
+          <a:lnRef idx="2">
+            <a:schemeClr val="accent1">
+              <a:shade val="50000"/>
+            </a:schemeClr>
+          </a:lnRef>
+          <a:fillRef idx="1">
+            <a:schemeClr val="accent1"/>
+          </a:fillRef>
+          <a:effectRef idx="0">
+            <a:schemeClr val="accent1"/>
+          </a:effectRef>
+          <a:fontRef idx="minor">
+            <a:schemeClr val="lt1"/>
+          </a:fontRef>
+        </p:style>
+        <p:txBody>
+          <a:bodyPr rtlCol="0" anchor="ctr"/>
+          <a:lstStyle/>
+          <a:p>
+            <a:pPr algn="ctr">
+              <a:spcAft>
+                <a:spcPts val="600"/>
+              </a:spcAft>
+            </a:pPr>
+            <a:r>
+              <a:rPr lang="en-GB" sz="1600" b="1" dirty="0" smtClean="0">
+                <a:solidFill>
+                  <a:schemeClr val="tx1"/>
+                </a:solidFill>
+              </a:rPr>
+              <a:t>Linear</a:t>
+            </a:r>
+          </a:p>
+        </p:txBody>
+      </p:sp>
+      <p:sp>
+        <p:nvSpPr>
           <p:cNvPr id="2" name="Text Placeholder 1"/>
           <p:cNvSpPr>
             <a:spLocks noGrp="1"/>
@@ -7386,7 +7437,17 @@
           <a:bodyPr/>
           <a:lstStyle/>
           <a:p>
-            <a:endParaRPr lang="en-GB"/>
+            <a:r>
+              <a:rPr lang="en-GB" dirty="0" smtClean="0"/>
+              <a:t>Different activation functions have different properties</a:t>
+            </a:r>
+          </a:p>
+          <a:p>
+            <a:r>
+              <a:rPr lang="en-GB" dirty="0" smtClean="0"/>
+              <a:t>Different activation functions can be used for different layers and for different problems</a:t>
+            </a:r>
+            <a:endParaRPr lang="en-GB" dirty="0"/>
           </a:p>
         </p:txBody>
       </p:sp>
@@ -7417,6 +7478,1409 @@
           </a:p>
         </p:txBody>
       </p:sp>
+      <p:pic>
+        <p:nvPicPr>
+          <p:cNvPr id="2052" name="Picture 4" descr="C:\Users\C305392\Desktop\mlTeachings\fig\act_fun_binary.jpeg"/>
+          <p:cNvPicPr>
+            <a:picLocks noChangeAspect="1" noChangeArrowheads="1"/>
+          </p:cNvPicPr>
+          <p:nvPr/>
+        </p:nvPicPr>
+        <p:blipFill>
+          <a:blip r:embed="rId2">
+            <a:extLst>
+              <a:ext uri="{28A0092B-C50C-407E-A947-70E740481C1C}">
+                <a14:useLocalDpi xmlns:a14="http://schemas.microsoft.com/office/drawing/2010/main" val="0"/>
+              </a:ext>
+            </a:extLst>
+          </a:blip>
+          <a:srcRect/>
+          <a:stretch>
+            <a:fillRect/>
+          </a:stretch>
+        </p:blipFill>
+        <p:spPr bwMode="auto">
+          <a:xfrm>
+            <a:off x="2546776" y="3745842"/>
+            <a:ext cx="1800000" cy="1800000"/>
+          </a:xfrm>
+          <a:prstGeom prst="rect">
+            <a:avLst/>
+          </a:prstGeom>
+          <a:noFill/>
+          <a:extLst>
+            <a:ext uri="{909E8E84-426E-40DD-AFC4-6F175D3DCCD1}">
+              <a14:hiddenFill xmlns:a14="http://schemas.microsoft.com/office/drawing/2010/main">
+                <a:solidFill>
+                  <a:srgbClr val="FFFFFF"/>
+                </a:solidFill>
+              </a14:hiddenFill>
+            </a:ext>
+          </a:extLst>
+        </p:spPr>
+      </p:pic>
+      <p:sp>
+        <p:nvSpPr>
+          <p:cNvPr id="19" name="Rounded Rectangle 18"/>
+          <p:cNvSpPr/>
+          <p:nvPr/>
+        </p:nvSpPr>
+        <p:spPr>
+          <a:xfrm>
+            <a:off x="2392655" y="1984062"/>
+            <a:ext cx="2108243" cy="888547"/>
+          </a:xfrm>
+          <a:prstGeom prst="roundRect">
+            <a:avLst/>
+          </a:prstGeom>
+          <a:solidFill>
+            <a:schemeClr val="bg1"/>
+          </a:solidFill>
+          <a:ln>
+            <a:noFill/>
+          </a:ln>
+        </p:spPr>
+        <p:style>
+          <a:lnRef idx="2">
+            <a:schemeClr val="accent1">
+              <a:shade val="50000"/>
+            </a:schemeClr>
+          </a:lnRef>
+          <a:fillRef idx="1">
+            <a:schemeClr val="accent1"/>
+          </a:fillRef>
+          <a:effectRef idx="0">
+            <a:schemeClr val="accent1"/>
+          </a:effectRef>
+          <a:fontRef idx="minor">
+            <a:schemeClr val="lt1"/>
+          </a:fontRef>
+        </p:style>
+        <p:txBody>
+          <a:bodyPr rtlCol="0" anchor="ctr"/>
+          <a:lstStyle/>
+          <a:p>
+            <a:pPr algn="ctr">
+              <a:spcAft>
+                <a:spcPts val="600"/>
+              </a:spcAft>
+            </a:pPr>
+            <a:r>
+              <a:rPr lang="en-GB" sz="1600" b="1" dirty="0" smtClean="0">
+                <a:solidFill>
+                  <a:schemeClr val="tx1"/>
+                </a:solidFill>
+                <a:latin typeface="+mj-lt"/>
+              </a:rPr>
+              <a:t>Binary Step</a:t>
+            </a:r>
+          </a:p>
+        </p:txBody>
+      </p:sp>
+      <p:pic>
+        <p:nvPicPr>
+          <p:cNvPr id="2056" name="Picture 8"/>
+          <p:cNvPicPr>
+            <a:picLocks noChangeAspect="1" noChangeArrowheads="1"/>
+          </p:cNvPicPr>
+          <p:nvPr/>
+        </p:nvPicPr>
+        <p:blipFill>
+          <a:blip r:embed="rId3">
+            <a:extLst>
+              <a:ext uri="{28A0092B-C50C-407E-A947-70E740481C1C}">
+                <a14:useLocalDpi xmlns:a14="http://schemas.microsoft.com/office/drawing/2010/main" val="0"/>
+              </a:ext>
+            </a:extLst>
+          </a:blip>
+          <a:srcRect/>
+          <a:stretch>
+            <a:fillRect/>
+          </a:stretch>
+        </p:blipFill>
+        <p:spPr bwMode="auto">
+          <a:xfrm>
+            <a:off x="297010" y="3745842"/>
+            <a:ext cx="1798637" cy="1804987"/>
+          </a:xfrm>
+          <a:prstGeom prst="rect">
+            <a:avLst/>
+          </a:prstGeom>
+          <a:noFill/>
+          <a:ln>
+            <a:noFill/>
+          </a:ln>
+          <a:effectLst/>
+          <a:extLst>
+            <a:ext uri="{909E8E84-426E-40DD-AFC4-6F175D3DCCD1}">
+              <a14:hiddenFill xmlns:a14="http://schemas.microsoft.com/office/drawing/2010/main">
+                <a:solidFill>
+                  <a:schemeClr val="accent1"/>
+                </a:solidFill>
+              </a14:hiddenFill>
+            </a:ext>
+            <a:ext uri="{91240B29-F687-4F45-9708-019B960494DF}">
+              <a14:hiddenLine xmlns:a14="http://schemas.microsoft.com/office/drawing/2010/main" w="9525">
+                <a:solidFill>
+                  <a:schemeClr val="tx1"/>
+                </a:solidFill>
+                <a:miter lim="800000"/>
+                <a:headEnd/>
+                <a:tailEnd/>
+              </a14:hiddenLine>
+            </a:ext>
+            <a:ext uri="{AF507438-7753-43E0-B8FC-AC1667EBCBE1}">
+              <a14:hiddenEffects xmlns:a14="http://schemas.microsoft.com/office/drawing/2010/main">
+                <a:effectLst>
+                  <a:outerShdw dist="35921" dir="2700000" algn="ctr" rotWithShape="0">
+                    <a:schemeClr val="bg2"/>
+                  </a:outerShdw>
+                </a:effectLst>
+              </a14:hiddenEffects>
+            </a:ext>
+          </a:extLst>
+        </p:spPr>
+      </p:pic>
+      <mc:AlternateContent xmlns:mc="http://schemas.openxmlformats.org/markup-compatibility/2006">
+        <mc:Choice xmlns:a14="http://schemas.microsoft.com/office/drawing/2010/main" Requires="a14">
+          <p:sp>
+            <p:nvSpPr>
+              <p:cNvPr id="21" name="Rounded Rectangle 20"/>
+              <p:cNvSpPr/>
+              <p:nvPr/>
+            </p:nvSpPr>
+            <p:spPr>
+              <a:xfrm>
+                <a:off x="142206" y="2872610"/>
+                <a:ext cx="2108243" cy="666208"/>
+              </a:xfrm>
+              <a:prstGeom prst="roundRect">
+                <a:avLst/>
+              </a:prstGeom>
+              <a:solidFill>
+                <a:schemeClr val="bg1"/>
+              </a:solidFill>
+              <a:ln>
+                <a:noFill/>
+              </a:ln>
+            </p:spPr>
+            <p:style>
+              <a:lnRef idx="2">
+                <a:schemeClr val="accent1">
+                  <a:shade val="50000"/>
+                </a:schemeClr>
+              </a:lnRef>
+              <a:fillRef idx="1">
+                <a:schemeClr val="accent1"/>
+              </a:fillRef>
+              <a:effectRef idx="0">
+                <a:schemeClr val="accent1"/>
+              </a:effectRef>
+              <a:fontRef idx="minor">
+                <a:schemeClr val="lt1"/>
+              </a:fontRef>
+            </p:style>
+            <p:txBody>
+              <a:bodyPr rtlCol="0" anchor="ctr"/>
+              <a:lstStyle/>
+              <a:p>
+                <a:pPr algn="ctr"/>
+                <a14:m>
+                  <m:oMathPara xmlns:m="http://schemas.openxmlformats.org/officeDocument/2006/math">
+                    <m:oMathParaPr>
+                      <m:jc m:val="centerGroup"/>
+                    </m:oMathParaPr>
+                    <m:oMath xmlns:m="http://schemas.openxmlformats.org/officeDocument/2006/math">
+                      <m:r>
+                        <a:rPr lang="it-IT" sz="1600" i="1">
+                          <a:solidFill>
+                            <a:schemeClr val="tx1"/>
+                          </a:solidFill>
+                          <a:latin typeface="Cambria Math"/>
+                        </a:rPr>
+                        <m:t>𝑓</m:t>
+                      </m:r>
+                      <m:d>
+                        <m:dPr>
+                          <m:ctrlPr>
+                            <a:rPr lang="it-IT" sz="1600" i="1">
+                              <a:solidFill>
+                                <a:schemeClr val="tx1"/>
+                              </a:solidFill>
+                              <a:latin typeface="Cambria Math"/>
+                            </a:rPr>
+                          </m:ctrlPr>
+                        </m:dPr>
+                        <m:e>
+                          <m:r>
+                            <a:rPr lang="it-IT" sz="1600" i="1">
+                              <a:solidFill>
+                                <a:schemeClr val="tx1"/>
+                              </a:solidFill>
+                              <a:latin typeface="Cambria Math"/>
+                            </a:rPr>
+                            <m:t>𝑥</m:t>
+                          </m:r>
+                        </m:e>
+                      </m:d>
+                      <m:r>
+                        <a:rPr lang="it-IT" sz="1600" i="1">
+                          <a:solidFill>
+                            <a:schemeClr val="tx1"/>
+                          </a:solidFill>
+                          <a:latin typeface="Cambria Math"/>
+                        </a:rPr>
+                        <m:t>=</m:t>
+                      </m:r>
+                      <m:r>
+                        <a:rPr lang="it-IT" sz="1600" i="1">
+                          <a:solidFill>
+                            <a:schemeClr val="tx1"/>
+                          </a:solidFill>
+                          <a:latin typeface="Cambria Math"/>
+                        </a:rPr>
+                        <m:t>𝑥</m:t>
+                      </m:r>
+                    </m:oMath>
+                  </m:oMathPara>
+                </a14:m>
+                <a:endParaRPr lang="en-GB" sz="1600" dirty="0">
+                  <a:solidFill>
+                    <a:schemeClr val="tx1"/>
+                  </a:solidFill>
+                </a:endParaRPr>
+              </a:p>
+            </p:txBody>
+          </p:sp>
+        </mc:Choice>
+        <mc:Fallback>
+          <p:sp>
+            <p:nvSpPr>
+              <p:cNvPr id="21" name="Rounded Rectangle 20"/>
+              <p:cNvSpPr>
+                <a:spLocks noRot="1" noChangeAspect="1" noMove="1" noResize="1" noEditPoints="1" noAdjustHandles="1" noChangeArrowheads="1" noChangeShapeType="1" noTextEdit="1"/>
+              </p:cNvSpPr>
+              <p:nvPr/>
+            </p:nvSpPr>
+            <p:spPr>
+              <a:xfrm>
+                <a:off x="142206" y="2872610"/>
+                <a:ext cx="2108243" cy="666208"/>
+              </a:xfrm>
+              <a:prstGeom prst="roundRect">
+                <a:avLst/>
+              </a:prstGeom>
+              <a:blipFill rotWithShape="1">
+                <a:blip r:embed="rId4"/>
+                <a:stretch>
+                  <a:fillRect/>
+                </a:stretch>
+              </a:blipFill>
+              <a:ln>
+                <a:noFill/>
+              </a:ln>
+            </p:spPr>
+            <p:txBody>
+              <a:bodyPr/>
+              <a:lstStyle/>
+              <a:p>
+                <a:r>
+                  <a:rPr lang="en-GB">
+                    <a:noFill/>
+                  </a:rPr>
+                  <a:t> </a:t>
+                </a:r>
+              </a:p>
+            </p:txBody>
+          </p:sp>
+        </mc:Fallback>
+      </mc:AlternateContent>
+      <p:pic>
+        <p:nvPicPr>
+          <p:cNvPr id="2054" name="Picture 6" descr="C:\Users\C305392\Desktop\mlTeachings\fig\act_fun_relu.jpeg"/>
+          <p:cNvPicPr>
+            <a:picLocks noChangeAspect="1" noChangeArrowheads="1"/>
+          </p:cNvPicPr>
+          <p:nvPr/>
+        </p:nvPicPr>
+        <p:blipFill>
+          <a:blip r:embed="rId5">
+            <a:extLst>
+              <a:ext uri="{28A0092B-C50C-407E-A947-70E740481C1C}">
+                <a14:useLocalDpi xmlns:a14="http://schemas.microsoft.com/office/drawing/2010/main" val="0"/>
+              </a:ext>
+            </a:extLst>
+          </a:blip>
+          <a:srcRect/>
+          <a:stretch>
+            <a:fillRect/>
+          </a:stretch>
+        </p:blipFill>
+        <p:spPr bwMode="auto">
+          <a:xfrm>
+            <a:off x="4797226" y="3745842"/>
+            <a:ext cx="1800000" cy="1800000"/>
+          </a:xfrm>
+          <a:prstGeom prst="rect">
+            <a:avLst/>
+          </a:prstGeom>
+          <a:noFill/>
+          <a:extLst>
+            <a:ext uri="{909E8E84-426E-40DD-AFC4-6F175D3DCCD1}">
+              <a14:hiddenFill xmlns:a14="http://schemas.microsoft.com/office/drawing/2010/main">
+                <a:solidFill>
+                  <a:srgbClr val="FFFFFF"/>
+                </a:solidFill>
+              </a14:hiddenFill>
+            </a:ext>
+          </a:extLst>
+        </p:spPr>
+      </p:pic>
+      <p:sp>
+        <p:nvSpPr>
+          <p:cNvPr id="22" name="Rounded Rectangle 21"/>
+          <p:cNvSpPr/>
+          <p:nvPr/>
+        </p:nvSpPr>
+        <p:spPr>
+          <a:xfrm>
+            <a:off x="4643104" y="1949546"/>
+            <a:ext cx="2108243" cy="923063"/>
+          </a:xfrm>
+          <a:prstGeom prst="roundRect">
+            <a:avLst/>
+          </a:prstGeom>
+          <a:solidFill>
+            <a:schemeClr val="bg1"/>
+          </a:solidFill>
+          <a:ln>
+            <a:noFill/>
+          </a:ln>
+        </p:spPr>
+        <p:style>
+          <a:lnRef idx="2">
+            <a:schemeClr val="accent1">
+              <a:shade val="50000"/>
+            </a:schemeClr>
+          </a:lnRef>
+          <a:fillRef idx="1">
+            <a:schemeClr val="accent1"/>
+          </a:fillRef>
+          <a:effectRef idx="0">
+            <a:schemeClr val="accent1"/>
+          </a:effectRef>
+          <a:fontRef idx="minor">
+            <a:schemeClr val="lt1"/>
+          </a:fontRef>
+        </p:style>
+        <p:txBody>
+          <a:bodyPr rtlCol="0" anchor="ctr"/>
+          <a:lstStyle/>
+          <a:p>
+            <a:pPr algn="ctr">
+              <a:spcAft>
+                <a:spcPts val="600"/>
+              </a:spcAft>
+            </a:pPr>
+            <a:r>
+              <a:rPr lang="en-US" sz="1600" b="1" dirty="0" smtClean="0">
+                <a:solidFill>
+                  <a:schemeClr val="tx1"/>
+                </a:solidFill>
+                <a:latin typeface="+mj-lt"/>
+              </a:rPr>
+              <a:t>Rectified Linear Unit </a:t>
+            </a:r>
+            <a:r>
+              <a:rPr lang="en-US" sz="1600" b="1" dirty="0">
+                <a:solidFill>
+                  <a:schemeClr val="tx1"/>
+                </a:solidFill>
+                <a:latin typeface="+mj-lt"/>
+              </a:rPr>
+              <a:t>(</a:t>
+            </a:r>
+            <a:r>
+              <a:rPr lang="en-US" sz="1600" b="1" dirty="0" err="1">
+                <a:solidFill>
+                  <a:schemeClr val="tx1"/>
+                </a:solidFill>
+                <a:latin typeface="+mj-lt"/>
+              </a:rPr>
+              <a:t>ReLU</a:t>
+            </a:r>
+            <a:r>
+              <a:rPr lang="en-US" sz="1600" b="1" dirty="0" smtClean="0">
+                <a:solidFill>
+                  <a:schemeClr val="tx1"/>
+                </a:solidFill>
+                <a:latin typeface="+mj-lt"/>
+              </a:rPr>
+              <a:t>)</a:t>
+            </a:r>
+          </a:p>
+        </p:txBody>
+      </p:sp>
+      <p:pic>
+        <p:nvPicPr>
+          <p:cNvPr id="2055" name="Picture 7" descr="C:\Users\C305392\Desktop\mlTeachings\fig\act_fun_sigmoid.jpeg"/>
+          <p:cNvPicPr>
+            <a:picLocks noChangeAspect="1" noChangeArrowheads="1"/>
+          </p:cNvPicPr>
+          <p:nvPr/>
+        </p:nvPicPr>
+        <p:blipFill>
+          <a:blip r:embed="rId6">
+            <a:extLst>
+              <a:ext uri="{28A0092B-C50C-407E-A947-70E740481C1C}">
+                <a14:useLocalDpi xmlns:a14="http://schemas.microsoft.com/office/drawing/2010/main" val="0"/>
+              </a:ext>
+            </a:extLst>
+          </a:blip>
+          <a:srcRect/>
+          <a:stretch>
+            <a:fillRect/>
+          </a:stretch>
+        </p:blipFill>
+        <p:spPr bwMode="auto">
+          <a:xfrm>
+            <a:off x="7047675" y="3745842"/>
+            <a:ext cx="1800000" cy="1800000"/>
+          </a:xfrm>
+          <a:prstGeom prst="rect">
+            <a:avLst/>
+          </a:prstGeom>
+          <a:noFill/>
+          <a:extLst>
+            <a:ext uri="{909E8E84-426E-40DD-AFC4-6F175D3DCCD1}">
+              <a14:hiddenFill xmlns:a14="http://schemas.microsoft.com/office/drawing/2010/main">
+                <a:solidFill>
+                  <a:srgbClr val="FFFFFF"/>
+                </a:solidFill>
+              </a14:hiddenFill>
+            </a:ext>
+          </a:extLst>
+        </p:spPr>
+      </p:pic>
+      <p:sp>
+        <p:nvSpPr>
+          <p:cNvPr id="23" name="Rounded Rectangle 22"/>
+          <p:cNvSpPr/>
+          <p:nvPr/>
+        </p:nvSpPr>
+        <p:spPr>
+          <a:xfrm>
+            <a:off x="6893553" y="1949546"/>
+            <a:ext cx="2108243" cy="923063"/>
+          </a:xfrm>
+          <a:prstGeom prst="roundRect">
+            <a:avLst/>
+          </a:prstGeom>
+          <a:solidFill>
+            <a:schemeClr val="bg1"/>
+          </a:solidFill>
+          <a:ln>
+            <a:noFill/>
+          </a:ln>
+        </p:spPr>
+        <p:style>
+          <a:lnRef idx="2">
+            <a:schemeClr val="accent1">
+              <a:shade val="50000"/>
+            </a:schemeClr>
+          </a:lnRef>
+          <a:fillRef idx="1">
+            <a:schemeClr val="accent1"/>
+          </a:fillRef>
+          <a:effectRef idx="0">
+            <a:schemeClr val="accent1"/>
+          </a:effectRef>
+          <a:fontRef idx="minor">
+            <a:schemeClr val="lt1"/>
+          </a:fontRef>
+        </p:style>
+        <p:txBody>
+          <a:bodyPr rtlCol="0" anchor="ctr"/>
+          <a:lstStyle/>
+          <a:p>
+            <a:pPr algn="ctr">
+              <a:spcAft>
+                <a:spcPts val="600"/>
+              </a:spcAft>
+            </a:pPr>
+            <a:r>
+              <a:rPr lang="en-US" sz="1600" b="1" dirty="0" smtClean="0">
+                <a:solidFill>
+                  <a:schemeClr val="tx1"/>
+                </a:solidFill>
+                <a:latin typeface="+mj-lt"/>
+              </a:rPr>
+              <a:t>Sigmoid</a:t>
+            </a:r>
+          </a:p>
+        </p:txBody>
+      </p:sp>
+      <mc:AlternateContent xmlns:mc="http://schemas.openxmlformats.org/markup-compatibility/2006">
+        <mc:Choice xmlns:a14="http://schemas.microsoft.com/office/drawing/2010/main" Requires="a14">
+          <p:sp>
+            <p:nvSpPr>
+              <p:cNvPr id="29" name="Rounded Rectangle 28"/>
+              <p:cNvSpPr/>
+              <p:nvPr/>
+            </p:nvSpPr>
+            <p:spPr>
+              <a:xfrm>
+                <a:off x="2392655" y="2872611"/>
+                <a:ext cx="2108243" cy="666207"/>
+              </a:xfrm>
+              <a:prstGeom prst="roundRect">
+                <a:avLst/>
+              </a:prstGeom>
+              <a:solidFill>
+                <a:schemeClr val="bg1"/>
+              </a:solidFill>
+              <a:ln>
+                <a:noFill/>
+              </a:ln>
+            </p:spPr>
+            <p:style>
+              <a:lnRef idx="2">
+                <a:schemeClr val="accent1">
+                  <a:shade val="50000"/>
+                </a:schemeClr>
+              </a:lnRef>
+              <a:fillRef idx="1">
+                <a:schemeClr val="accent1"/>
+              </a:fillRef>
+              <a:effectRef idx="0">
+                <a:schemeClr val="accent1"/>
+              </a:effectRef>
+              <a:fontRef idx="minor">
+                <a:schemeClr val="lt1"/>
+              </a:fontRef>
+            </p:style>
+            <p:txBody>
+              <a:bodyPr rtlCol="0" anchor="ctr"/>
+              <a:lstStyle/>
+              <a:p>
+                <a:pPr algn="ctr"/>
+                <a14:m>
+                  <m:oMath xmlns:m="http://schemas.openxmlformats.org/officeDocument/2006/math">
+                    <m:r>
+                      <a:rPr lang="it-IT" sz="1600" b="0" i="1" smtClean="0">
+                        <a:solidFill>
+                          <a:schemeClr val="tx1"/>
+                        </a:solidFill>
+                        <a:latin typeface="+mj-lt"/>
+                      </a:rPr>
+                      <m:t>𝑓</m:t>
+                    </m:r>
+                    <m:d>
+                      <m:dPr>
+                        <m:ctrlPr>
+                          <a:rPr lang="it-IT" sz="1600" b="0" i="1" smtClean="0">
+                            <a:solidFill>
+                              <a:schemeClr val="tx1"/>
+                            </a:solidFill>
+                            <a:latin typeface="+mj-lt"/>
+                          </a:rPr>
+                        </m:ctrlPr>
+                      </m:dPr>
+                      <m:e>
+                        <m:r>
+                          <a:rPr lang="it-IT" sz="1600" b="0" i="1" smtClean="0">
+                            <a:solidFill>
+                              <a:schemeClr val="tx1"/>
+                            </a:solidFill>
+                            <a:latin typeface="+mj-lt"/>
+                          </a:rPr>
+                          <m:t>𝑥</m:t>
+                        </m:r>
+                      </m:e>
+                    </m:d>
+                    <m:r>
+                      <a:rPr lang="it-IT" sz="1600" b="0" i="1" smtClean="0">
+                        <a:solidFill>
+                          <a:schemeClr val="tx1"/>
+                        </a:solidFill>
+                        <a:latin typeface="+mj-lt"/>
+                      </a:rPr>
+                      <m:t>=</m:t>
+                    </m:r>
+                    <m:d>
+                      <m:dPr>
+                        <m:begChr m:val="{"/>
+                        <m:endChr m:val=""/>
+                        <m:ctrlPr>
+                          <a:rPr lang="it-IT" sz="1600" b="0" i="1" smtClean="0">
+                            <a:solidFill>
+                              <a:schemeClr val="tx1"/>
+                            </a:solidFill>
+                            <a:latin typeface="Cambria Math"/>
+                          </a:rPr>
+                        </m:ctrlPr>
+                      </m:dPr>
+                      <m:e>
+                        <m:m>
+                          <m:mPr>
+                            <m:mcs>
+                              <m:mc>
+                                <m:mcPr>
+                                  <m:count m:val="2"/>
+                                  <m:mcJc m:val="center"/>
+                                </m:mcPr>
+                              </m:mc>
+                            </m:mcs>
+                            <m:ctrlPr>
+                              <a:rPr lang="it-IT" sz="1600" i="1">
+                                <a:solidFill>
+                                  <a:schemeClr val="tx1"/>
+                                </a:solidFill>
+                                <a:latin typeface="Cambria Math"/>
+                              </a:rPr>
+                            </m:ctrlPr>
+                          </m:mPr>
+                          <m:mr>
+                            <m:e>
+                              <m:r>
+                                <a:rPr lang="it-IT" sz="1600" b="0" i="1" smtClean="0">
+                                  <a:solidFill>
+                                    <a:schemeClr val="tx1"/>
+                                  </a:solidFill>
+                                  <a:latin typeface="Cambria Math"/>
+                                </a:rPr>
+                                <m:t>0</m:t>
+                              </m:r>
+                            </m:e>
+                            <m:e>
+                              <m:r>
+                                <m:rPr>
+                                  <m:nor/>
+                                  <m:brk m:alnAt="7"/>
+                                </m:rPr>
+                                <a:rPr lang="it-IT" sz="1600">
+                                  <a:solidFill>
+                                    <a:schemeClr val="tx1"/>
+                                  </a:solidFill>
+                                </a:rPr>
+                                <m:t>i</m:t>
+                              </m:r>
+                              <m:r>
+                                <m:rPr>
+                                  <m:nor/>
+                                </m:rPr>
+                                <a:rPr lang="it-IT" sz="1600">
+                                  <a:solidFill>
+                                    <a:schemeClr val="tx1"/>
+                                  </a:solidFill>
+                                </a:rPr>
+                                <m:t>f</m:t>
+                              </m:r>
+                              <m:r>
+                                <a:rPr lang="it-IT" sz="1600" b="0" i="1" smtClean="0">
+                                  <a:solidFill>
+                                    <a:schemeClr val="tx1"/>
+                                  </a:solidFill>
+                                  <a:latin typeface="Cambria Math"/>
+                                </a:rPr>
+                                <m:t>  </m:t>
+                              </m:r>
+                              <m:r>
+                                <a:rPr lang="it-IT" sz="1600" b="0" i="1" smtClean="0">
+                                  <a:solidFill>
+                                    <a:schemeClr val="tx1"/>
+                                  </a:solidFill>
+                                  <a:latin typeface="Cambria Math"/>
+                                </a:rPr>
+                                <m:t>𝑥</m:t>
+                              </m:r>
+                              <m:r>
+                                <a:rPr lang="it-IT" sz="1600" b="0" i="1" smtClean="0">
+                                  <a:solidFill>
+                                    <a:schemeClr val="tx1"/>
+                                  </a:solidFill>
+                                  <a:latin typeface="Cambria Math"/>
+                                  <a:ea typeface="Cambria Math"/>
+                                </a:rPr>
+                                <m:t>&lt;0</m:t>
+                              </m:r>
+                            </m:e>
+                          </m:mr>
+                          <m:mr>
+                            <m:e>
+                              <m:r>
+                                <a:rPr lang="it-IT" sz="1600" b="0" i="1" smtClean="0">
+                                  <a:solidFill>
+                                    <a:schemeClr val="tx1"/>
+                                  </a:solidFill>
+                                  <a:latin typeface="Cambria Math"/>
+                                </a:rPr>
+                                <m:t>1</m:t>
+                              </m:r>
+                            </m:e>
+                            <m:e>
+                              <m:r>
+                                <m:rPr>
+                                  <m:nor/>
+                                  <m:brk m:alnAt="7"/>
+                                </m:rPr>
+                                <a:rPr lang="it-IT" sz="1600">
+                                  <a:solidFill>
+                                    <a:schemeClr val="tx1"/>
+                                  </a:solidFill>
+                                </a:rPr>
+                                <m:t>i</m:t>
+                              </m:r>
+                              <m:r>
+                                <m:rPr>
+                                  <m:nor/>
+                                </m:rPr>
+                                <a:rPr lang="it-IT" sz="1600">
+                                  <a:solidFill>
+                                    <a:schemeClr val="tx1"/>
+                                  </a:solidFill>
+                                </a:rPr>
+                                <m:t>f</m:t>
+                              </m:r>
+                              <m:r>
+                                <a:rPr lang="it-IT" sz="1600" i="1">
+                                  <a:solidFill>
+                                    <a:schemeClr val="tx1"/>
+                                  </a:solidFill>
+                                  <a:latin typeface="Cambria Math"/>
+                                </a:rPr>
+                                <m:t>  </m:t>
+                              </m:r>
+                              <m:r>
+                                <a:rPr lang="it-IT" sz="1600" i="1">
+                                  <a:solidFill>
+                                    <a:schemeClr val="tx1"/>
+                                  </a:solidFill>
+                                  <a:latin typeface="Cambria Math"/>
+                                </a:rPr>
+                                <m:t>𝑥</m:t>
+                              </m:r>
+                              <m:r>
+                                <a:rPr lang="it-IT" sz="1600" i="1">
+                                  <a:solidFill>
+                                    <a:schemeClr val="tx1"/>
+                                  </a:solidFill>
+                                  <a:latin typeface="Cambria Math"/>
+                                  <a:ea typeface="Cambria Math"/>
+                                </a:rPr>
+                                <m:t>≥0</m:t>
+                              </m:r>
+                            </m:e>
+                          </m:mr>
+                        </m:m>
+                      </m:e>
+                    </m:d>
+                  </m:oMath>
+                </a14:m>
+                <a:r>
+                  <a:rPr lang="en-GB" sz="1600" dirty="0" smtClean="0">
+                    <a:solidFill>
+                      <a:schemeClr val="tx1"/>
+                    </a:solidFill>
+                    <a:latin typeface="+mj-lt"/>
+                  </a:rPr>
+                  <a:t> </a:t>
+                </a:r>
+                <a:endParaRPr lang="en-GB" sz="1600" dirty="0">
+                  <a:solidFill>
+                    <a:schemeClr val="tx1"/>
+                  </a:solidFill>
+                  <a:latin typeface="+mj-lt"/>
+                </a:endParaRPr>
+              </a:p>
+            </p:txBody>
+          </p:sp>
+        </mc:Choice>
+        <mc:Fallback>
+          <p:sp>
+            <p:nvSpPr>
+              <p:cNvPr id="29" name="Rounded Rectangle 28"/>
+              <p:cNvSpPr>
+                <a:spLocks noRot="1" noChangeAspect="1" noMove="1" noResize="1" noEditPoints="1" noAdjustHandles="1" noChangeArrowheads="1" noChangeShapeType="1" noTextEdit="1"/>
+              </p:cNvSpPr>
+              <p:nvPr/>
+            </p:nvSpPr>
+            <p:spPr>
+              <a:xfrm>
+                <a:off x="2392655" y="2872611"/>
+                <a:ext cx="2108243" cy="666207"/>
+              </a:xfrm>
+              <a:prstGeom prst="roundRect">
+                <a:avLst/>
+              </a:prstGeom>
+              <a:blipFill rotWithShape="1">
+                <a:blip r:embed="rId7"/>
+                <a:stretch>
+                  <a:fillRect t="-95455" b="-149091"/>
+                </a:stretch>
+              </a:blipFill>
+              <a:ln>
+                <a:noFill/>
+              </a:ln>
+            </p:spPr>
+            <p:txBody>
+              <a:bodyPr/>
+              <a:lstStyle/>
+              <a:p>
+                <a:r>
+                  <a:rPr lang="en-GB">
+                    <a:noFill/>
+                  </a:rPr>
+                  <a:t> </a:t>
+                </a:r>
+              </a:p>
+            </p:txBody>
+          </p:sp>
+        </mc:Fallback>
+      </mc:AlternateContent>
+      <mc:AlternateContent xmlns:mc="http://schemas.openxmlformats.org/markup-compatibility/2006">
+        <mc:Choice xmlns:a14="http://schemas.microsoft.com/office/drawing/2010/main" Requires="a14">
+          <p:sp>
+            <p:nvSpPr>
+              <p:cNvPr id="31" name="Rounded Rectangle 30"/>
+              <p:cNvSpPr/>
+              <p:nvPr/>
+            </p:nvSpPr>
+            <p:spPr>
+              <a:xfrm>
+                <a:off x="4643104" y="2872609"/>
+                <a:ext cx="2108243" cy="666209"/>
+              </a:xfrm>
+              <a:prstGeom prst="roundRect">
+                <a:avLst/>
+              </a:prstGeom>
+              <a:solidFill>
+                <a:schemeClr val="bg1"/>
+              </a:solidFill>
+              <a:ln>
+                <a:noFill/>
+              </a:ln>
+            </p:spPr>
+            <p:style>
+              <a:lnRef idx="2">
+                <a:schemeClr val="accent1">
+                  <a:shade val="50000"/>
+                </a:schemeClr>
+              </a:lnRef>
+              <a:fillRef idx="1">
+                <a:schemeClr val="accent1"/>
+              </a:fillRef>
+              <a:effectRef idx="0">
+                <a:schemeClr val="accent1"/>
+              </a:effectRef>
+              <a:fontRef idx="minor">
+                <a:schemeClr val="lt1"/>
+              </a:fontRef>
+            </p:style>
+            <p:txBody>
+              <a:bodyPr rtlCol="0" anchor="ctr"/>
+              <a:lstStyle/>
+              <a:p>
+                <a:pPr algn="ctr">
+                  <a:spcAft>
+                    <a:spcPts val="600"/>
+                  </a:spcAft>
+                </a:pPr>
+                <a14:m>
+                  <m:oMathPara xmlns:m="http://schemas.openxmlformats.org/officeDocument/2006/math">
+                    <m:oMathParaPr>
+                      <m:jc m:val="centerGroup"/>
+                    </m:oMathParaPr>
+                    <m:oMath xmlns:m="http://schemas.openxmlformats.org/officeDocument/2006/math">
+                      <m:r>
+                        <a:rPr lang="it-IT" sz="1600" b="0" i="1" smtClean="0">
+                          <a:solidFill>
+                            <a:schemeClr val="tx1"/>
+                          </a:solidFill>
+                          <a:latin typeface="+mj-lt"/>
+                        </a:rPr>
+                        <m:t>𝑓</m:t>
+                      </m:r>
+                      <m:d>
+                        <m:dPr>
+                          <m:ctrlPr>
+                            <a:rPr lang="it-IT" sz="1600" i="1">
+                              <a:solidFill>
+                                <a:schemeClr val="tx1"/>
+                              </a:solidFill>
+                              <a:latin typeface="Cambria Math"/>
+                            </a:rPr>
+                          </m:ctrlPr>
+                        </m:dPr>
+                        <m:e>
+                          <m:r>
+                            <a:rPr lang="it-IT" sz="1600" i="1">
+                              <a:solidFill>
+                                <a:schemeClr val="tx1"/>
+                              </a:solidFill>
+                              <a:latin typeface="Cambria Math"/>
+                            </a:rPr>
+                            <m:t>𝑥</m:t>
+                          </m:r>
+                        </m:e>
+                      </m:d>
+                      <m:r>
+                        <a:rPr lang="it-IT" sz="1600" i="1">
+                          <a:solidFill>
+                            <a:schemeClr val="tx1"/>
+                          </a:solidFill>
+                          <a:latin typeface="Cambria Math"/>
+                        </a:rPr>
+                        <m:t>=</m:t>
+                      </m:r>
+                      <m:d>
+                        <m:dPr>
+                          <m:begChr m:val="{"/>
+                          <m:endChr m:val=""/>
+                          <m:ctrlPr>
+                            <a:rPr lang="it-IT" sz="1600" i="1">
+                              <a:solidFill>
+                                <a:schemeClr val="tx1"/>
+                              </a:solidFill>
+                              <a:latin typeface="Cambria Math"/>
+                            </a:rPr>
+                          </m:ctrlPr>
+                        </m:dPr>
+                        <m:e>
+                          <m:m>
+                            <m:mPr>
+                              <m:mcs>
+                                <m:mc>
+                                  <m:mcPr>
+                                    <m:count m:val="2"/>
+                                    <m:mcJc m:val="center"/>
+                                  </m:mcPr>
+                                </m:mc>
+                              </m:mcs>
+                              <m:ctrlPr>
+                                <a:rPr lang="it-IT" sz="1600" i="1">
+                                  <a:solidFill>
+                                    <a:schemeClr val="tx1"/>
+                                  </a:solidFill>
+                                  <a:latin typeface="Cambria Math"/>
+                                </a:rPr>
+                              </m:ctrlPr>
+                            </m:mPr>
+                            <m:mr>
+                              <m:e>
+                                <m:r>
+                                  <a:rPr lang="it-IT" sz="1600" i="1">
+                                    <a:solidFill>
+                                      <a:schemeClr val="tx1"/>
+                                    </a:solidFill>
+                                    <a:latin typeface="Cambria Math"/>
+                                  </a:rPr>
+                                  <m:t>0</m:t>
+                                </m:r>
+                              </m:e>
+                              <m:e>
+                                <m:r>
+                                  <m:rPr>
+                                    <m:nor/>
+                                    <m:brk m:alnAt="7"/>
+                                  </m:rPr>
+                                  <a:rPr lang="it-IT" sz="1600">
+                                    <a:solidFill>
+                                      <a:schemeClr val="tx1"/>
+                                    </a:solidFill>
+                                  </a:rPr>
+                                  <m:t>i</m:t>
+                                </m:r>
+                                <m:r>
+                                  <m:rPr>
+                                    <m:nor/>
+                                  </m:rPr>
+                                  <a:rPr lang="it-IT" sz="1600">
+                                    <a:solidFill>
+                                      <a:schemeClr val="tx1"/>
+                                    </a:solidFill>
+                                  </a:rPr>
+                                  <m:t>f</m:t>
+                                </m:r>
+                                <m:r>
+                                  <a:rPr lang="it-IT" sz="1600" i="1">
+                                    <a:solidFill>
+                                      <a:schemeClr val="tx1"/>
+                                    </a:solidFill>
+                                    <a:latin typeface="Cambria Math"/>
+                                  </a:rPr>
+                                  <m:t>  </m:t>
+                                </m:r>
+                                <m:r>
+                                  <a:rPr lang="it-IT" sz="1600" i="1">
+                                    <a:solidFill>
+                                      <a:schemeClr val="tx1"/>
+                                    </a:solidFill>
+                                    <a:latin typeface="Cambria Math"/>
+                                  </a:rPr>
+                                  <m:t>𝑥</m:t>
+                                </m:r>
+                                <m:r>
+                                  <a:rPr lang="it-IT" sz="1600" i="1">
+                                    <a:solidFill>
+                                      <a:schemeClr val="tx1"/>
+                                    </a:solidFill>
+                                    <a:latin typeface="Cambria Math"/>
+                                    <a:ea typeface="Cambria Math"/>
+                                  </a:rPr>
+                                  <m:t>&lt;0</m:t>
+                                </m:r>
+                              </m:e>
+                            </m:mr>
+                            <m:mr>
+                              <m:e>
+                                <m:r>
+                                  <a:rPr lang="it-IT" sz="1600" b="0" i="1" smtClean="0">
+                                    <a:solidFill>
+                                      <a:schemeClr val="tx1"/>
+                                    </a:solidFill>
+                                    <a:latin typeface="Cambria Math"/>
+                                  </a:rPr>
+                                  <m:t>𝑥</m:t>
+                                </m:r>
+                              </m:e>
+                              <m:e>
+                                <m:r>
+                                  <m:rPr>
+                                    <m:nor/>
+                                    <m:brk m:alnAt="7"/>
+                                  </m:rPr>
+                                  <a:rPr lang="it-IT" sz="1600">
+                                    <a:solidFill>
+                                      <a:schemeClr val="tx1"/>
+                                    </a:solidFill>
+                                  </a:rPr>
+                                  <m:t>i</m:t>
+                                </m:r>
+                                <m:r>
+                                  <m:rPr>
+                                    <m:nor/>
+                                  </m:rPr>
+                                  <a:rPr lang="it-IT" sz="1600">
+                                    <a:solidFill>
+                                      <a:schemeClr val="tx1"/>
+                                    </a:solidFill>
+                                  </a:rPr>
+                                  <m:t>f</m:t>
+                                </m:r>
+                                <m:r>
+                                  <a:rPr lang="it-IT" sz="1600" i="1">
+                                    <a:solidFill>
+                                      <a:schemeClr val="tx1"/>
+                                    </a:solidFill>
+                                    <a:latin typeface="Cambria Math"/>
+                                  </a:rPr>
+                                  <m:t>  </m:t>
+                                </m:r>
+                                <m:r>
+                                  <a:rPr lang="it-IT" sz="1600" i="1">
+                                    <a:solidFill>
+                                      <a:schemeClr val="tx1"/>
+                                    </a:solidFill>
+                                    <a:latin typeface="Cambria Math"/>
+                                  </a:rPr>
+                                  <m:t>𝑥</m:t>
+                                </m:r>
+                                <m:r>
+                                  <a:rPr lang="it-IT" sz="1600" i="1">
+                                    <a:solidFill>
+                                      <a:schemeClr val="tx1"/>
+                                    </a:solidFill>
+                                    <a:latin typeface="Cambria Math"/>
+                                    <a:ea typeface="Cambria Math"/>
+                                  </a:rPr>
+                                  <m:t>≥0</m:t>
+                                </m:r>
+                              </m:e>
+                            </m:mr>
+                          </m:m>
+                        </m:e>
+                      </m:d>
+                    </m:oMath>
+                  </m:oMathPara>
+                </a14:m>
+                <a:endParaRPr lang="en-GB" sz="1600" dirty="0">
+                  <a:solidFill>
+                    <a:schemeClr val="tx1"/>
+                  </a:solidFill>
+                </a:endParaRPr>
+              </a:p>
+            </p:txBody>
+          </p:sp>
+        </mc:Choice>
+        <mc:Fallback>
+          <p:sp>
+            <p:nvSpPr>
+              <p:cNvPr id="31" name="Rounded Rectangle 30"/>
+              <p:cNvSpPr>
+                <a:spLocks noRot="1" noChangeAspect="1" noMove="1" noResize="1" noEditPoints="1" noAdjustHandles="1" noChangeArrowheads="1" noChangeShapeType="1" noTextEdit="1"/>
+              </p:cNvSpPr>
+              <p:nvPr/>
+            </p:nvSpPr>
+            <p:spPr>
+              <a:xfrm>
+                <a:off x="4643104" y="2872609"/>
+                <a:ext cx="2108243" cy="666209"/>
+              </a:xfrm>
+              <a:prstGeom prst="roundRect">
+                <a:avLst/>
+              </a:prstGeom>
+              <a:blipFill rotWithShape="1">
+                <a:blip r:embed="rId8"/>
+                <a:stretch>
+                  <a:fillRect/>
+                </a:stretch>
+              </a:blipFill>
+              <a:ln>
+                <a:noFill/>
+              </a:ln>
+            </p:spPr>
+            <p:txBody>
+              <a:bodyPr/>
+              <a:lstStyle/>
+              <a:p>
+                <a:r>
+                  <a:rPr lang="en-GB">
+                    <a:noFill/>
+                  </a:rPr>
+                  <a:t> </a:t>
+                </a:r>
+              </a:p>
+            </p:txBody>
+          </p:sp>
+        </mc:Fallback>
+      </mc:AlternateContent>
+      <mc:AlternateContent xmlns:mc="http://schemas.openxmlformats.org/markup-compatibility/2006">
+        <mc:Choice xmlns:a14="http://schemas.microsoft.com/office/drawing/2010/main" Requires="a14">
+          <p:sp>
+            <p:nvSpPr>
+              <p:cNvPr id="32" name="Rounded Rectangle 31"/>
+              <p:cNvSpPr/>
+              <p:nvPr/>
+            </p:nvSpPr>
+            <p:spPr>
+              <a:xfrm>
+                <a:off x="6893553" y="2872609"/>
+                <a:ext cx="2108243" cy="666209"/>
+              </a:xfrm>
+              <a:prstGeom prst="roundRect">
+                <a:avLst/>
+              </a:prstGeom>
+              <a:solidFill>
+                <a:schemeClr val="bg1"/>
+              </a:solidFill>
+              <a:ln>
+                <a:noFill/>
+              </a:ln>
+            </p:spPr>
+            <p:style>
+              <a:lnRef idx="2">
+                <a:schemeClr val="accent1">
+                  <a:shade val="50000"/>
+                </a:schemeClr>
+              </a:lnRef>
+              <a:fillRef idx="1">
+                <a:schemeClr val="accent1"/>
+              </a:fillRef>
+              <a:effectRef idx="0">
+                <a:schemeClr val="accent1"/>
+              </a:effectRef>
+              <a:fontRef idx="minor">
+                <a:schemeClr val="lt1"/>
+              </a:fontRef>
+            </p:style>
+            <p:txBody>
+              <a:bodyPr rtlCol="0" anchor="ctr"/>
+              <a:lstStyle/>
+              <a:p>
+                <a:pPr algn="ctr">
+                  <a:spcAft>
+                    <a:spcPts val="600"/>
+                  </a:spcAft>
+                </a:pPr>
+                <a14:m>
+                  <m:oMathPara xmlns:m="http://schemas.openxmlformats.org/officeDocument/2006/math">
+                    <m:oMathParaPr>
+                      <m:jc m:val="centerGroup"/>
+                    </m:oMathParaPr>
+                    <m:oMath xmlns:m="http://schemas.openxmlformats.org/officeDocument/2006/math">
+                      <m:r>
+                        <a:rPr lang="it-IT" sz="1600" b="0" i="1" smtClean="0">
+                          <a:solidFill>
+                            <a:schemeClr val="tx1"/>
+                          </a:solidFill>
+                          <a:latin typeface="+mj-lt"/>
+                        </a:rPr>
+                        <m:t>𝑓</m:t>
+                      </m:r>
+                      <m:d>
+                        <m:dPr>
+                          <m:ctrlPr>
+                            <a:rPr lang="it-IT" sz="1600" i="1">
+                              <a:solidFill>
+                                <a:schemeClr val="tx1"/>
+                              </a:solidFill>
+                              <a:latin typeface="Cambria Math"/>
+                            </a:rPr>
+                          </m:ctrlPr>
+                        </m:dPr>
+                        <m:e>
+                          <m:r>
+                            <a:rPr lang="it-IT" sz="1600" i="1">
+                              <a:solidFill>
+                                <a:schemeClr val="tx1"/>
+                              </a:solidFill>
+                              <a:latin typeface="Cambria Math"/>
+                            </a:rPr>
+                            <m:t>𝑥</m:t>
+                          </m:r>
+                        </m:e>
+                      </m:d>
+                      <m:r>
+                        <a:rPr lang="it-IT" sz="1600" i="1">
+                          <a:solidFill>
+                            <a:schemeClr val="tx1"/>
+                          </a:solidFill>
+                          <a:latin typeface="Cambria Math"/>
+                        </a:rPr>
+                        <m:t>=</m:t>
+                      </m:r>
+                      <m:f>
+                        <m:fPr>
+                          <m:ctrlPr>
+                            <a:rPr lang="it-IT" sz="1600" i="1" smtClean="0">
+                              <a:solidFill>
+                                <a:schemeClr val="tx1"/>
+                              </a:solidFill>
+                              <a:latin typeface="Cambria Math"/>
+                            </a:rPr>
+                          </m:ctrlPr>
+                        </m:fPr>
+                        <m:num>
+                          <m:r>
+                            <a:rPr lang="it-IT" sz="1600" i="1">
+                              <a:solidFill>
+                                <a:schemeClr val="tx1"/>
+                              </a:solidFill>
+                              <a:latin typeface="Cambria Math"/>
+                            </a:rPr>
+                            <m:t>1</m:t>
+                          </m:r>
+                        </m:num>
+                        <m:den>
+                          <m:r>
+                            <a:rPr lang="it-IT" sz="1600" i="1">
+                              <a:solidFill>
+                                <a:schemeClr val="tx1"/>
+                              </a:solidFill>
+                              <a:latin typeface="Cambria Math"/>
+                            </a:rPr>
+                            <m:t>1+</m:t>
+                          </m:r>
+                          <m:sSup>
+                            <m:sSupPr>
+                              <m:ctrlPr>
+                                <a:rPr lang="it-IT" sz="1600" i="1">
+                                  <a:solidFill>
+                                    <a:schemeClr val="tx1"/>
+                                  </a:solidFill>
+                                  <a:latin typeface="Cambria Math"/>
+                                </a:rPr>
+                              </m:ctrlPr>
+                            </m:sSupPr>
+                            <m:e>
+                              <m:r>
+                                <a:rPr lang="it-IT" sz="1600" i="1">
+                                  <a:solidFill>
+                                    <a:schemeClr val="tx1"/>
+                                  </a:solidFill>
+                                  <a:latin typeface="Cambria Math"/>
+                                </a:rPr>
+                                <m:t>𝑒</m:t>
+                              </m:r>
+                            </m:e>
+                            <m:sup>
+                              <m:r>
+                                <a:rPr lang="it-IT" sz="1600" b="0" i="1" smtClean="0">
+                                  <a:solidFill>
+                                    <a:schemeClr val="tx1"/>
+                                  </a:solidFill>
+                                  <a:latin typeface="Cambria Math"/>
+                                </a:rPr>
+                                <m:t>−</m:t>
+                              </m:r>
+                              <m:r>
+                                <a:rPr lang="it-IT" sz="1600" b="0" i="1" smtClean="0">
+                                  <a:solidFill>
+                                    <a:schemeClr val="tx1"/>
+                                  </a:solidFill>
+                                  <a:latin typeface="Cambria Math"/>
+                                </a:rPr>
+                                <m:t>𝑥</m:t>
+                              </m:r>
+                            </m:sup>
+                          </m:sSup>
+                        </m:den>
+                      </m:f>
+                    </m:oMath>
+                  </m:oMathPara>
+                </a14:m>
+                <a:endParaRPr lang="en-GB" sz="1600" dirty="0">
+                  <a:solidFill>
+                    <a:schemeClr val="tx1"/>
+                  </a:solidFill>
+                </a:endParaRPr>
+              </a:p>
+            </p:txBody>
+          </p:sp>
+        </mc:Choice>
+        <mc:Fallback>
+          <p:sp>
+            <p:nvSpPr>
+              <p:cNvPr id="32" name="Rounded Rectangle 31"/>
+              <p:cNvSpPr>
+                <a:spLocks noRot="1" noChangeAspect="1" noMove="1" noResize="1" noEditPoints="1" noAdjustHandles="1" noChangeArrowheads="1" noChangeShapeType="1" noTextEdit="1"/>
+              </p:cNvSpPr>
+              <p:nvPr/>
+            </p:nvSpPr>
+            <p:spPr>
+              <a:xfrm>
+                <a:off x="6893553" y="2872609"/>
+                <a:ext cx="2108243" cy="666209"/>
+              </a:xfrm>
+              <a:prstGeom prst="roundRect">
+                <a:avLst/>
+              </a:prstGeom>
+              <a:blipFill rotWithShape="1">
+                <a:blip r:embed="rId9"/>
+                <a:stretch>
+                  <a:fillRect/>
+                </a:stretch>
+              </a:blipFill>
+              <a:ln>
+                <a:noFill/>
+              </a:ln>
+            </p:spPr>
+            <p:txBody>
+              <a:bodyPr/>
+              <a:lstStyle/>
+              <a:p>
+                <a:r>
+                  <a:rPr lang="en-GB">
+                    <a:noFill/>
+                  </a:rPr>
+                  <a:t> </a:t>
+                </a:r>
+              </a:p>
+            </p:txBody>
+          </p:sp>
+        </mc:Fallback>
+      </mc:AlternateContent>
     </p:spTree>
     <p:extLst>
       <p:ext uri="{BB962C8B-B14F-4D97-AF65-F5344CB8AC3E}">
@@ -7430,9 +8894,722 @@
   <p:timing>
     <p:tnLst>
       <p:par>
-        <p:cTn id="1" dur="indefinite" restart="never" nodeType="tmRoot"/>
+        <p:cTn id="1" dur="indefinite" restart="never" nodeType="tmRoot">
+          <p:childTnLst>
+            <p:seq concurrent="1" nextAc="seek">
+              <p:cTn id="2" dur="indefinite" nodeType="mainSeq">
+                <p:childTnLst>
+                  <p:par>
+                    <p:cTn id="3" fill="hold">
+                      <p:stCondLst>
+                        <p:cond delay="indefinite"/>
+                        <p:cond evt="onBegin" delay="0">
+                          <p:tn val="2"/>
+                        </p:cond>
+                      </p:stCondLst>
+                      <p:childTnLst>
+                        <p:par>
+                          <p:cTn id="4" fill="hold">
+                            <p:stCondLst>
+                              <p:cond delay="0"/>
+                            </p:stCondLst>
+                            <p:childTnLst>
+                              <p:par>
+                                <p:cTn id="5" presetID="10" presetClass="entr" presetSubtype="0" fill="hold" nodeType="afterEffect">
+                                  <p:stCondLst>
+                                    <p:cond delay="0"/>
+                                  </p:stCondLst>
+                                  <p:childTnLst>
+                                    <p:set>
+                                      <p:cBhvr>
+                                        <p:cTn id="6" dur="1" fill="hold">
+                                          <p:stCondLst>
+                                            <p:cond delay="0"/>
+                                          </p:stCondLst>
+                                        </p:cTn>
+                                        <p:tgtEl>
+                                          <p:spTgt spid="5">
+                                            <p:txEl>
+                                              <p:pRg st="0" end="0"/>
+                                            </p:txEl>
+                                          </p:spTgt>
+                                        </p:tgtEl>
+                                        <p:attrNameLst>
+                                          <p:attrName>style.visibility</p:attrName>
+                                        </p:attrNameLst>
+                                      </p:cBhvr>
+                                      <p:to>
+                                        <p:strVal val="visible"/>
+                                      </p:to>
+                                    </p:set>
+                                    <p:animEffect transition="in" filter="fade">
+                                      <p:cBhvr>
+                                        <p:cTn id="7" dur="500"/>
+                                        <p:tgtEl>
+                                          <p:spTgt spid="5">
+                                            <p:txEl>
+                                              <p:pRg st="0" end="0"/>
+                                            </p:txEl>
+                                          </p:spTgt>
+                                        </p:tgtEl>
+                                      </p:cBhvr>
+                                    </p:animEffect>
+                                  </p:childTnLst>
+                                </p:cTn>
+                              </p:par>
+                            </p:childTnLst>
+                          </p:cTn>
+                        </p:par>
+                        <p:par>
+                          <p:cTn id="8" fill="hold">
+                            <p:stCondLst>
+                              <p:cond delay="500"/>
+                            </p:stCondLst>
+                            <p:childTnLst>
+                              <p:par>
+                                <p:cTn id="9" presetID="10" presetClass="entr" presetSubtype="0" fill="hold" nodeType="afterEffect">
+                                  <p:stCondLst>
+                                    <p:cond delay="0"/>
+                                  </p:stCondLst>
+                                  <p:childTnLst>
+                                    <p:set>
+                                      <p:cBhvr>
+                                        <p:cTn id="10" dur="1" fill="hold">
+                                          <p:stCondLst>
+                                            <p:cond delay="0"/>
+                                          </p:stCondLst>
+                                        </p:cTn>
+                                        <p:tgtEl>
+                                          <p:spTgt spid="5">
+                                            <p:txEl>
+                                              <p:pRg st="1" end="1"/>
+                                            </p:txEl>
+                                          </p:spTgt>
+                                        </p:tgtEl>
+                                        <p:attrNameLst>
+                                          <p:attrName>style.visibility</p:attrName>
+                                        </p:attrNameLst>
+                                      </p:cBhvr>
+                                      <p:to>
+                                        <p:strVal val="visible"/>
+                                      </p:to>
+                                    </p:set>
+                                    <p:animEffect transition="in" filter="fade">
+                                      <p:cBhvr>
+                                        <p:cTn id="11" dur="500"/>
+                                        <p:tgtEl>
+                                          <p:spTgt spid="5">
+                                            <p:txEl>
+                                              <p:pRg st="1" end="1"/>
+                                            </p:txEl>
+                                          </p:spTgt>
+                                        </p:tgtEl>
+                                      </p:cBhvr>
+                                    </p:animEffect>
+                                  </p:childTnLst>
+                                </p:cTn>
+                              </p:par>
+                            </p:childTnLst>
+                          </p:cTn>
+                        </p:par>
+                      </p:childTnLst>
+                    </p:cTn>
+                  </p:par>
+                  <p:par>
+                    <p:cTn id="12" fill="hold">
+                      <p:stCondLst>
+                        <p:cond delay="indefinite"/>
+                      </p:stCondLst>
+                      <p:childTnLst>
+                        <p:par>
+                          <p:cTn id="13" fill="hold">
+                            <p:stCondLst>
+                              <p:cond delay="0"/>
+                            </p:stCondLst>
+                            <p:childTnLst>
+                              <p:par>
+                                <p:cTn id="14" presetID="10" presetClass="entr" presetSubtype="0" fill="hold" grpId="0" nodeType="clickEffect">
+                                  <p:stCondLst>
+                                    <p:cond delay="0"/>
+                                  </p:stCondLst>
+                                  <p:childTnLst>
+                                    <p:set>
+                                      <p:cBhvr>
+                                        <p:cTn id="15" dur="1" fill="hold">
+                                          <p:stCondLst>
+                                            <p:cond delay="0"/>
+                                          </p:stCondLst>
+                                        </p:cTn>
+                                        <p:tgtEl>
+                                          <p:spTgt spid="28"/>
+                                        </p:tgtEl>
+                                        <p:attrNameLst>
+                                          <p:attrName>style.visibility</p:attrName>
+                                        </p:attrNameLst>
+                                      </p:cBhvr>
+                                      <p:to>
+                                        <p:strVal val="visible"/>
+                                      </p:to>
+                                    </p:set>
+                                    <p:animEffect transition="in" filter="fade">
+                                      <p:cBhvr>
+                                        <p:cTn id="16" dur="500"/>
+                                        <p:tgtEl>
+                                          <p:spTgt spid="28"/>
+                                        </p:tgtEl>
+                                      </p:cBhvr>
+                                    </p:animEffect>
+                                  </p:childTnLst>
+                                </p:cTn>
+                              </p:par>
+                            </p:childTnLst>
+                          </p:cTn>
+                        </p:par>
+                        <p:par>
+                          <p:cTn id="17" fill="hold">
+                            <p:stCondLst>
+                              <p:cond delay="500"/>
+                            </p:stCondLst>
+                            <p:childTnLst>
+                              <p:par>
+                                <p:cTn id="18" presetID="10" presetClass="entr" presetSubtype="0" fill="hold" grpId="0" nodeType="afterEffect">
+                                  <p:stCondLst>
+                                    <p:cond delay="0"/>
+                                  </p:stCondLst>
+                                  <p:childTnLst>
+                                    <p:set>
+                                      <p:cBhvr>
+                                        <p:cTn id="19" dur="1" fill="hold">
+                                          <p:stCondLst>
+                                            <p:cond delay="0"/>
+                                          </p:stCondLst>
+                                        </p:cTn>
+                                        <p:tgtEl>
+                                          <p:spTgt spid="21"/>
+                                        </p:tgtEl>
+                                        <p:attrNameLst>
+                                          <p:attrName>style.visibility</p:attrName>
+                                        </p:attrNameLst>
+                                      </p:cBhvr>
+                                      <p:to>
+                                        <p:strVal val="visible"/>
+                                      </p:to>
+                                    </p:set>
+                                    <p:animEffect transition="in" filter="fade">
+                                      <p:cBhvr>
+                                        <p:cTn id="20" dur="500"/>
+                                        <p:tgtEl>
+                                          <p:spTgt spid="21"/>
+                                        </p:tgtEl>
+                                      </p:cBhvr>
+                                    </p:animEffect>
+                                  </p:childTnLst>
+                                </p:cTn>
+                              </p:par>
+                            </p:childTnLst>
+                          </p:cTn>
+                        </p:par>
+                        <p:par>
+                          <p:cTn id="21" fill="hold">
+                            <p:stCondLst>
+                              <p:cond delay="1000"/>
+                            </p:stCondLst>
+                            <p:childTnLst>
+                              <p:par>
+                                <p:cTn id="22" presetID="10" presetClass="entr" presetSubtype="0" fill="hold" nodeType="afterEffect">
+                                  <p:stCondLst>
+                                    <p:cond delay="0"/>
+                                  </p:stCondLst>
+                                  <p:childTnLst>
+                                    <p:set>
+                                      <p:cBhvr>
+                                        <p:cTn id="23" dur="1" fill="hold">
+                                          <p:stCondLst>
+                                            <p:cond delay="0"/>
+                                          </p:stCondLst>
+                                        </p:cTn>
+                                        <p:tgtEl>
+                                          <p:spTgt spid="2056"/>
+                                        </p:tgtEl>
+                                        <p:attrNameLst>
+                                          <p:attrName>style.visibility</p:attrName>
+                                        </p:attrNameLst>
+                                      </p:cBhvr>
+                                      <p:to>
+                                        <p:strVal val="visible"/>
+                                      </p:to>
+                                    </p:set>
+                                    <p:animEffect transition="in" filter="fade">
+                                      <p:cBhvr>
+                                        <p:cTn id="24" dur="500"/>
+                                        <p:tgtEl>
+                                          <p:spTgt spid="2056"/>
+                                        </p:tgtEl>
+                                      </p:cBhvr>
+                                    </p:animEffect>
+                                  </p:childTnLst>
+                                </p:cTn>
+                              </p:par>
+                            </p:childTnLst>
+                          </p:cTn>
+                        </p:par>
+                      </p:childTnLst>
+                    </p:cTn>
+                  </p:par>
+                  <p:par>
+                    <p:cTn id="25" fill="hold">
+                      <p:stCondLst>
+                        <p:cond delay="indefinite"/>
+                      </p:stCondLst>
+                      <p:childTnLst>
+                        <p:par>
+                          <p:cTn id="26" fill="hold">
+                            <p:stCondLst>
+                              <p:cond delay="0"/>
+                            </p:stCondLst>
+                            <p:childTnLst>
+                              <p:par>
+                                <p:cTn id="27" presetID="10" presetClass="entr" presetSubtype="0" fill="hold" grpId="0" nodeType="clickEffect">
+                                  <p:stCondLst>
+                                    <p:cond delay="0"/>
+                                  </p:stCondLst>
+                                  <p:childTnLst>
+                                    <p:set>
+                                      <p:cBhvr>
+                                        <p:cTn id="28" dur="1" fill="hold">
+                                          <p:stCondLst>
+                                            <p:cond delay="0"/>
+                                          </p:stCondLst>
+                                        </p:cTn>
+                                        <p:tgtEl>
+                                          <p:spTgt spid="19"/>
+                                        </p:tgtEl>
+                                        <p:attrNameLst>
+                                          <p:attrName>style.visibility</p:attrName>
+                                        </p:attrNameLst>
+                                      </p:cBhvr>
+                                      <p:to>
+                                        <p:strVal val="visible"/>
+                                      </p:to>
+                                    </p:set>
+                                    <p:animEffect transition="in" filter="fade">
+                                      <p:cBhvr>
+                                        <p:cTn id="29" dur="500"/>
+                                        <p:tgtEl>
+                                          <p:spTgt spid="19"/>
+                                        </p:tgtEl>
+                                      </p:cBhvr>
+                                    </p:animEffect>
+                                  </p:childTnLst>
+                                </p:cTn>
+                              </p:par>
+                            </p:childTnLst>
+                          </p:cTn>
+                        </p:par>
+                        <p:par>
+                          <p:cTn id="30" fill="hold">
+                            <p:stCondLst>
+                              <p:cond delay="500"/>
+                            </p:stCondLst>
+                            <p:childTnLst>
+                              <p:par>
+                                <p:cTn id="31" presetID="10" presetClass="entr" presetSubtype="0" fill="hold" grpId="0" nodeType="afterEffect">
+                                  <p:stCondLst>
+                                    <p:cond delay="0"/>
+                                  </p:stCondLst>
+                                  <p:childTnLst>
+                                    <p:set>
+                                      <p:cBhvr>
+                                        <p:cTn id="32" dur="1" fill="hold">
+                                          <p:stCondLst>
+                                            <p:cond delay="0"/>
+                                          </p:stCondLst>
+                                        </p:cTn>
+                                        <p:tgtEl>
+                                          <p:spTgt spid="29"/>
+                                        </p:tgtEl>
+                                        <p:attrNameLst>
+                                          <p:attrName>style.visibility</p:attrName>
+                                        </p:attrNameLst>
+                                      </p:cBhvr>
+                                      <p:to>
+                                        <p:strVal val="visible"/>
+                                      </p:to>
+                                    </p:set>
+                                    <p:animEffect transition="in" filter="fade">
+                                      <p:cBhvr>
+                                        <p:cTn id="33" dur="500"/>
+                                        <p:tgtEl>
+                                          <p:spTgt spid="29"/>
+                                        </p:tgtEl>
+                                      </p:cBhvr>
+                                    </p:animEffect>
+                                  </p:childTnLst>
+                                </p:cTn>
+                              </p:par>
+                            </p:childTnLst>
+                          </p:cTn>
+                        </p:par>
+                        <p:par>
+                          <p:cTn id="34" fill="hold">
+                            <p:stCondLst>
+                              <p:cond delay="1000"/>
+                            </p:stCondLst>
+                            <p:childTnLst>
+                              <p:par>
+                                <p:cTn id="35" presetID="10" presetClass="entr" presetSubtype="0" fill="hold" nodeType="afterEffect">
+                                  <p:stCondLst>
+                                    <p:cond delay="0"/>
+                                  </p:stCondLst>
+                                  <p:childTnLst>
+                                    <p:set>
+                                      <p:cBhvr>
+                                        <p:cTn id="36" dur="1" fill="hold">
+                                          <p:stCondLst>
+                                            <p:cond delay="0"/>
+                                          </p:stCondLst>
+                                        </p:cTn>
+                                        <p:tgtEl>
+                                          <p:spTgt spid="2052"/>
+                                        </p:tgtEl>
+                                        <p:attrNameLst>
+                                          <p:attrName>style.visibility</p:attrName>
+                                        </p:attrNameLst>
+                                      </p:cBhvr>
+                                      <p:to>
+                                        <p:strVal val="visible"/>
+                                      </p:to>
+                                    </p:set>
+                                    <p:animEffect transition="in" filter="fade">
+                                      <p:cBhvr>
+                                        <p:cTn id="37" dur="500"/>
+                                        <p:tgtEl>
+                                          <p:spTgt spid="2052"/>
+                                        </p:tgtEl>
+                                      </p:cBhvr>
+                                    </p:animEffect>
+                                  </p:childTnLst>
+                                </p:cTn>
+                              </p:par>
+                            </p:childTnLst>
+                          </p:cTn>
+                        </p:par>
+                      </p:childTnLst>
+                    </p:cTn>
+                  </p:par>
+                  <p:par>
+                    <p:cTn id="38" fill="hold">
+                      <p:stCondLst>
+                        <p:cond delay="indefinite"/>
+                      </p:stCondLst>
+                      <p:childTnLst>
+                        <p:par>
+                          <p:cTn id="39" fill="hold">
+                            <p:stCondLst>
+                              <p:cond delay="0"/>
+                            </p:stCondLst>
+                            <p:childTnLst>
+                              <p:par>
+                                <p:cTn id="40" presetID="10" presetClass="entr" presetSubtype="0" fill="hold" grpId="0" nodeType="clickEffect">
+                                  <p:stCondLst>
+                                    <p:cond delay="0"/>
+                                  </p:stCondLst>
+                                  <p:childTnLst>
+                                    <p:set>
+                                      <p:cBhvr>
+                                        <p:cTn id="41" dur="1" fill="hold">
+                                          <p:stCondLst>
+                                            <p:cond delay="0"/>
+                                          </p:stCondLst>
+                                        </p:cTn>
+                                        <p:tgtEl>
+                                          <p:spTgt spid="22"/>
+                                        </p:tgtEl>
+                                        <p:attrNameLst>
+                                          <p:attrName>style.visibility</p:attrName>
+                                        </p:attrNameLst>
+                                      </p:cBhvr>
+                                      <p:to>
+                                        <p:strVal val="visible"/>
+                                      </p:to>
+                                    </p:set>
+                                    <p:animEffect transition="in" filter="fade">
+                                      <p:cBhvr>
+                                        <p:cTn id="42" dur="500"/>
+                                        <p:tgtEl>
+                                          <p:spTgt spid="22"/>
+                                        </p:tgtEl>
+                                      </p:cBhvr>
+                                    </p:animEffect>
+                                  </p:childTnLst>
+                                </p:cTn>
+                              </p:par>
+                            </p:childTnLst>
+                          </p:cTn>
+                        </p:par>
+                        <p:par>
+                          <p:cTn id="43" fill="hold">
+                            <p:stCondLst>
+                              <p:cond delay="500"/>
+                            </p:stCondLst>
+                            <p:childTnLst>
+                              <p:par>
+                                <p:cTn id="44" presetID="10" presetClass="entr" presetSubtype="0" fill="hold" grpId="0" nodeType="afterEffect">
+                                  <p:stCondLst>
+                                    <p:cond delay="0"/>
+                                  </p:stCondLst>
+                                  <p:childTnLst>
+                                    <p:set>
+                                      <p:cBhvr>
+                                        <p:cTn id="45" dur="1" fill="hold">
+                                          <p:stCondLst>
+                                            <p:cond delay="0"/>
+                                          </p:stCondLst>
+                                        </p:cTn>
+                                        <p:tgtEl>
+                                          <p:spTgt spid="31"/>
+                                        </p:tgtEl>
+                                        <p:attrNameLst>
+                                          <p:attrName>style.visibility</p:attrName>
+                                        </p:attrNameLst>
+                                      </p:cBhvr>
+                                      <p:to>
+                                        <p:strVal val="visible"/>
+                                      </p:to>
+                                    </p:set>
+                                    <p:animEffect transition="in" filter="fade">
+                                      <p:cBhvr>
+                                        <p:cTn id="46" dur="500"/>
+                                        <p:tgtEl>
+                                          <p:spTgt spid="31"/>
+                                        </p:tgtEl>
+                                      </p:cBhvr>
+                                    </p:animEffect>
+                                  </p:childTnLst>
+                                </p:cTn>
+                              </p:par>
+                            </p:childTnLst>
+                          </p:cTn>
+                        </p:par>
+                        <p:par>
+                          <p:cTn id="47" fill="hold">
+                            <p:stCondLst>
+                              <p:cond delay="1000"/>
+                            </p:stCondLst>
+                            <p:childTnLst>
+                              <p:par>
+                                <p:cTn id="48" presetID="10" presetClass="entr" presetSubtype="0" fill="hold" nodeType="afterEffect">
+                                  <p:stCondLst>
+                                    <p:cond delay="0"/>
+                                  </p:stCondLst>
+                                  <p:childTnLst>
+                                    <p:set>
+                                      <p:cBhvr>
+                                        <p:cTn id="49" dur="1" fill="hold">
+                                          <p:stCondLst>
+                                            <p:cond delay="0"/>
+                                          </p:stCondLst>
+                                        </p:cTn>
+                                        <p:tgtEl>
+                                          <p:spTgt spid="2054"/>
+                                        </p:tgtEl>
+                                        <p:attrNameLst>
+                                          <p:attrName>style.visibility</p:attrName>
+                                        </p:attrNameLst>
+                                      </p:cBhvr>
+                                      <p:to>
+                                        <p:strVal val="visible"/>
+                                      </p:to>
+                                    </p:set>
+                                    <p:animEffect transition="in" filter="fade">
+                                      <p:cBhvr>
+                                        <p:cTn id="50" dur="500"/>
+                                        <p:tgtEl>
+                                          <p:spTgt spid="2054"/>
+                                        </p:tgtEl>
+                                      </p:cBhvr>
+                                    </p:animEffect>
+                                  </p:childTnLst>
+                                </p:cTn>
+                              </p:par>
+                            </p:childTnLst>
+                          </p:cTn>
+                        </p:par>
+                      </p:childTnLst>
+                    </p:cTn>
+                  </p:par>
+                  <p:par>
+                    <p:cTn id="51" fill="hold">
+                      <p:stCondLst>
+                        <p:cond delay="indefinite"/>
+                      </p:stCondLst>
+                      <p:childTnLst>
+                        <p:par>
+                          <p:cTn id="52" fill="hold">
+                            <p:stCondLst>
+                              <p:cond delay="0"/>
+                            </p:stCondLst>
+                            <p:childTnLst>
+                              <p:par>
+                                <p:cTn id="53" presetID="10" presetClass="entr" presetSubtype="0" fill="hold" grpId="0" nodeType="clickEffect">
+                                  <p:stCondLst>
+                                    <p:cond delay="0"/>
+                                  </p:stCondLst>
+                                  <p:childTnLst>
+                                    <p:set>
+                                      <p:cBhvr>
+                                        <p:cTn id="54" dur="1" fill="hold">
+                                          <p:stCondLst>
+                                            <p:cond delay="0"/>
+                                          </p:stCondLst>
+                                        </p:cTn>
+                                        <p:tgtEl>
+                                          <p:spTgt spid="23"/>
+                                        </p:tgtEl>
+                                        <p:attrNameLst>
+                                          <p:attrName>style.visibility</p:attrName>
+                                        </p:attrNameLst>
+                                      </p:cBhvr>
+                                      <p:to>
+                                        <p:strVal val="visible"/>
+                                      </p:to>
+                                    </p:set>
+                                    <p:animEffect transition="in" filter="fade">
+                                      <p:cBhvr>
+                                        <p:cTn id="55" dur="500"/>
+                                        <p:tgtEl>
+                                          <p:spTgt spid="23"/>
+                                        </p:tgtEl>
+                                      </p:cBhvr>
+                                    </p:animEffect>
+                                  </p:childTnLst>
+                                </p:cTn>
+                              </p:par>
+                            </p:childTnLst>
+                          </p:cTn>
+                        </p:par>
+                        <p:par>
+                          <p:cTn id="56" fill="hold">
+                            <p:stCondLst>
+                              <p:cond delay="500"/>
+                            </p:stCondLst>
+                            <p:childTnLst>
+                              <p:par>
+                                <p:cTn id="57" presetID="10" presetClass="entr" presetSubtype="0" fill="hold" grpId="0" nodeType="afterEffect">
+                                  <p:stCondLst>
+                                    <p:cond delay="0"/>
+                                  </p:stCondLst>
+                                  <p:childTnLst>
+                                    <p:set>
+                                      <p:cBhvr>
+                                        <p:cTn id="58" dur="1" fill="hold">
+                                          <p:stCondLst>
+                                            <p:cond delay="0"/>
+                                          </p:stCondLst>
+                                        </p:cTn>
+                                        <p:tgtEl>
+                                          <p:spTgt spid="32"/>
+                                        </p:tgtEl>
+                                        <p:attrNameLst>
+                                          <p:attrName>style.visibility</p:attrName>
+                                        </p:attrNameLst>
+                                      </p:cBhvr>
+                                      <p:to>
+                                        <p:strVal val="visible"/>
+                                      </p:to>
+                                    </p:set>
+                                    <p:animEffect transition="in" filter="fade">
+                                      <p:cBhvr>
+                                        <p:cTn id="59" dur="500"/>
+                                        <p:tgtEl>
+                                          <p:spTgt spid="32"/>
+                                        </p:tgtEl>
+                                      </p:cBhvr>
+                                    </p:animEffect>
+                                  </p:childTnLst>
+                                </p:cTn>
+                              </p:par>
+                            </p:childTnLst>
+                          </p:cTn>
+                        </p:par>
+                        <p:par>
+                          <p:cTn id="60" fill="hold">
+                            <p:stCondLst>
+                              <p:cond delay="1000"/>
+                            </p:stCondLst>
+                            <p:childTnLst>
+                              <p:par>
+                                <p:cTn id="61" presetID="10" presetClass="entr" presetSubtype="0" fill="hold" nodeType="afterEffect">
+                                  <p:stCondLst>
+                                    <p:cond delay="0"/>
+                                  </p:stCondLst>
+                                  <p:childTnLst>
+                                    <p:set>
+                                      <p:cBhvr>
+                                        <p:cTn id="62" dur="1" fill="hold">
+                                          <p:stCondLst>
+                                            <p:cond delay="0"/>
+                                          </p:stCondLst>
+                                        </p:cTn>
+                                        <p:tgtEl>
+                                          <p:spTgt spid="2055"/>
+                                        </p:tgtEl>
+                                        <p:attrNameLst>
+                                          <p:attrName>style.visibility</p:attrName>
+                                        </p:attrNameLst>
+                                      </p:cBhvr>
+                                      <p:to>
+                                        <p:strVal val="visible"/>
+                                      </p:to>
+                                    </p:set>
+                                    <p:animEffect transition="in" filter="fade">
+                                      <p:cBhvr>
+                                        <p:cTn id="63" dur="500"/>
+                                        <p:tgtEl>
+                                          <p:spTgt spid="2055"/>
+                                        </p:tgtEl>
+                                      </p:cBhvr>
+                                    </p:animEffect>
+                                  </p:childTnLst>
+                                </p:cTn>
+                              </p:par>
+                            </p:childTnLst>
+                          </p:cTn>
+                        </p:par>
+                      </p:childTnLst>
+                    </p:cTn>
+                  </p:par>
+                </p:childTnLst>
+              </p:cTn>
+              <p:prevCondLst>
+                <p:cond evt="onPrev" delay="0">
+                  <p:tgtEl>
+                    <p:sldTgt/>
+                  </p:tgtEl>
+                </p:cond>
+              </p:prevCondLst>
+              <p:nextCondLst>
+                <p:cond evt="onNext" delay="0">
+                  <p:tgtEl>
+                    <p:sldTgt/>
+                  </p:tgtEl>
+                </p:cond>
+              </p:nextCondLst>
+            </p:seq>
+          </p:childTnLst>
+        </p:cTn>
       </p:par>
     </p:tnLst>
+    <p:bldLst>
+      <p:bldP spid="28" grpId="0"/>
+      <p:bldP spid="19" grpId="0" animBg="1"/>
+      <p:bldP spid="21" grpId="0" animBg="1"/>
+      <p:bldP spid="22" grpId="0" animBg="1"/>
+      <p:bldP spid="23" grpId="0" animBg="1"/>
+      <p:bldP spid="29" grpId="0" animBg="1"/>
+      <p:bldP spid="31" grpId="0" animBg="1"/>
+      <p:bldP spid="32" grpId="0" animBg="1"/>
+    </p:bldLst>
   </p:timing>
 </p:sld>
 </file>
@@ -7538,8 +9715,86 @@
           <a:p>
             <a:r>
               <a:rPr lang="en-GB" dirty="0" smtClean="0"/>
-              <a:t>Let's try our hand by trying to detect some Credit Card Frauds!</a:t>
+              <a:t>Let's </a:t>
             </a:r>
+            <a:r>
+              <a:rPr lang="en-GB" dirty="0" smtClean="0"/>
+              <a:t>try </a:t>
+            </a:r>
+            <a:r>
+              <a:rPr lang="en-GB" dirty="0" smtClean="0"/>
+              <a:t>to bui</a:t>
+            </a:r>
+            <a:r>
+              <a:rPr lang="en-GB" dirty="0" smtClean="0"/>
+              <a:t>ld some </a:t>
+            </a:r>
+            <a:r>
+              <a:rPr lang="en-GB" b="1" dirty="0" smtClean="0"/>
+              <a:t>Neural Networks</a:t>
+            </a:r>
+          </a:p>
+          <a:p>
+            <a:endParaRPr lang="en-GB" dirty="0" smtClean="0"/>
+          </a:p>
+          <a:p>
+            <a:endParaRPr lang="en-GB" dirty="0" smtClean="0"/>
+          </a:p>
+          <a:p>
+            <a:endParaRPr lang="en-GB" dirty="0"/>
+          </a:p>
+          <a:p>
+            <a:r>
+              <a:rPr lang="en-GB" b="1" dirty="0"/>
+              <a:t>Convolutional Neural </a:t>
+            </a:r>
+            <a:r>
+              <a:rPr lang="en-GB" b="1" dirty="0" smtClean="0"/>
+              <a:t>Networks </a:t>
+            </a:r>
+            <a:r>
+              <a:rPr lang="en-GB" dirty="0" smtClean="0"/>
+              <a:t>can be used for image recognition</a:t>
+            </a:r>
+          </a:p>
+          <a:p>
+            <a:endParaRPr lang="en-GB" dirty="0" smtClean="0"/>
+          </a:p>
+          <a:p>
+            <a:endParaRPr lang="en-GB" dirty="0" smtClean="0"/>
+          </a:p>
+          <a:p>
+            <a:endParaRPr lang="en-GB" dirty="0"/>
+          </a:p>
+          <a:p>
+            <a:r>
+              <a:rPr lang="en-GB" b="1" dirty="0" smtClean="0"/>
+              <a:t>Recurring Neural Networks </a:t>
+            </a:r>
+            <a:r>
+              <a:rPr lang="en-GB" dirty="0" smtClean="0"/>
+              <a:t>can be used for text recognition</a:t>
+            </a:r>
+          </a:p>
+          <a:p>
+            <a:endParaRPr lang="en-GB" dirty="0" smtClean="0"/>
+          </a:p>
+          <a:p>
+            <a:endParaRPr lang="en-GB" dirty="0" smtClean="0"/>
+          </a:p>
+          <a:p>
+            <a:endParaRPr lang="en-GB" dirty="0"/>
+          </a:p>
+          <a:p>
+            <a:r>
+              <a:rPr lang="en-GB" dirty="0" smtClean="0"/>
+              <a:t>The process of fighting overfitting is called </a:t>
+            </a:r>
+            <a:r>
+              <a:rPr lang="en-GB" b="1" dirty="0" smtClean="0"/>
+              <a:t>regularization</a:t>
+            </a:r>
+            <a:endParaRPr lang="en-GB" b="1" dirty="0" smtClean="0"/>
           </a:p>
           <a:p>
             <a:endParaRPr lang="en-GB" dirty="0"/>
@@ -7563,12 +9818,149 @@
           <a:p>
             <a:r>
               <a:rPr lang="en-GB" dirty="0" smtClean="0"/>
-              <a:t>What is Deep Learning?</a:t>
+              <a:t>Time to get our hands dirty</a:t>
             </a:r>
             <a:endParaRPr lang="en-GB" dirty="0"/>
           </a:p>
         </p:txBody>
       </p:sp>
+      <p:grpSp>
+        <p:nvGrpSpPr>
+          <p:cNvPr id="11" name="Group 10"/>
+          <p:cNvGrpSpPr/>
+          <p:nvPr/>
+        </p:nvGrpSpPr>
+        <p:grpSpPr>
+          <a:xfrm>
+            <a:off x="5526074" y="2734507"/>
+            <a:ext cx="3274030" cy="821701"/>
+            <a:chOff x="4934310" y="2850293"/>
+            <a:chExt cx="4276371" cy="821701"/>
+          </a:xfrm>
+        </p:grpSpPr>
+        <p:sp>
+          <p:nvSpPr>
+            <p:cNvPr id="12" name="Rounded Rectangle 11"/>
+            <p:cNvSpPr/>
+            <p:nvPr/>
+          </p:nvSpPr>
+          <p:spPr>
+            <a:xfrm>
+              <a:off x="4934310" y="2850293"/>
+              <a:ext cx="4095640" cy="644994"/>
+            </a:xfrm>
+            <a:prstGeom prst="roundRect">
+              <a:avLst/>
+            </a:prstGeom>
+            <a:ln/>
+          </p:spPr>
+          <p:style>
+            <a:lnRef idx="2">
+              <a:schemeClr val="dk1"/>
+            </a:lnRef>
+            <a:fillRef idx="1">
+              <a:schemeClr val="lt1"/>
+            </a:fillRef>
+            <a:effectRef idx="0">
+              <a:schemeClr val="dk1"/>
+            </a:effectRef>
+            <a:fontRef idx="minor">
+              <a:schemeClr val="dk1"/>
+            </a:fontRef>
+          </p:style>
+          <p:txBody>
+            <a:bodyPr rtlCol="0" anchor="ctr"/>
+            <a:lstStyle/>
+            <a:p>
+              <a:r>
+                <a:rPr lang="en-GB" dirty="0" smtClean="0">
+                  <a:solidFill>
+                    <a:schemeClr val="tx1"/>
+                  </a:solidFill>
+                </a:rPr>
+                <a:t>Hands on the code!</a:t>
+              </a:r>
+            </a:p>
+            <a:p>
+              <a:r>
+                <a:rPr lang="en-GB" b="1" u="sng" dirty="0" smtClean="0">
+                  <a:solidFill>
+                    <a:srgbClr val="F37726"/>
+                  </a:solidFill>
+                </a:rPr>
+                <a:t>3_2_CNN.ipynb</a:t>
+              </a:r>
+              <a:endParaRPr lang="en-GB" b="1" u="sng" dirty="0" smtClean="0">
+                <a:solidFill>
+                  <a:srgbClr val="F37726"/>
+                </a:solidFill>
+              </a:endParaRPr>
+            </a:p>
+          </p:txBody>
+        </p:sp>
+        <p:pic>
+          <p:nvPicPr>
+            <p:cNvPr id="13" name="Picture 3"/>
+            <p:cNvPicPr>
+              <a:picLocks noChangeAspect="1" noChangeArrowheads="1"/>
+            </p:cNvPicPr>
+            <p:nvPr/>
+          </p:nvPicPr>
+          <p:blipFill rotWithShape="1">
+            <a:blip r:embed="rId2" cstate="print">
+              <a:extLst>
+                <a:ext uri="{28A0092B-C50C-407E-A947-70E740481C1C}">
+                  <a14:useLocalDpi xmlns:a14="http://schemas.microsoft.com/office/drawing/2010/main" val="0"/>
+                </a:ext>
+              </a:extLst>
+            </a:blip>
+            <a:srcRect t="15452" b="32241"/>
+            <a:stretch/>
+          </p:blipFill>
+          <p:spPr bwMode="auto">
+            <a:xfrm>
+              <a:off x="8411466" y="3253945"/>
+              <a:ext cx="799215" cy="418049"/>
+            </a:xfrm>
+            <a:prstGeom prst="rect">
+              <a:avLst/>
+            </a:prstGeom>
+            <a:noFill/>
+            <a:ln>
+              <a:noFill/>
+            </a:ln>
+            <a:effectLst/>
+            <a:extLst>
+              <a:ext uri="{909E8E84-426E-40DD-AFC4-6F175D3DCCD1}">
+                <a14:hiddenFill xmlns:a14="http://schemas.microsoft.com/office/drawing/2010/main">
+                  <a:solidFill>
+                    <a:schemeClr val="accent1"/>
+                  </a:solidFill>
+                </a14:hiddenFill>
+              </a:ext>
+              <a:ext uri="{91240B29-F687-4F45-9708-019B960494DF}">
+                <a14:hiddenLine xmlns:a14="http://schemas.microsoft.com/office/drawing/2010/main" w="9525">
+                  <a:solidFill>
+                    <a:schemeClr val="tx1"/>
+                  </a:solidFill>
+                  <a:miter lim="800000"/>
+                  <a:headEnd/>
+                  <a:tailEnd/>
+                </a14:hiddenLine>
+              </a:ext>
+              <a:ext uri="{AF507438-7753-43E0-B8FC-AC1667EBCBE1}">
+                <a14:hiddenEffects xmlns:a14="http://schemas.microsoft.com/office/drawing/2010/main">
+                  <a:effectLst>
+                    <a:outerShdw dist="35921" dir="2700000" algn="ctr" rotWithShape="0">
+                      <a:schemeClr val="bg2"/>
+                    </a:outerShdw>
+                  </a:effectLst>
+                </a14:hiddenEffects>
+              </a:ext>
+            </a:extLst>
+          </p:spPr>
+        </p:pic>
+      </p:grpSp>
       <p:grpSp>
         <p:nvGrpSpPr>
           <p:cNvPr id="15" name="Group 14"/>
@@ -7577,8 +9969,8 @@
         </p:nvGrpSpPr>
         <p:grpSpPr>
           <a:xfrm>
-            <a:off x="4934310" y="5334692"/>
-            <a:ext cx="4276371" cy="821701"/>
+            <a:off x="5526074" y="1560874"/>
+            <a:ext cx="3274030" cy="821701"/>
             <a:chOff x="4934310" y="2850293"/>
             <a:chExt cx="4276371" cy="821701"/>
           </a:xfrm>
@@ -7633,14 +10025,293 @@
                     <a:srgbClr val="F37726"/>
                   </a:solidFill>
                 </a:rPr>
-                <a:t>2_5_CreditCardFraud.ipynb</a:t>
+                <a:t>3_1_NNIntro.ipynb</a:t>
               </a:r>
+              <a:endParaRPr lang="en-GB" b="1" u="sng" dirty="0" smtClean="0">
+                <a:solidFill>
+                  <a:srgbClr val="F37726"/>
+                </a:solidFill>
+              </a:endParaRPr>
             </a:p>
           </p:txBody>
         </p:sp>
         <p:pic>
           <p:nvPicPr>
             <p:cNvPr id="17" name="Picture 3"/>
+            <p:cNvPicPr>
+              <a:picLocks noChangeAspect="1" noChangeArrowheads="1"/>
+            </p:cNvPicPr>
+            <p:nvPr/>
+          </p:nvPicPr>
+          <p:blipFill rotWithShape="1">
+            <a:blip r:embed="rId2" cstate="print">
+              <a:extLst>
+                <a:ext uri="{28A0092B-C50C-407E-A947-70E740481C1C}">
+                  <a14:useLocalDpi xmlns:a14="http://schemas.microsoft.com/office/drawing/2010/main" val="0"/>
+                </a:ext>
+              </a:extLst>
+            </a:blip>
+            <a:srcRect t="15452" b="32241"/>
+            <a:stretch/>
+          </p:blipFill>
+          <p:spPr bwMode="auto">
+            <a:xfrm>
+              <a:off x="8411466" y="3253945"/>
+              <a:ext cx="799215" cy="418049"/>
+            </a:xfrm>
+            <a:prstGeom prst="rect">
+              <a:avLst/>
+            </a:prstGeom>
+            <a:noFill/>
+            <a:ln>
+              <a:noFill/>
+            </a:ln>
+            <a:effectLst/>
+            <a:extLst>
+              <a:ext uri="{909E8E84-426E-40DD-AFC4-6F175D3DCCD1}">
+                <a14:hiddenFill xmlns:a14="http://schemas.microsoft.com/office/drawing/2010/main">
+                  <a:solidFill>
+                    <a:schemeClr val="accent1"/>
+                  </a:solidFill>
+                </a14:hiddenFill>
+              </a:ext>
+              <a:ext uri="{91240B29-F687-4F45-9708-019B960494DF}">
+                <a14:hiddenLine xmlns:a14="http://schemas.microsoft.com/office/drawing/2010/main" w="9525">
+                  <a:solidFill>
+                    <a:schemeClr val="tx1"/>
+                  </a:solidFill>
+                  <a:miter lim="800000"/>
+                  <a:headEnd/>
+                  <a:tailEnd/>
+                </a14:hiddenLine>
+              </a:ext>
+              <a:ext uri="{AF507438-7753-43E0-B8FC-AC1667EBCBE1}">
+                <a14:hiddenEffects xmlns:a14="http://schemas.microsoft.com/office/drawing/2010/main">
+                  <a:effectLst>
+                    <a:outerShdw dist="35921" dir="2700000" algn="ctr" rotWithShape="0">
+                      <a:schemeClr val="bg2"/>
+                    </a:outerShdw>
+                  </a:effectLst>
+                </a14:hiddenEffects>
+              </a:ext>
+            </a:extLst>
+          </p:spPr>
+        </p:pic>
+      </p:grpSp>
+      <p:grpSp>
+        <p:nvGrpSpPr>
+          <p:cNvPr id="14" name="Group 13"/>
+          <p:cNvGrpSpPr/>
+          <p:nvPr/>
+        </p:nvGrpSpPr>
+        <p:grpSpPr>
+          <a:xfrm>
+            <a:off x="5526074" y="5069052"/>
+            <a:ext cx="3274030" cy="821701"/>
+            <a:chOff x="4934310" y="2850293"/>
+            <a:chExt cx="4276371" cy="821701"/>
+          </a:xfrm>
+        </p:grpSpPr>
+        <p:sp>
+          <p:nvSpPr>
+            <p:cNvPr id="18" name="Rounded Rectangle 17"/>
+            <p:cNvSpPr/>
+            <p:nvPr/>
+          </p:nvSpPr>
+          <p:spPr>
+            <a:xfrm>
+              <a:off x="4934310" y="2850293"/>
+              <a:ext cx="4095640" cy="644994"/>
+            </a:xfrm>
+            <a:prstGeom prst="roundRect">
+              <a:avLst/>
+            </a:prstGeom>
+            <a:ln/>
+          </p:spPr>
+          <p:style>
+            <a:lnRef idx="2">
+              <a:schemeClr val="dk1"/>
+            </a:lnRef>
+            <a:fillRef idx="1">
+              <a:schemeClr val="lt1"/>
+            </a:fillRef>
+            <a:effectRef idx="0">
+              <a:schemeClr val="dk1"/>
+            </a:effectRef>
+            <a:fontRef idx="minor">
+              <a:schemeClr val="dk1"/>
+            </a:fontRef>
+          </p:style>
+          <p:txBody>
+            <a:bodyPr rtlCol="0" anchor="ctr"/>
+            <a:lstStyle/>
+            <a:p>
+              <a:r>
+                <a:rPr lang="en-GB" dirty="0" smtClean="0">
+                  <a:solidFill>
+                    <a:schemeClr val="tx1"/>
+                  </a:solidFill>
+                </a:rPr>
+                <a:t>Hands on the code!</a:t>
+              </a:r>
+            </a:p>
+            <a:p>
+              <a:r>
+                <a:rPr lang="en-GB" b="1" u="sng" dirty="0">
+                  <a:solidFill>
+                    <a:srgbClr val="F37726"/>
+                  </a:solidFill>
+                </a:rPr>
+                <a:t>3_4_Regularization.ipynb</a:t>
+              </a:r>
+              <a:endParaRPr lang="en-GB" b="1" u="sng" dirty="0" smtClean="0">
+                <a:solidFill>
+                  <a:srgbClr val="F37726"/>
+                </a:solidFill>
+              </a:endParaRPr>
+            </a:p>
+          </p:txBody>
+        </p:sp>
+        <p:pic>
+          <p:nvPicPr>
+            <p:cNvPr id="19" name="Picture 3"/>
+            <p:cNvPicPr>
+              <a:picLocks noChangeAspect="1" noChangeArrowheads="1"/>
+            </p:cNvPicPr>
+            <p:nvPr/>
+          </p:nvPicPr>
+          <p:blipFill rotWithShape="1">
+            <a:blip r:embed="rId2" cstate="print">
+              <a:extLst>
+                <a:ext uri="{28A0092B-C50C-407E-A947-70E740481C1C}">
+                  <a14:useLocalDpi xmlns:a14="http://schemas.microsoft.com/office/drawing/2010/main" val="0"/>
+                </a:ext>
+              </a:extLst>
+            </a:blip>
+            <a:srcRect t="15452" b="32241"/>
+            <a:stretch/>
+          </p:blipFill>
+          <p:spPr bwMode="auto">
+            <a:xfrm>
+              <a:off x="8411466" y="3253945"/>
+              <a:ext cx="799215" cy="418049"/>
+            </a:xfrm>
+            <a:prstGeom prst="rect">
+              <a:avLst/>
+            </a:prstGeom>
+            <a:noFill/>
+            <a:ln>
+              <a:noFill/>
+            </a:ln>
+            <a:effectLst/>
+            <a:extLst>
+              <a:ext uri="{909E8E84-426E-40DD-AFC4-6F175D3DCCD1}">
+                <a14:hiddenFill xmlns:a14="http://schemas.microsoft.com/office/drawing/2010/main">
+                  <a:solidFill>
+                    <a:schemeClr val="accent1"/>
+                  </a:solidFill>
+                </a14:hiddenFill>
+              </a:ext>
+              <a:ext uri="{91240B29-F687-4F45-9708-019B960494DF}">
+                <a14:hiddenLine xmlns:a14="http://schemas.microsoft.com/office/drawing/2010/main" w="9525">
+                  <a:solidFill>
+                    <a:schemeClr val="tx1"/>
+                  </a:solidFill>
+                  <a:miter lim="800000"/>
+                  <a:headEnd/>
+                  <a:tailEnd/>
+                </a14:hiddenLine>
+              </a:ext>
+              <a:ext uri="{AF507438-7753-43E0-B8FC-AC1667EBCBE1}">
+                <a14:hiddenEffects xmlns:a14="http://schemas.microsoft.com/office/drawing/2010/main">
+                  <a:effectLst>
+                    <a:outerShdw dist="35921" dir="2700000" algn="ctr" rotWithShape="0">
+                      <a:schemeClr val="bg2"/>
+                    </a:outerShdw>
+                  </a:effectLst>
+                </a14:hiddenEffects>
+              </a:ext>
+            </a:extLst>
+          </p:spPr>
+        </p:pic>
+      </p:grpSp>
+      <p:grpSp>
+        <p:nvGrpSpPr>
+          <p:cNvPr id="20" name="Group 19"/>
+          <p:cNvGrpSpPr/>
+          <p:nvPr/>
+        </p:nvGrpSpPr>
+        <p:grpSpPr>
+          <a:xfrm>
+            <a:off x="5526074" y="3900202"/>
+            <a:ext cx="3274030" cy="821701"/>
+            <a:chOff x="4934310" y="2850293"/>
+            <a:chExt cx="4276371" cy="821701"/>
+          </a:xfrm>
+        </p:grpSpPr>
+        <p:sp>
+          <p:nvSpPr>
+            <p:cNvPr id="21" name="Rounded Rectangle 20"/>
+            <p:cNvSpPr/>
+            <p:nvPr/>
+          </p:nvSpPr>
+          <p:spPr>
+            <a:xfrm>
+              <a:off x="4934310" y="2850293"/>
+              <a:ext cx="4095640" cy="644994"/>
+            </a:xfrm>
+            <a:prstGeom prst="roundRect">
+              <a:avLst/>
+            </a:prstGeom>
+            <a:ln/>
+          </p:spPr>
+          <p:style>
+            <a:lnRef idx="2">
+              <a:schemeClr val="dk1"/>
+            </a:lnRef>
+            <a:fillRef idx="1">
+              <a:schemeClr val="lt1"/>
+            </a:fillRef>
+            <a:effectRef idx="0">
+              <a:schemeClr val="dk1"/>
+            </a:effectRef>
+            <a:fontRef idx="minor">
+              <a:schemeClr val="dk1"/>
+            </a:fontRef>
+          </p:style>
+          <p:txBody>
+            <a:bodyPr rtlCol="0" anchor="ctr"/>
+            <a:lstStyle/>
+            <a:p>
+              <a:r>
+                <a:rPr lang="en-GB" dirty="0" smtClean="0">
+                  <a:solidFill>
+                    <a:schemeClr val="tx1"/>
+                  </a:solidFill>
+                </a:rPr>
+                <a:t>Hands on the code!</a:t>
+              </a:r>
+            </a:p>
+            <a:p>
+              <a:r>
+                <a:rPr lang="en-GB" b="1" u="sng" dirty="0" smtClean="0">
+                  <a:solidFill>
+                    <a:srgbClr val="F37726"/>
+                  </a:solidFill>
+                </a:rPr>
+                <a:t>3_3_RNN.ipynb</a:t>
+              </a:r>
+              <a:endParaRPr lang="en-GB" b="1" u="sng" dirty="0" smtClean="0">
+                <a:solidFill>
+                  <a:srgbClr val="F37726"/>
+                </a:solidFill>
+              </a:endParaRPr>
+            </a:p>
+          </p:txBody>
+        </p:sp>
+        <p:pic>
+          <p:nvPicPr>
+            <p:cNvPr id="22" name="Picture 3"/>
             <p:cNvPicPr>
               <a:picLocks noChangeAspect="1" noChangeArrowheads="1"/>
             </p:cNvPicPr>
@@ -7745,7 +10416,11 @@
                                           </p:stCondLst>
                                         </p:cTn>
                                         <p:tgtEl>
-                                          <p:spTgt spid="15"/>
+                                          <p:spTgt spid="5">
+                                            <p:txEl>
+                                              <p:pRg st="0" end="0"/>
+                                            </p:txEl>
+                                          </p:spTgt>
                                         </p:tgtEl>
                                         <p:attrNameLst>
                                           <p:attrName>style.visibility</p:attrName>
@@ -7759,7 +10434,343 @@
                                       <p:cBhvr>
                                         <p:cTn id="7" dur="500"/>
                                         <p:tgtEl>
+                                          <p:spTgt spid="5">
+                                            <p:txEl>
+                                              <p:pRg st="0" end="0"/>
+                                            </p:txEl>
+                                          </p:spTgt>
+                                        </p:tgtEl>
+                                      </p:cBhvr>
+                                    </p:animEffect>
+                                  </p:childTnLst>
+                                </p:cTn>
+                              </p:par>
+                            </p:childTnLst>
+                          </p:cTn>
+                        </p:par>
+                        <p:par>
+                          <p:cTn id="8" fill="hold">
+                            <p:stCondLst>
+                              <p:cond delay="500"/>
+                            </p:stCondLst>
+                            <p:childTnLst>
+                              <p:par>
+                                <p:cTn id="9" presetID="10" presetClass="entr" presetSubtype="0" fill="hold" nodeType="afterEffect">
+                                  <p:stCondLst>
+                                    <p:cond delay="0"/>
+                                  </p:stCondLst>
+                                  <p:childTnLst>
+                                    <p:set>
+                                      <p:cBhvr>
+                                        <p:cTn id="10" dur="1" fill="hold">
+                                          <p:stCondLst>
+                                            <p:cond delay="0"/>
+                                          </p:stCondLst>
+                                        </p:cTn>
+                                        <p:tgtEl>
                                           <p:spTgt spid="15"/>
+                                        </p:tgtEl>
+                                        <p:attrNameLst>
+                                          <p:attrName>style.visibility</p:attrName>
+                                        </p:attrNameLst>
+                                      </p:cBhvr>
+                                      <p:to>
+                                        <p:strVal val="visible"/>
+                                      </p:to>
+                                    </p:set>
+                                    <p:animEffect transition="in" filter="fade">
+                                      <p:cBhvr>
+                                        <p:cTn id="11" dur="500"/>
+                                        <p:tgtEl>
+                                          <p:spTgt spid="15"/>
+                                        </p:tgtEl>
+                                      </p:cBhvr>
+                                    </p:animEffect>
+                                  </p:childTnLst>
+                                </p:cTn>
+                              </p:par>
+                            </p:childTnLst>
+                          </p:cTn>
+                        </p:par>
+                        <p:par>
+                          <p:cTn id="12" fill="hold">
+                            <p:stCondLst>
+                              <p:cond delay="1000"/>
+                            </p:stCondLst>
+                            <p:childTnLst>
+                              <p:par>
+                                <p:cTn id="13" presetID="10" presetClass="entr" presetSubtype="0" fill="hold" nodeType="afterEffect">
+                                  <p:stCondLst>
+                                    <p:cond delay="0"/>
+                                  </p:stCondLst>
+                                  <p:childTnLst>
+                                    <p:set>
+                                      <p:cBhvr>
+                                        <p:cTn id="14" dur="1" fill="hold">
+                                          <p:stCondLst>
+                                            <p:cond delay="0"/>
+                                          </p:stCondLst>
+                                        </p:cTn>
+                                        <p:tgtEl>
+                                          <p:spTgt spid="5">
+                                            <p:txEl>
+                                              <p:pRg st="4" end="4"/>
+                                            </p:txEl>
+                                          </p:spTgt>
+                                        </p:tgtEl>
+                                        <p:attrNameLst>
+                                          <p:attrName>style.visibility</p:attrName>
+                                        </p:attrNameLst>
+                                      </p:cBhvr>
+                                      <p:to>
+                                        <p:strVal val="visible"/>
+                                      </p:to>
+                                    </p:set>
+                                    <p:animEffect transition="in" filter="fade">
+                                      <p:cBhvr>
+                                        <p:cTn id="15" dur="500"/>
+                                        <p:tgtEl>
+                                          <p:spTgt spid="5">
+                                            <p:txEl>
+                                              <p:pRg st="4" end="4"/>
+                                            </p:txEl>
+                                          </p:spTgt>
+                                        </p:tgtEl>
+                                      </p:cBhvr>
+                                    </p:animEffect>
+                                  </p:childTnLst>
+                                </p:cTn>
+                              </p:par>
+                            </p:childTnLst>
+                          </p:cTn>
+                        </p:par>
+                        <p:par>
+                          <p:cTn id="16" fill="hold">
+                            <p:stCondLst>
+                              <p:cond delay="1500"/>
+                            </p:stCondLst>
+                            <p:childTnLst>
+                              <p:par>
+                                <p:cTn id="17" presetID="10" presetClass="entr" presetSubtype="0" fill="hold" nodeType="afterEffect">
+                                  <p:stCondLst>
+                                    <p:cond delay="0"/>
+                                  </p:stCondLst>
+                                  <p:childTnLst>
+                                    <p:set>
+                                      <p:cBhvr>
+                                        <p:cTn id="18" dur="1" fill="hold">
+                                          <p:stCondLst>
+                                            <p:cond delay="0"/>
+                                          </p:stCondLst>
+                                        </p:cTn>
+                                        <p:tgtEl>
+                                          <p:spTgt spid="11"/>
+                                        </p:tgtEl>
+                                        <p:attrNameLst>
+                                          <p:attrName>style.visibility</p:attrName>
+                                        </p:attrNameLst>
+                                      </p:cBhvr>
+                                      <p:to>
+                                        <p:strVal val="visible"/>
+                                      </p:to>
+                                    </p:set>
+                                    <p:animEffect transition="in" filter="fade">
+                                      <p:cBhvr>
+                                        <p:cTn id="19" dur="500"/>
+                                        <p:tgtEl>
+                                          <p:spTgt spid="11"/>
+                                        </p:tgtEl>
+                                      </p:cBhvr>
+                                    </p:animEffect>
+                                  </p:childTnLst>
+                                </p:cTn>
+                              </p:par>
+                            </p:childTnLst>
+                          </p:cTn>
+                        </p:par>
+                        <p:par>
+                          <p:cTn id="20" fill="hold">
+                            <p:stCondLst>
+                              <p:cond delay="2000"/>
+                            </p:stCondLst>
+                            <p:childTnLst>
+                              <p:par>
+                                <p:cTn id="21" presetID="10" presetClass="entr" presetSubtype="0" fill="hold" nodeType="afterEffect">
+                                  <p:stCondLst>
+                                    <p:cond delay="0"/>
+                                  </p:stCondLst>
+                                  <p:childTnLst>
+                                    <p:set>
+                                      <p:cBhvr>
+                                        <p:cTn id="22" dur="1" fill="hold">
+                                          <p:stCondLst>
+                                            <p:cond delay="0"/>
+                                          </p:stCondLst>
+                                        </p:cTn>
+                                        <p:tgtEl>
+                                          <p:spTgt spid="5">
+                                            <p:txEl>
+                                              <p:pRg st="8" end="8"/>
+                                            </p:txEl>
+                                          </p:spTgt>
+                                        </p:tgtEl>
+                                        <p:attrNameLst>
+                                          <p:attrName>style.visibility</p:attrName>
+                                        </p:attrNameLst>
+                                      </p:cBhvr>
+                                      <p:to>
+                                        <p:strVal val="visible"/>
+                                      </p:to>
+                                    </p:set>
+                                    <p:animEffect transition="in" filter="fade">
+                                      <p:cBhvr>
+                                        <p:cTn id="23" dur="500"/>
+                                        <p:tgtEl>
+                                          <p:spTgt spid="5">
+                                            <p:txEl>
+                                              <p:pRg st="8" end="8"/>
+                                            </p:txEl>
+                                          </p:spTgt>
+                                        </p:tgtEl>
+                                      </p:cBhvr>
+                                    </p:animEffect>
+                                  </p:childTnLst>
+                                </p:cTn>
+                              </p:par>
+                            </p:childTnLst>
+                          </p:cTn>
+                        </p:par>
+                        <p:par>
+                          <p:cTn id="24" fill="hold">
+                            <p:stCondLst>
+                              <p:cond delay="2500"/>
+                            </p:stCondLst>
+                            <p:childTnLst>
+                              <p:par>
+                                <p:cTn id="25" presetID="10" presetClass="entr" presetSubtype="0" fill="hold" nodeType="afterEffect">
+                                  <p:stCondLst>
+                                    <p:cond delay="0"/>
+                                  </p:stCondLst>
+                                  <p:childTnLst>
+                                    <p:set>
+                                      <p:cBhvr>
+                                        <p:cTn id="26" dur="1" fill="hold">
+                                          <p:stCondLst>
+                                            <p:cond delay="0"/>
+                                          </p:stCondLst>
+                                        </p:cTn>
+                                        <p:tgtEl>
+                                          <p:spTgt spid="20"/>
+                                        </p:tgtEl>
+                                        <p:attrNameLst>
+                                          <p:attrName>style.visibility</p:attrName>
+                                        </p:attrNameLst>
+                                      </p:cBhvr>
+                                      <p:to>
+                                        <p:strVal val="visible"/>
+                                      </p:to>
+                                    </p:set>
+                                    <p:animEffect transition="in" filter="fade">
+                                      <p:cBhvr>
+                                        <p:cTn id="27" dur="500"/>
+                                        <p:tgtEl>
+                                          <p:spTgt spid="20"/>
+                                        </p:tgtEl>
+                                      </p:cBhvr>
+                                    </p:animEffect>
+                                  </p:childTnLst>
+                                </p:cTn>
+                              </p:par>
+                            </p:childTnLst>
+                          </p:cTn>
+                        </p:par>
+                        <p:par>
+                          <p:cTn id="28" fill="hold">
+                            <p:stCondLst>
+                              <p:cond delay="3000"/>
+                            </p:stCondLst>
+                            <p:childTnLst>
+                              <p:par>
+                                <p:cTn id="29" presetID="10" presetClass="entr" presetSubtype="0" fill="hold" nodeType="afterEffect">
+                                  <p:stCondLst>
+                                    <p:cond delay="0"/>
+                                  </p:stCondLst>
+                                  <p:childTnLst>
+                                    <p:set>
+                                      <p:cBhvr>
+                                        <p:cTn id="30" dur="1" fill="hold">
+                                          <p:stCondLst>
+                                            <p:cond delay="0"/>
+                                          </p:stCondLst>
+                                        </p:cTn>
+                                        <p:tgtEl>
+                                          <p:spTgt spid="5">
+                                            <p:txEl>
+                                              <p:pRg st="12" end="12"/>
+                                            </p:txEl>
+                                          </p:spTgt>
+                                        </p:tgtEl>
+                                        <p:attrNameLst>
+                                          <p:attrName>style.visibility</p:attrName>
+                                        </p:attrNameLst>
+                                      </p:cBhvr>
+                                      <p:to>
+                                        <p:strVal val="visible"/>
+                                      </p:to>
+                                    </p:set>
+                                    <p:animEffect transition="in" filter="fade">
+                                      <p:cBhvr>
+                                        <p:cTn id="31" dur="500"/>
+                                        <p:tgtEl>
+                                          <p:spTgt spid="5">
+                                            <p:txEl>
+                                              <p:pRg st="12" end="12"/>
+                                            </p:txEl>
+                                          </p:spTgt>
+                                        </p:tgtEl>
+                                      </p:cBhvr>
+                                    </p:animEffect>
+                                  </p:childTnLst>
+                                </p:cTn>
+                              </p:par>
+                            </p:childTnLst>
+                          </p:cTn>
+                        </p:par>
+                        <p:par>
+                          <p:cTn id="32" fill="hold">
+                            <p:stCondLst>
+                              <p:cond delay="3500"/>
+                            </p:stCondLst>
+                            <p:childTnLst>
+                              <p:par>
+                                <p:cTn id="33" presetID="10" presetClass="entr" presetSubtype="0" fill="hold" nodeType="afterEffect">
+                                  <p:stCondLst>
+                                    <p:cond delay="0"/>
+                                  </p:stCondLst>
+                                  <p:childTnLst>
+                                    <p:set>
+                                      <p:cBhvr>
+                                        <p:cTn id="34" dur="1" fill="hold">
+                                          <p:stCondLst>
+                                            <p:cond delay="0"/>
+                                          </p:stCondLst>
+                                        </p:cTn>
+                                        <p:tgtEl>
+                                          <p:spTgt spid="14"/>
+                                        </p:tgtEl>
+                                        <p:attrNameLst>
+                                          <p:attrName>style.visibility</p:attrName>
+                                        </p:attrNameLst>
+                                      </p:cBhvr>
+                                      <p:to>
+                                        <p:strVal val="visible"/>
+                                      </p:to>
+                                    </p:set>
+                                    <p:animEffect transition="in" filter="fade">
+                                      <p:cBhvr>
+                                        <p:cTn id="35" dur="500"/>
+                                        <p:tgtEl>
+                                          <p:spTgt spid="14"/>
                                         </p:tgtEl>
                                       </p:cBhvr>
                                     </p:animEffect>
@@ -8134,7 +11145,7 @@
           <p:nvPr>
             <p:extLst>
               <p:ext uri="{D42A27DB-BD31-4B8C-83A1-F6EECF244321}">
-                <p14:modId xmlns:p14="http://schemas.microsoft.com/office/powerpoint/2010/main" val="1519456428"/>
+                <p14:modId xmlns:p14="http://schemas.microsoft.com/office/powerpoint/2010/main" val="2299374190"/>
               </p:ext>
             </p:extLst>
           </p:nvPr>
@@ -8170,7 +11181,7 @@
                           <a:cs typeface="+mn-cs"/>
                           <a:hlinkClick r:id="rId4"/>
                         </a:rPr>
-                        <a:t>goo.gl/1C2BLi</a:t>
+                        <a:t>goo.gl/9574kJ</a:t>
                       </a:r>
                       <a:endParaRPr lang="en-GB" sz="2800" kern="1200" dirty="0">
                         <a:solidFill>
@@ -8216,7 +11227,7 @@
                           <a:cs typeface="+mn-cs"/>
                           <a:hlinkClick r:id="rId5"/>
                         </a:rPr>
-                        <a:t>goo.gl/oaAMS6</a:t>
+                        <a:t>goo.gl/jSWBA4</a:t>
                       </a:r>
                       <a:endParaRPr lang="en-GB" sz="2800" kern="1200" dirty="0" smtClean="0">
                         <a:solidFill>
@@ -8257,6 +11268,9 @@
                     <p:cTn id="3" fill="hold">
                       <p:stCondLst>
                         <p:cond delay="indefinite"/>
+                        <p:cond evt="onBegin" delay="0">
+                          <p:tn val="2"/>
+                        </p:cond>
                       </p:stCondLst>
                       <p:childTnLst>
                         <p:par>
@@ -8266,7 +11280,7 @@
                             </p:stCondLst>
                             <p:childTnLst>
                               <p:par>
-                                <p:cTn id="5" presetID="10" presetClass="entr" presetSubtype="0" fill="hold" nodeType="clickEffect">
+                                <p:cTn id="5" presetID="10" presetClass="entr" presetSubtype="0" fill="hold" nodeType="afterEffect">
                                   <p:stCondLst>
                                     <p:cond delay="0"/>
                                   </p:stCondLst>
@@ -8355,30 +11369,21 @@
                             </p:childTnLst>
                           </p:cTn>
                         </p:par>
-                      </p:childTnLst>
-                    </p:cTn>
-                  </p:par>
-                  <p:par>
-                    <p:cTn id="12" fill="hold">
-                      <p:stCondLst>
-                        <p:cond delay="indefinite"/>
-                      </p:stCondLst>
-                      <p:childTnLst>
                         <p:par>
-                          <p:cTn id="13" fill="hold">
+                          <p:cTn id="12" fill="hold">
                             <p:stCondLst>
-                              <p:cond delay="0"/>
+                              <p:cond delay="1000"/>
                             </p:stCondLst>
                             <p:childTnLst>
                               <p:par>
-                                <p:cTn id="14" presetID="10" presetClass="entr" presetSubtype="0" fill="hold" nodeType="clickEffect">
+                                <p:cTn id="13" presetID="10" presetClass="entr" presetSubtype="0" fill="hold" nodeType="afterEffect">
                                   <p:stCondLst>
                                     <p:cond delay="0"/>
                                   </p:stCondLst>
                                   <p:childTnLst>
                                     <p:set>
                                       <p:cBhvr>
-                                        <p:cTn id="15" dur="1" fill="hold">
+                                        <p:cTn id="14" dur="1" fill="hold">
                                           <p:stCondLst>
                                             <p:cond delay="0"/>
                                           </p:stCondLst>
@@ -8400,7 +11405,7 @@
                                     </p:set>
                                     <p:animEffect transition="in" filter="fade">
                                       <p:cBhvr>
-                                        <p:cTn id="16" dur="500"/>
+                                        <p:cTn id="15" dur="500"/>
                                         <p:tgtEl>
                                           <p:spTgt spid="5">
                                             <p:txEl>
@@ -8417,20 +11422,20 @@
                           </p:cTn>
                         </p:par>
                         <p:par>
-                          <p:cTn id="17" fill="hold">
+                          <p:cTn id="16" fill="hold">
                             <p:stCondLst>
-                              <p:cond delay="500"/>
+                              <p:cond delay="1500"/>
                             </p:stCondLst>
                             <p:childTnLst>
                               <p:par>
-                                <p:cTn id="18" presetID="10" presetClass="entr" presetSubtype="0" fill="hold" nodeType="afterEffect">
+                                <p:cTn id="17" presetID="10" presetClass="entr" presetSubtype="0" fill="hold" nodeType="afterEffect">
                                   <p:stCondLst>
                                     <p:cond delay="0"/>
                                   </p:stCondLst>
                                   <p:childTnLst>
                                     <p:set>
                                       <p:cBhvr>
-                                        <p:cTn id="19" dur="1" fill="hold">
+                                        <p:cTn id="18" dur="1" fill="hold">
                                           <p:stCondLst>
                                             <p:cond delay="0"/>
                                           </p:stCondLst>
@@ -8452,7 +11457,7 @@
                                     </p:set>
                                     <p:animEffect transition="in" filter="fade">
                                       <p:cBhvr>
-                                        <p:cTn id="20" dur="500"/>
+                                        <p:cTn id="19" dur="500"/>
                                         <p:tgtEl>
                                           <p:spTgt spid="5">
                                             <p:txEl>
@@ -8469,20 +11474,20 @@
                           </p:cTn>
                         </p:par>
                         <p:par>
-                          <p:cTn id="21" fill="hold">
+                          <p:cTn id="20" fill="hold">
                             <p:stCondLst>
-                              <p:cond delay="1000"/>
+                              <p:cond delay="2000"/>
                             </p:stCondLst>
                             <p:childTnLst>
                               <p:par>
-                                <p:cTn id="22" presetID="10" presetClass="entr" presetSubtype="0" fill="hold" nodeType="afterEffect">
+                                <p:cTn id="21" presetID="10" presetClass="entr" presetSubtype="0" fill="hold" nodeType="afterEffect">
                                   <p:stCondLst>
                                     <p:cond delay="0"/>
                                   </p:stCondLst>
                                   <p:childTnLst>
                                     <p:set>
                                       <p:cBhvr>
-                                        <p:cTn id="23" dur="1" fill="hold">
+                                        <p:cTn id="22" dur="1" fill="hold">
                                           <p:stCondLst>
                                             <p:cond delay="0"/>
                                           </p:stCondLst>
@@ -8500,7 +11505,7 @@
                                     </p:set>
                                     <p:animEffect transition="in" filter="fade">
                                       <p:cBhvr>
-                                        <p:cTn id="24" dur="500"/>
+                                        <p:cTn id="23" dur="500"/>
                                         <p:tgtEl>
                                           <p:spTgt spid="8"/>
                                         </p:tgtEl>
@@ -9110,6 +12115,9 @@
                     <p:cTn id="3" fill="hold">
                       <p:stCondLst>
                         <p:cond delay="indefinite"/>
+                        <p:cond evt="onBegin" delay="0">
+                          <p:tn val="2"/>
+                        </p:cond>
                       </p:stCondLst>
                       <p:childTnLst>
                         <p:par>
@@ -9119,7 +12127,7 @@
                             </p:stCondLst>
                             <p:childTnLst>
                               <p:par>
-                                <p:cTn id="5" presetID="10" presetClass="entr" presetSubtype="0" fill="hold" nodeType="clickEffect">
+                                <p:cTn id="5" presetID="10" presetClass="entr" presetSubtype="0" fill="hold" nodeType="afterEffect">
                                   <p:stCondLst>
                                     <p:cond delay="0"/>
                                   </p:stCondLst>
@@ -10415,11 +13423,11 @@
             </a:r>
             <a:r>
               <a:rPr lang="en-US" u="sng" dirty="0"/>
-              <a:t>automatically learnt </a:t>
+              <a:t>automatically learnt</a:t>
             </a:r>
             <a:r>
               <a:rPr lang="en-US" dirty="0"/>
-              <a:t>from </a:t>
+              <a:t> from </a:t>
             </a:r>
             <a:r>
               <a:rPr lang="en-US" dirty="0" smtClean="0"/>
@@ -10511,7 +13519,260 @@
   <p:timing>
     <p:tnLst>
       <p:par>
-        <p:cTn id="1" dur="indefinite" restart="never" nodeType="tmRoot"/>
+        <p:cTn id="1" dur="indefinite" restart="never" nodeType="tmRoot">
+          <p:childTnLst>
+            <p:seq concurrent="1" nextAc="seek">
+              <p:cTn id="2" dur="indefinite" nodeType="mainSeq">
+                <p:childTnLst>
+                  <p:par>
+                    <p:cTn id="3" fill="hold">
+                      <p:stCondLst>
+                        <p:cond delay="indefinite"/>
+                        <p:cond evt="onBegin" delay="0">
+                          <p:tn val="2"/>
+                        </p:cond>
+                      </p:stCondLst>
+                      <p:childTnLst>
+                        <p:par>
+                          <p:cTn id="4" fill="hold">
+                            <p:stCondLst>
+                              <p:cond delay="0"/>
+                            </p:stCondLst>
+                            <p:childTnLst>
+                              <p:par>
+                                <p:cTn id="5" presetID="10" presetClass="entr" presetSubtype="0" fill="hold" nodeType="afterEffect">
+                                  <p:stCondLst>
+                                    <p:cond delay="0"/>
+                                  </p:stCondLst>
+                                  <p:childTnLst>
+                                    <p:set>
+                                      <p:cBhvr>
+                                        <p:cTn id="6" dur="1" fill="hold">
+                                          <p:stCondLst>
+                                            <p:cond delay="0"/>
+                                          </p:stCondLst>
+                                        </p:cTn>
+                                        <p:tgtEl>
+                                          <p:spTgt spid="5">
+                                            <p:txEl>
+                                              <p:pRg st="1" end="1"/>
+                                            </p:txEl>
+                                          </p:spTgt>
+                                        </p:tgtEl>
+                                        <p:attrNameLst>
+                                          <p:attrName>style.visibility</p:attrName>
+                                        </p:attrNameLst>
+                                      </p:cBhvr>
+                                      <p:to>
+                                        <p:strVal val="visible"/>
+                                      </p:to>
+                                    </p:set>
+                                    <p:animEffect transition="in" filter="fade">
+                                      <p:cBhvr>
+                                        <p:cTn id="7" dur="500"/>
+                                        <p:tgtEl>
+                                          <p:spTgt spid="5">
+                                            <p:txEl>
+                                              <p:pRg st="1" end="1"/>
+                                            </p:txEl>
+                                          </p:spTgt>
+                                        </p:tgtEl>
+                                      </p:cBhvr>
+                                    </p:animEffect>
+                                  </p:childTnLst>
+                                </p:cTn>
+                              </p:par>
+                            </p:childTnLst>
+                          </p:cTn>
+                        </p:par>
+                      </p:childTnLst>
+                    </p:cTn>
+                  </p:par>
+                  <p:par>
+                    <p:cTn id="8" fill="hold">
+                      <p:stCondLst>
+                        <p:cond delay="indefinite"/>
+                      </p:stCondLst>
+                      <p:childTnLst>
+                        <p:par>
+                          <p:cTn id="9" fill="hold">
+                            <p:stCondLst>
+                              <p:cond delay="0"/>
+                            </p:stCondLst>
+                            <p:childTnLst>
+                              <p:par>
+                                <p:cTn id="10" presetID="10" presetClass="entr" presetSubtype="0" fill="hold" nodeType="clickEffect">
+                                  <p:stCondLst>
+                                    <p:cond delay="0"/>
+                                  </p:stCondLst>
+                                  <p:childTnLst>
+                                    <p:set>
+                                      <p:cBhvr>
+                                        <p:cTn id="11" dur="1" fill="hold">
+                                          <p:stCondLst>
+                                            <p:cond delay="0"/>
+                                          </p:stCondLst>
+                                        </p:cTn>
+                                        <p:tgtEl>
+                                          <p:spTgt spid="5">
+                                            <p:txEl>
+                                              <p:pRg st="2" end="2"/>
+                                            </p:txEl>
+                                          </p:spTgt>
+                                        </p:tgtEl>
+                                        <p:attrNameLst>
+                                          <p:attrName>style.visibility</p:attrName>
+                                        </p:attrNameLst>
+                                      </p:cBhvr>
+                                      <p:to>
+                                        <p:strVal val="visible"/>
+                                      </p:to>
+                                    </p:set>
+                                    <p:animEffect transition="in" filter="fade">
+                                      <p:cBhvr>
+                                        <p:cTn id="12" dur="500"/>
+                                        <p:tgtEl>
+                                          <p:spTgt spid="5">
+                                            <p:txEl>
+                                              <p:pRg st="2" end="2"/>
+                                            </p:txEl>
+                                          </p:spTgt>
+                                        </p:tgtEl>
+                                      </p:cBhvr>
+                                    </p:animEffect>
+                                  </p:childTnLst>
+                                </p:cTn>
+                              </p:par>
+                            </p:childTnLst>
+                          </p:cTn>
+                        </p:par>
+                        <p:par>
+                          <p:cTn id="13" fill="hold">
+                            <p:stCondLst>
+                              <p:cond delay="500"/>
+                            </p:stCondLst>
+                            <p:childTnLst>
+                              <p:par>
+                                <p:cTn id="14" presetID="10" presetClass="entr" presetSubtype="0" fill="hold" nodeType="afterEffect">
+                                  <p:stCondLst>
+                                    <p:cond delay="0"/>
+                                  </p:stCondLst>
+                                  <p:childTnLst>
+                                    <p:set>
+                                      <p:cBhvr>
+                                        <p:cTn id="15" dur="1" fill="hold">
+                                          <p:stCondLst>
+                                            <p:cond delay="0"/>
+                                          </p:stCondLst>
+                                        </p:cTn>
+                                        <p:tgtEl>
+                                          <p:spTgt spid="12"/>
+                                        </p:tgtEl>
+                                        <p:attrNameLst>
+                                          <p:attrName>style.visibility</p:attrName>
+                                        </p:attrNameLst>
+                                      </p:cBhvr>
+                                      <p:to>
+                                        <p:strVal val="visible"/>
+                                      </p:to>
+                                    </p:set>
+                                    <p:animEffect transition="in" filter="fade">
+                                      <p:cBhvr>
+                                        <p:cTn id="16" dur="500"/>
+                                        <p:tgtEl>
+                                          <p:spTgt spid="12"/>
+                                        </p:tgtEl>
+                                      </p:cBhvr>
+                                    </p:animEffect>
+                                  </p:childTnLst>
+                                </p:cTn>
+                              </p:par>
+                            </p:childTnLst>
+                          </p:cTn>
+                        </p:par>
+                      </p:childTnLst>
+                    </p:cTn>
+                  </p:par>
+                  <p:par>
+                    <p:cTn id="17" fill="hold">
+                      <p:stCondLst>
+                        <p:cond delay="indefinite"/>
+                      </p:stCondLst>
+                      <p:childTnLst>
+                        <p:par>
+                          <p:cTn id="18" fill="hold">
+                            <p:stCondLst>
+                              <p:cond delay="0"/>
+                            </p:stCondLst>
+                            <p:childTnLst>
+                              <p:par>
+                                <p:cTn id="19" presetID="10" presetClass="entr" presetSubtype="0" fill="hold" nodeType="clickEffect">
+                                  <p:stCondLst>
+                                    <p:cond delay="0"/>
+                                  </p:stCondLst>
+                                  <p:childTnLst>
+                                    <p:set>
+                                      <p:cBhvr>
+                                        <p:cTn id="20" dur="1" fill="hold">
+                                          <p:stCondLst>
+                                            <p:cond delay="0"/>
+                                          </p:stCondLst>
+                                        </p:cTn>
+                                        <p:tgtEl>
+                                          <p:spTgt spid="5">
+                                            <p:txEl>
+                                              <p:pRg st="14" end="14"/>
+                                            </p:txEl>
+                                          </p:spTgt>
+                                        </p:tgtEl>
+                                        <p:attrNameLst>
+                                          <p:attrName>style.visibility</p:attrName>
+                                        </p:attrNameLst>
+                                      </p:cBhvr>
+                                      <p:to>
+                                        <p:strVal val="visible"/>
+                                      </p:to>
+                                    </p:set>
+                                    <p:animEffect transition="in" filter="fade">
+                                      <p:cBhvr>
+                                        <p:cTn id="21" dur="500"/>
+                                        <p:tgtEl>
+                                          <p:spTgt spid="5">
+                                            <p:txEl>
+                                              <p:pRg st="14" end="14"/>
+                                            </p:txEl>
+                                          </p:spTgt>
+                                        </p:tgtEl>
+                                      </p:cBhvr>
+                                    </p:animEffect>
+                                  </p:childTnLst>
+                                </p:cTn>
+                              </p:par>
+                            </p:childTnLst>
+                          </p:cTn>
+                        </p:par>
+                      </p:childTnLst>
+                    </p:cTn>
+                  </p:par>
+                </p:childTnLst>
+              </p:cTn>
+              <p:prevCondLst>
+                <p:cond evt="onPrev" delay="0">
+                  <p:tgtEl>
+                    <p:sldTgt/>
+                  </p:tgtEl>
+                </p:cond>
+              </p:prevCondLst>
+              <p:nextCondLst>
+                <p:cond evt="onNext" delay="0">
+                  <p:tgtEl>
+                    <p:sldTgt/>
+                  </p:tgtEl>
+                </p:cond>
+              </p:nextCondLst>
+            </p:seq>
+          </p:childTnLst>
+        </p:cTn>
       </p:par>
     </p:tnLst>
   </p:timing>
@@ -10856,11 +14117,7 @@
           <a:p>
             <a:r>
               <a:rPr lang="en-GB" dirty="0" smtClean="0"/>
-              <a:t>Neural Networks are</a:t>
-            </a:r>
-            <a:r>
-              <a:rPr lang="en-GB" dirty="0" smtClean="0"/>
-              <a:t> the main models for Deep Learning</a:t>
+              <a:t>Neural Networks are the main models for Deep Learning</a:t>
             </a:r>
             <a:endParaRPr lang="en-GB" dirty="0"/>
           </a:p>
@@ -10939,8 +14196,8 @@
           </a:fontRef>
         </p:style>
       </p:cxnSp>
-      <mc:AlternateContent xmlns:mc="http://schemas.openxmlformats.org/markup-compatibility/2006">
-        <mc:Choice xmlns:a14="http://schemas.microsoft.com/office/drawing/2010/main" Requires="a14">
+      <mc:AlternateContent xmlns:mc="http://schemas.openxmlformats.org/markup-compatibility/2006" xmlns:a14="http://schemas.microsoft.com/office/drawing/2010/main">
+        <mc:Choice Requires="a14">
           <p:sp>
             <p:nvSpPr>
               <p:cNvPr id="2067" name="TextBox 2066"/>
@@ -10963,6 +14220,7 @@
               </a:bodyPr>
               <a:lstStyle/>
               <a:p>
+                <a:pPr/>
                 <a14:m>
                   <m:oMathPara xmlns:m="http://schemas.openxmlformats.org/officeDocument/2006/math">
                     <m:oMathParaPr>
@@ -10985,7 +14243,7 @@
             </p:txBody>
           </p:sp>
         </mc:Choice>
-        <mc:Fallback>
+        <mc:Fallback xmlns="">
           <p:sp>
             <p:nvSpPr>
               <p:cNvPr id="2067" name="TextBox 2066"/>
@@ -11024,8 +14282,8 @@
           </p:sp>
         </mc:Fallback>
       </mc:AlternateContent>
-      <mc:AlternateContent xmlns:mc="http://schemas.openxmlformats.org/markup-compatibility/2006">
-        <mc:Choice xmlns:a14="http://schemas.microsoft.com/office/drawing/2010/main" Requires="a14">
+      <mc:AlternateContent xmlns:mc="http://schemas.openxmlformats.org/markup-compatibility/2006" xmlns:a14="http://schemas.microsoft.com/office/drawing/2010/main">
+        <mc:Choice Requires="a14">
           <p:sp>
             <p:nvSpPr>
               <p:cNvPr id="2068" name="TextBox 2067"/>
@@ -11048,6 +14306,7 @@
               </a:bodyPr>
               <a:lstStyle/>
               <a:p>
+                <a:pPr/>
                 <a14:m>
                   <m:oMathPara xmlns:m="http://schemas.openxmlformats.org/officeDocument/2006/math">
                     <m:oMathParaPr>
@@ -11087,7 +14346,7 @@
             </p:txBody>
           </p:sp>
         </mc:Choice>
-        <mc:Fallback>
+        <mc:Fallback xmlns="">
           <p:sp>
             <p:nvSpPr>
               <p:cNvPr id="2068" name="TextBox 2067"/>
@@ -11126,8 +14385,8 @@
           </p:sp>
         </mc:Fallback>
       </mc:AlternateContent>
-      <mc:AlternateContent xmlns:mc="http://schemas.openxmlformats.org/markup-compatibility/2006">
-        <mc:Choice xmlns:a14="http://schemas.microsoft.com/office/drawing/2010/main" Requires="a14">
+      <mc:AlternateContent xmlns:mc="http://schemas.openxmlformats.org/markup-compatibility/2006" xmlns:a14="http://schemas.microsoft.com/office/drawing/2010/main">
+        <mc:Choice Requires="a14">
           <p:sp>
             <p:nvSpPr>
               <p:cNvPr id="95" name="TextBox 94"/>
@@ -11150,6 +14409,7 @@
               </a:bodyPr>
               <a:lstStyle/>
               <a:p>
+                <a:pPr/>
                 <a14:m>
                   <m:oMathPara xmlns:m="http://schemas.openxmlformats.org/officeDocument/2006/math">
                     <m:oMathParaPr>
@@ -11172,7 +14432,7 @@
             </p:txBody>
           </p:sp>
         </mc:Choice>
-        <mc:Fallback>
+        <mc:Fallback xmlns="">
           <p:sp>
             <p:nvSpPr>
               <p:cNvPr id="95" name="TextBox 94"/>
@@ -11333,8 +14593,8 @@
             <a:chExt cx="831600" cy="3267741"/>
           </a:xfrm>
         </p:grpSpPr>
-        <mc:AlternateContent xmlns:mc="http://schemas.openxmlformats.org/markup-compatibility/2006">
-          <mc:Choice xmlns:a14="http://schemas.microsoft.com/office/drawing/2010/main" Requires="a14">
+        <mc:AlternateContent xmlns:mc="http://schemas.openxmlformats.org/markup-compatibility/2006" xmlns:a14="http://schemas.microsoft.com/office/drawing/2010/main">
+          <mc:Choice Requires="a14">
             <p:sp>
               <p:nvSpPr>
                 <p:cNvPr id="31" name="Oval 30"/>
@@ -11409,7 +14669,7 @@
               </p:txBody>
             </p:sp>
           </mc:Choice>
-          <mc:Fallback>
+          <mc:Fallback xmlns="">
             <p:sp>
               <p:nvSpPr>
                 <p:cNvPr id="31" name="Oval 30"/>
@@ -11449,8 +14709,8 @@
             </p:sp>
           </mc:Fallback>
         </mc:AlternateContent>
-        <mc:AlternateContent xmlns:mc="http://schemas.openxmlformats.org/markup-compatibility/2006">
-          <mc:Choice xmlns:a14="http://schemas.microsoft.com/office/drawing/2010/main" Requires="a14">
+        <mc:AlternateContent xmlns:mc="http://schemas.openxmlformats.org/markup-compatibility/2006" xmlns:a14="http://schemas.microsoft.com/office/drawing/2010/main">
+          <mc:Choice Requires="a14">
             <p:sp>
               <p:nvSpPr>
                 <p:cNvPr id="68" name="Oval 67"/>
@@ -11525,7 +14785,7 @@
               </p:txBody>
             </p:sp>
           </mc:Choice>
-          <mc:Fallback>
+          <mc:Fallback xmlns="">
             <p:sp>
               <p:nvSpPr>
                 <p:cNvPr id="68" name="Oval 67"/>
@@ -11565,8 +14825,8 @@
             </p:sp>
           </mc:Fallback>
         </mc:AlternateContent>
-        <mc:AlternateContent xmlns:mc="http://schemas.openxmlformats.org/markup-compatibility/2006">
-          <mc:Choice xmlns:a14="http://schemas.microsoft.com/office/drawing/2010/main" Requires="a14">
+        <mc:AlternateContent xmlns:mc="http://schemas.openxmlformats.org/markup-compatibility/2006" xmlns:a14="http://schemas.microsoft.com/office/drawing/2010/main">
+          <mc:Choice Requires="a14">
             <p:sp>
               <p:nvSpPr>
                 <p:cNvPr id="70" name="Oval 69"/>
@@ -11641,7 +14901,7 @@
               </p:txBody>
             </p:sp>
           </mc:Choice>
-          <mc:Fallback>
+          <mc:Fallback xmlns="">
             <p:sp>
               <p:nvSpPr>
                 <p:cNvPr id="70" name="Oval 69"/>
@@ -11681,8 +14941,8 @@
             </p:sp>
           </mc:Fallback>
         </mc:AlternateContent>
-        <mc:AlternateContent xmlns:mc="http://schemas.openxmlformats.org/markup-compatibility/2006">
-          <mc:Choice xmlns:a14="http://schemas.microsoft.com/office/drawing/2010/main" Requires="a14">
+        <mc:AlternateContent xmlns:mc="http://schemas.openxmlformats.org/markup-compatibility/2006" xmlns:a14="http://schemas.microsoft.com/office/drawing/2010/main">
+          <mc:Choice Requires="a14">
             <p:sp>
               <p:nvSpPr>
                 <p:cNvPr id="76" name="Oval 75"/>
@@ -11742,7 +15002,7 @@
               </p:txBody>
             </p:sp>
           </mc:Choice>
-          <mc:Fallback>
+          <mc:Fallback xmlns="">
             <p:sp>
               <p:nvSpPr>
                 <p:cNvPr id="76" name="Oval 75"/>
@@ -11785,8 +15045,8 @@
           </mc:Fallback>
         </mc:AlternateContent>
       </p:grpSp>
-      <mc:AlternateContent xmlns:mc="http://schemas.openxmlformats.org/markup-compatibility/2006">
-        <mc:Choice xmlns:a14="http://schemas.microsoft.com/office/drawing/2010/main" Requires="a14">
+      <mc:AlternateContent xmlns:mc="http://schemas.openxmlformats.org/markup-compatibility/2006" xmlns:a14="http://schemas.microsoft.com/office/drawing/2010/main">
+        <mc:Choice Requires="a14">
           <p:sp>
             <p:nvSpPr>
               <p:cNvPr id="78" name="Oval 77"/>
@@ -11864,7 +15124,7 @@
             </p:txBody>
           </p:sp>
         </mc:Choice>
-        <mc:Fallback>
+        <mc:Fallback xmlns="">
           <p:sp>
             <p:nvSpPr>
               <p:cNvPr id="78" name="Oval 77"/>
@@ -11906,8 +15166,8 @@
           </p:sp>
         </mc:Fallback>
       </mc:AlternateContent>
-      <mc:AlternateContent xmlns:mc="http://schemas.openxmlformats.org/markup-compatibility/2006">
-        <mc:Choice xmlns:a14="http://schemas.microsoft.com/office/drawing/2010/main" Requires="a14">
+      <mc:AlternateContent xmlns:mc="http://schemas.openxmlformats.org/markup-compatibility/2006" xmlns:a14="http://schemas.microsoft.com/office/drawing/2010/main">
+        <mc:Choice Requires="a14">
           <p:sp>
             <p:nvSpPr>
               <p:cNvPr id="81" name="Oval 80"/>
@@ -11985,7 +15245,7 @@
             </p:txBody>
           </p:sp>
         </mc:Choice>
-        <mc:Fallback>
+        <mc:Fallback xmlns="">
           <p:sp>
             <p:nvSpPr>
               <p:cNvPr id="81" name="Oval 80"/>
@@ -12027,8 +15287,8 @@
           </p:sp>
         </mc:Fallback>
       </mc:AlternateContent>
-      <mc:AlternateContent xmlns:mc="http://schemas.openxmlformats.org/markup-compatibility/2006">
-        <mc:Choice xmlns:a14="http://schemas.microsoft.com/office/drawing/2010/main" Requires="a14">
+      <mc:AlternateContent xmlns:mc="http://schemas.openxmlformats.org/markup-compatibility/2006" xmlns:a14="http://schemas.microsoft.com/office/drawing/2010/main">
+        <mc:Choice Requires="a14">
           <p:sp>
             <p:nvSpPr>
               <p:cNvPr id="82" name="Oval 81"/>
@@ -12106,7 +15366,7 @@
             </p:txBody>
           </p:sp>
         </mc:Choice>
-        <mc:Fallback>
+        <mc:Fallback xmlns="">
           <p:sp>
             <p:nvSpPr>
               <p:cNvPr id="82" name="Oval 81"/>
@@ -12207,6 +15467,7 @@
               </a:bodyPr>
               <a:lstStyle/>
               <a:p>
+                <a:pPr/>
                 <a14:m>
                   <m:oMathPara xmlns:m="http://schemas.openxmlformats.org/officeDocument/2006/math">
                     <m:oMathParaPr>
@@ -12333,6 +15594,7 @@
                 </a:endParaRPr>
               </a:p>
               <a:p>
+                <a:pPr/>
                 <a14:m>
                   <m:oMathPara xmlns:m="http://schemas.openxmlformats.org/officeDocument/2006/math">
                     <m:oMathParaPr>
@@ -12679,10 +15941,47 @@
                           </m:d>
                         </m:e>
                       </m:d>
+                      <m:r>
+                        <a:rPr lang="it-IT" sz="1600" b="0" i="1" smtClean="0">
+                          <a:latin typeface="Cambria Math"/>
+                        </a:rPr>
+                        <m:t>=</m:t>
+                      </m:r>
+                      <m:sSup>
+                        <m:sSupPr>
+                          <m:ctrlPr>
+                            <a:rPr lang="it-IT" sz="1600" i="1">
+                              <a:latin typeface="Cambria Math"/>
+                            </a:rPr>
+                          </m:ctrlPr>
+                        </m:sSupPr>
+                        <m:e>
+                          <m:r>
+                            <a:rPr lang="it-IT" sz="1600" b="1" i="1" smtClean="0">
+                              <a:latin typeface="Cambria Math"/>
+                            </a:rPr>
+                            <m:t>𝒘</m:t>
+                          </m:r>
+                        </m:e>
+                        <m:sup>
+                          <m:r>
+                            <a:rPr lang="it-IT" sz="1600" i="1">
+                              <a:latin typeface="Cambria Math"/>
+                            </a:rPr>
+                            <m:t>𝑇</m:t>
+                          </m:r>
+                        </m:sup>
+                      </m:sSup>
+                      <m:r>
+                        <a:rPr lang="it-IT" sz="1600" b="1" i="1" smtClean="0">
+                          <a:latin typeface="Cambria Math"/>
+                        </a:rPr>
+                        <m:t>𝒙</m:t>
+                      </m:r>
                     </m:oMath>
                   </m:oMathPara>
                 </a14:m>
-                <a:endParaRPr lang="en-GB" sz="1600" dirty="0" smtClean="0">
+                <a:endParaRPr lang="en-GB" sz="1600" b="1" dirty="0" smtClean="0">
                   <a:latin typeface="+mn-lt"/>
                 </a:endParaRPr>
               </a:p>
@@ -12946,13 +16245,7 @@
               <a:rPr lang="en-GB" sz="1200" b="1" dirty="0" smtClean="0">
                 <a:latin typeface="+mn-lt"/>
               </a:rPr>
-              <a:t>OUT</a:t>
-            </a:r>
-            <a:r>
-              <a:rPr lang="en-GB" sz="1200" b="1" dirty="0" smtClean="0">
-                <a:latin typeface="+mn-lt"/>
-              </a:rPr>
-              <a:t>PUT</a:t>
+              <a:t>OUTPUT</a:t>
             </a:r>
             <a:endParaRPr lang="en-GB" sz="1200" b="1" dirty="0">
               <a:latin typeface="+mn-lt"/>
@@ -13100,7 +16393,7 @@
                   <m:oMath xmlns:m="http://schemas.openxmlformats.org/officeDocument/2006/math">
                     <m:r>
                       <a:rPr lang="it-IT" sz="1600" i="1">
-                        <a:latin typeface="+mj-lt"/>
+                        <a:latin typeface="Cambria Math"/>
                       </a:rPr>
                       <m:t>𝑓</m:t>
                     </m:r>
@@ -13108,14 +16401,14 @@
                       <m:dPr>
                         <m:ctrlPr>
                           <a:rPr lang="it-IT" sz="1600" i="1">
-                            <a:latin typeface="+mj-lt"/>
+                            <a:latin typeface="Cambria Math"/>
                           </a:rPr>
                         </m:ctrlPr>
                       </m:dPr>
                       <m:e>
                         <m:r>
                           <a:rPr lang="it-IT" sz="1600" i="1">
-                            <a:latin typeface="+mj-lt"/>
+                            <a:latin typeface="Cambria Math"/>
                           </a:rPr>
                           <m:t>𝑠</m:t>
                         </m:r>
@@ -13123,7 +16416,7 @@
                     </m:d>
                     <m:r>
                       <a:rPr lang="it-IT" sz="1600" i="1">
-                        <a:latin typeface="+mj-lt"/>
+                        <a:latin typeface="Cambria Math"/>
                       </a:rPr>
                       <m:t>=</m:t>
                     </m:r>
@@ -13133,7 +16426,7 @@
                         <m:endChr m:val=""/>
                         <m:ctrlPr>
                           <a:rPr lang="it-IT" sz="1600" i="1">
-                            <a:latin typeface="+mj-lt"/>
+                            <a:latin typeface="Cambria Math"/>
                           </a:rPr>
                         </m:ctrlPr>
                       </m:dPr>
@@ -13150,7 +16443,7 @@
                             </m:mcs>
                             <m:ctrlPr>
                               <a:rPr lang="it-IT" sz="1600" i="1">
-                                <a:latin typeface="+mj-lt"/>
+                                <a:latin typeface="Cambria Math"/>
                               </a:rPr>
                             </m:ctrlPr>
                           </m:mPr>
@@ -13161,7 +16454,7 @@
                                   <m:brk m:alnAt="7"/>
                                 </m:rPr>
                                 <a:rPr lang="it-IT" sz="1600" i="1">
-                                  <a:latin typeface="+mj-lt"/>
+                                  <a:latin typeface="Cambria Math"/>
                                 </a:rPr>
                                 <m:t>1</m:t>
                               </m:r>
@@ -13191,7 +16484,7 @@
                                   <m:brk m:alnAt="7"/>
                                 </m:rPr>
                                 <a:rPr lang="it-IT" sz="1600" i="1">
-                                  <a:latin typeface="+mj-lt"/>
+                                  <a:latin typeface="Cambria Math"/>
                                 </a:rPr>
                                 <m:t> </m:t>
                               </m:r>
@@ -13201,7 +16494,7 @@
                                   <m:limLoc m:val="subSup"/>
                                   <m:ctrlPr>
                                     <a:rPr lang="it-IT" sz="1600" i="1">
-                                      <a:latin typeface="+mj-lt"/>
+                                      <a:latin typeface="Cambria Math"/>
                                     </a:rPr>
                                   </m:ctrlPr>
                                 </m:naryPr>
@@ -13211,13 +16504,13 @@
                                       <m:brk m:alnAt="25"/>
                                     </m:rPr>
                                     <a:rPr lang="it-IT" sz="1600" i="1">
-                                      <a:latin typeface="+mj-lt"/>
+                                      <a:latin typeface="Cambria Math"/>
                                     </a:rPr>
                                     <m:t>𝑖</m:t>
                                   </m:r>
                                   <m:r>
                                     <a:rPr lang="it-IT" sz="1600" i="1">
-                                      <a:latin typeface="+mj-lt"/>
+                                      <a:latin typeface="Cambria Math"/>
                                     </a:rPr>
                                     <m:t>=1</m:t>
                                   </m:r>
@@ -13225,7 +16518,7 @@
                                 <m:sup>
                                   <m:r>
                                     <a:rPr lang="it-IT" sz="1600" i="1">
-                                      <a:latin typeface="+mj-lt"/>
+                                      <a:latin typeface="Cambria Math"/>
                                     </a:rPr>
                                     <m:t>𝑛</m:t>
                                   </m:r>
@@ -13235,14 +16528,14 @@
                                     <m:sSubPr>
                                       <m:ctrlPr>
                                         <a:rPr lang="it-IT" sz="1600" i="1">
-                                          <a:latin typeface="+mj-lt"/>
+                                          <a:latin typeface="Cambria Math"/>
                                         </a:rPr>
                                       </m:ctrlPr>
                                     </m:sSubPr>
                                     <m:e>
                                       <m:r>
                                         <a:rPr lang="it-IT" sz="1600" i="1">
-                                          <a:latin typeface="+mj-lt"/>
+                                          <a:latin typeface="Cambria Math"/>
                                         </a:rPr>
                                         <m:t>𝑤</m:t>
                                       </m:r>
@@ -13250,7 +16543,7 @@
                                     <m:sub>
                                       <m:r>
                                         <a:rPr lang="it-IT" sz="1600" i="1">
-                                          <a:latin typeface="+mj-lt"/>
+                                          <a:latin typeface="Cambria Math"/>
                                         </a:rPr>
                                         <m:t>𝑖</m:t>
                                       </m:r>
@@ -13258,7 +16551,7 @@
                                   </m:sSub>
                                   <m:r>
                                     <a:rPr lang="it-IT" sz="1600" i="1">
-                                      <a:latin typeface="+mj-lt"/>
+                                      <a:latin typeface="Cambria Math"/>
                                       <a:ea typeface="Cambria Math"/>
                                     </a:rPr>
                                     <m:t>∙</m:t>
@@ -13267,14 +16560,14 @@
                                     <m:sSubPr>
                                       <m:ctrlPr>
                                         <a:rPr lang="it-IT" sz="1600" i="1">
-                                          <a:latin typeface="+mj-lt"/>
+                                          <a:latin typeface="Cambria Math"/>
                                         </a:rPr>
                                       </m:ctrlPr>
                                     </m:sSubPr>
                                     <m:e>
                                       <m:r>
                                         <a:rPr lang="it-IT" sz="1600" i="1">
-                                          <a:latin typeface="+mj-lt"/>
+                                          <a:latin typeface="Cambria Math"/>
                                         </a:rPr>
                                         <m:t>𝑥</m:t>
                                       </m:r>
@@ -13282,7 +16575,7 @@
                                     <m:sub>
                                       <m:r>
                                         <a:rPr lang="it-IT" sz="1600" i="1">
-                                          <a:latin typeface="+mj-lt"/>
+                                          <a:latin typeface="Cambria Math"/>
                                         </a:rPr>
                                         <m:t>𝑖</m:t>
                                       </m:r>
@@ -13290,13 +16583,26 @@
                                   </m:sSub>
                                 </m:e>
                               </m:nary>
+                              <m:r>
+                                <a:rPr lang="it-IT" sz="1600" b="0" i="1" smtClean="0">
+                                  <a:latin typeface="Cambria Math"/>
+                                  <a:ea typeface="Cambria Math"/>
+                                </a:rPr>
+                                <m:t>≥</m:t>
+                              </m:r>
+                              <m:r>
+                                <a:rPr lang="it-IT" sz="1600" b="0" i="1" smtClean="0">
+                                  <a:latin typeface="Cambria Math"/>
+                                </a:rPr>
+                                <m:t>0</m:t>
+                              </m:r>
                             </m:e>
                           </m:mr>
                           <m:mr>
                             <m:e>
                               <m:r>
                                 <a:rPr lang="it-IT" sz="1600" i="1">
-                                  <a:latin typeface="+mj-lt"/>
+                                  <a:latin typeface="Cambria Math"/>
                                 </a:rPr>
                                 <m:t>0</m:t>
                               </m:r>
@@ -13359,7 +16665,7 @@
                   <m:oMath xmlns:m="http://schemas.openxmlformats.org/officeDocument/2006/math">
                     <m:r>
                       <a:rPr lang="it-IT" sz="1600" i="1">
-                        <a:latin typeface="+mj-lt"/>
+                        <a:latin typeface="Cambria Math"/>
                       </a:rPr>
                       <m:t>𝑓</m:t>
                     </m:r>
@@ -13367,14 +16673,14 @@
                       <m:dPr>
                         <m:ctrlPr>
                           <a:rPr lang="it-IT" sz="1600" i="1">
-                            <a:latin typeface="+mj-lt"/>
+                            <a:latin typeface="Cambria Math"/>
                           </a:rPr>
                         </m:ctrlPr>
                       </m:dPr>
                       <m:e>
                         <m:r>
                           <a:rPr lang="it-IT" sz="1600" i="1">
-                            <a:latin typeface="+mj-lt"/>
+                            <a:latin typeface="Cambria Math"/>
                           </a:rPr>
                           <m:t>𝑠</m:t>
                         </m:r>
@@ -13382,7 +16688,7 @@
                     </m:d>
                     <m:r>
                       <a:rPr lang="it-IT" sz="1600" i="1">
-                        <a:latin typeface="+mj-lt"/>
+                        <a:latin typeface="Cambria Math"/>
                       </a:rPr>
                       <m:t>=</m:t>
                     </m:r>
@@ -13390,14 +16696,14 @@
                       <m:fPr>
                         <m:ctrlPr>
                           <a:rPr lang="it-IT" sz="1600" i="1">
-                            <a:latin typeface="+mj-lt"/>
+                            <a:latin typeface="Cambria Math"/>
                           </a:rPr>
                         </m:ctrlPr>
                       </m:fPr>
                       <m:num>
                         <m:r>
                           <a:rPr lang="it-IT" sz="1600" i="1">
-                            <a:latin typeface="+mj-lt"/>
+                            <a:latin typeface="Cambria Math"/>
                           </a:rPr>
                           <m:t>1</m:t>
                         </m:r>
@@ -13405,7 +16711,7 @@
                       <m:den>
                         <m:r>
                           <a:rPr lang="it-IT" sz="1600" i="1">
-                            <a:latin typeface="+mj-lt"/>
+                            <a:latin typeface="Cambria Math"/>
                           </a:rPr>
                           <m:t>1+</m:t>
                         </m:r>
@@ -13413,22 +16719,28 @@
                           <m:sSupPr>
                             <m:ctrlPr>
                               <a:rPr lang="it-IT" sz="1600" i="1">
-                                <a:latin typeface="+mj-lt"/>
+                                <a:latin typeface="Cambria Math"/>
                               </a:rPr>
                             </m:ctrlPr>
                           </m:sSupPr>
                           <m:e>
                             <m:r>
                               <a:rPr lang="it-IT" sz="1600" i="1">
-                                <a:latin typeface="+mj-lt"/>
+                                <a:latin typeface="Cambria Math"/>
                               </a:rPr>
                               <m:t>𝑒</m:t>
                             </m:r>
                           </m:e>
                           <m:sup>
                             <m:r>
+                              <a:rPr lang="it-IT" sz="1600" b="0" i="1" smtClean="0">
+                                <a:latin typeface="Cambria Math"/>
+                              </a:rPr>
+                              <m:t>−</m:t>
+                            </m:r>
+                            <m:r>
                               <a:rPr lang="it-IT" sz="1600" i="1">
-                                <a:latin typeface="+mj-lt"/>
+                                <a:latin typeface="Cambria Math"/>
                               </a:rPr>
                               <m:t>𝑠</m:t>
                             </m:r>
@@ -14346,118 +17658,21 @@
                             </p:childTnLst>
                           </p:cTn>
                         </p:par>
-                      </p:childTnLst>
-                    </p:cTn>
-                  </p:par>
-                  <p:par>
-                    <p:cTn id="77" fill="hold">
-                      <p:stCondLst>
-                        <p:cond delay="indefinite"/>
-                      </p:stCondLst>
-                      <p:childTnLst>
                         <p:par>
-                          <p:cTn id="78" fill="hold">
+                          <p:cTn id="77" fill="hold">
                             <p:stCondLst>
-                              <p:cond delay="0"/>
+                              <p:cond delay="2000"/>
                             </p:stCondLst>
                             <p:childTnLst>
                               <p:par>
-                                <p:cTn id="79" presetID="10" presetClass="entr" presetSubtype="0" fill="hold" nodeType="clickEffect">
+                                <p:cTn id="78" presetID="10" presetClass="entr" presetSubtype="0" fill="hold" nodeType="afterEffect">
                                   <p:stCondLst>
                                     <p:cond delay="0"/>
                                   </p:stCondLst>
                                   <p:childTnLst>
                                     <p:set>
                                       <p:cBhvr>
-                                        <p:cTn id="80" dur="1" fill="hold">
-                                          <p:stCondLst>
-                                            <p:cond delay="0"/>
-                                          </p:stCondLst>
-                                        </p:cTn>
-                                        <p:tgtEl>
-                                          <p:spTgt spid="2060"/>
-                                        </p:tgtEl>
-                                        <p:attrNameLst>
-                                          <p:attrName>style.visibility</p:attrName>
-                                        </p:attrNameLst>
-                                      </p:cBhvr>
-                                      <p:to>
-                                        <p:strVal val="visible"/>
-                                      </p:to>
-                                    </p:set>
-                                    <p:animEffect transition="in" filter="fade">
-                                      <p:cBhvr>
-                                        <p:cTn id="81" dur="500"/>
-                                        <p:tgtEl>
-                                          <p:spTgt spid="2060"/>
-                                        </p:tgtEl>
-                                      </p:cBhvr>
-                                    </p:animEffect>
-                                  </p:childTnLst>
-                                </p:cTn>
-                              </p:par>
-                            </p:childTnLst>
-                          </p:cTn>
-                        </p:par>
-                        <p:par>
-                          <p:cTn id="82" fill="hold">
-                            <p:stCondLst>
-                              <p:cond delay="500"/>
-                            </p:stCondLst>
-                            <p:childTnLst>
-                              <p:par>
-                                <p:cTn id="83" presetID="10" presetClass="entr" presetSubtype="0" fill="hold" grpId="0" nodeType="afterEffect">
-                                  <p:stCondLst>
-                                    <p:cond delay="0"/>
-                                  </p:stCondLst>
-                                  <p:childTnLst>
-                                    <p:set>
-                                      <p:cBhvr>
-                                        <p:cTn id="84" dur="1" fill="hold">
-                                          <p:stCondLst>
-                                            <p:cond delay="0"/>
-                                          </p:stCondLst>
-                                        </p:cTn>
-                                        <p:tgtEl>
-                                          <p:spTgt spid="2068"/>
-                                        </p:tgtEl>
-                                        <p:attrNameLst>
-                                          <p:attrName>style.visibility</p:attrName>
-                                        </p:attrNameLst>
-                                      </p:cBhvr>
-                                      <p:to>
-                                        <p:strVal val="visible"/>
-                                      </p:to>
-                                    </p:set>
-                                    <p:animEffect transition="in" filter="fade">
-                                      <p:cBhvr>
-                                        <p:cTn id="85" dur="500"/>
-                                        <p:tgtEl>
-                                          <p:spTgt spid="2068"/>
-                                        </p:tgtEl>
-                                      </p:cBhvr>
-                                    </p:animEffect>
-                                  </p:childTnLst>
-                                </p:cTn>
-                              </p:par>
-                            </p:childTnLst>
-                          </p:cTn>
-                        </p:par>
-                        <p:par>
-                          <p:cTn id="86" fill="hold">
-                            <p:stCondLst>
-                              <p:cond delay="1000"/>
-                            </p:stCondLst>
-                            <p:childTnLst>
-                              <p:par>
-                                <p:cTn id="87" presetID="10" presetClass="entr" presetSubtype="0" fill="hold" nodeType="afterEffect">
-                                  <p:stCondLst>
-                                    <p:cond delay="0"/>
-                                  </p:stCondLst>
-                                  <p:childTnLst>
-                                    <p:set>
-                                      <p:cBhvr>
-                                        <p:cTn id="88" dur="1" fill="hold">
+                                        <p:cTn id="79" dur="1" fill="hold">
                                           <p:stCondLst>
                                             <p:cond delay="0"/>
                                           </p:stCondLst>
@@ -14479,13 +17694,110 @@
                                     </p:set>
                                     <p:animEffect transition="in" filter="fade">
                                       <p:cBhvr>
-                                        <p:cTn id="89" dur="500"/>
+                                        <p:cTn id="80" dur="500"/>
                                         <p:tgtEl>
                                           <p:spTgt spid="53">
                                             <p:txEl>
                                               <p:pRg st="2" end="2"/>
                                             </p:txEl>
                                           </p:spTgt>
+                                        </p:tgtEl>
+                                      </p:cBhvr>
+                                    </p:animEffect>
+                                  </p:childTnLst>
+                                </p:cTn>
+                              </p:par>
+                            </p:childTnLst>
+                          </p:cTn>
+                        </p:par>
+                      </p:childTnLst>
+                    </p:cTn>
+                  </p:par>
+                  <p:par>
+                    <p:cTn id="81" fill="hold">
+                      <p:stCondLst>
+                        <p:cond delay="indefinite"/>
+                      </p:stCondLst>
+                      <p:childTnLst>
+                        <p:par>
+                          <p:cTn id="82" fill="hold">
+                            <p:stCondLst>
+                              <p:cond delay="0"/>
+                            </p:stCondLst>
+                            <p:childTnLst>
+                              <p:par>
+                                <p:cTn id="83" presetID="10" presetClass="entr" presetSubtype="0" fill="hold" nodeType="clickEffect">
+                                  <p:stCondLst>
+                                    <p:cond delay="0"/>
+                                  </p:stCondLst>
+                                  <p:childTnLst>
+                                    <p:set>
+                                      <p:cBhvr>
+                                        <p:cTn id="84" dur="1" fill="hold">
+                                          <p:stCondLst>
+                                            <p:cond delay="0"/>
+                                          </p:stCondLst>
+                                        </p:cTn>
+                                        <p:tgtEl>
+                                          <p:spTgt spid="2060"/>
+                                        </p:tgtEl>
+                                        <p:attrNameLst>
+                                          <p:attrName>style.visibility</p:attrName>
+                                        </p:attrNameLst>
+                                      </p:cBhvr>
+                                      <p:to>
+                                        <p:strVal val="visible"/>
+                                      </p:to>
+                                    </p:set>
+                                    <p:animEffect transition="in" filter="fade">
+                                      <p:cBhvr>
+                                        <p:cTn id="85" dur="500"/>
+                                        <p:tgtEl>
+                                          <p:spTgt spid="2060"/>
+                                        </p:tgtEl>
+                                      </p:cBhvr>
+                                    </p:animEffect>
+                                  </p:childTnLst>
+                                </p:cTn>
+                              </p:par>
+                            </p:childTnLst>
+                          </p:cTn>
+                        </p:par>
+                        <p:par>
+                          <p:cTn id="86" fill="hold">
+                            <p:stCondLst>
+                              <p:cond delay="500"/>
+                            </p:stCondLst>
+                            <p:childTnLst>
+                              <p:par>
+                                <p:cTn id="87" presetID="10" presetClass="entr" presetSubtype="0" fill="hold" grpId="0" nodeType="afterEffect">
+                                  <p:stCondLst>
+                                    <p:cond delay="0"/>
+                                  </p:stCondLst>
+                                  <p:childTnLst>
+                                    <p:set>
+                                      <p:cBhvr>
+                                        <p:cTn id="88" dur="1" fill="hold">
+                                          <p:stCondLst>
+                                            <p:cond delay="0"/>
+                                          </p:stCondLst>
+                                        </p:cTn>
+                                        <p:tgtEl>
+                                          <p:spTgt spid="2068"/>
+                                        </p:tgtEl>
+                                        <p:attrNameLst>
+                                          <p:attrName>style.visibility</p:attrName>
+                                        </p:attrNameLst>
+                                      </p:cBhvr>
+                                      <p:to>
+                                        <p:strVal val="visible"/>
+                                      </p:to>
+                                    </p:set>
+                                    <p:animEffect transition="in" filter="fade">
+                                      <p:cBhvr>
+                                        <p:cTn id="89" dur="500"/>
+                                        <p:tgtEl>
+                                          <p:spTgt spid="2068"/>
                                         </p:tgtEl>
                                       </p:cBhvr>
                                     </p:animEffect>
@@ -14553,15 +17865,33 @@
                                   </p:childTnLst>
                                 </p:cTn>
                               </p:par>
+                            </p:childTnLst>
+                          </p:cTn>
+                        </p:par>
+                      </p:childTnLst>
+                    </p:cTn>
+                  </p:par>
+                  <p:par>
+                    <p:cTn id="95" fill="hold">
+                      <p:stCondLst>
+                        <p:cond delay="indefinite"/>
+                      </p:stCondLst>
+                      <p:childTnLst>
+                        <p:par>
+                          <p:cTn id="96" fill="hold">
+                            <p:stCondLst>
+                              <p:cond delay="0"/>
+                            </p:stCondLst>
+                            <p:childTnLst>
                               <p:par>
-                                <p:cTn id="95" presetID="10" presetClass="entr" presetSubtype="0" fill="hold" nodeType="withEffect">
+                                <p:cTn id="97" presetID="10" presetClass="entr" presetSubtype="0" fill="hold" nodeType="clickEffect">
                                   <p:stCondLst>
                                     <p:cond delay="0"/>
                                   </p:stCondLst>
                                   <p:childTnLst>
                                     <p:set>
                                       <p:cBhvr>
-                                        <p:cTn id="96" dur="1" fill="hold">
+                                        <p:cTn id="98" dur="1" fill="hold">
                                           <p:stCondLst>
                                             <p:cond delay="0"/>
                                           </p:stCondLst>
@@ -14583,7 +17913,7 @@
                                     </p:set>
                                     <p:animEffect transition="in" filter="fade">
                                       <p:cBhvr>
-                                        <p:cTn id="97" dur="500"/>
+                                        <p:cTn id="99" dur="500"/>
                                         <p:tgtEl>
                                           <p:spTgt spid="109">
                                             <p:txEl>
@@ -14600,20 +17930,20 @@
                           </p:cTn>
                         </p:par>
                         <p:par>
-                          <p:cTn id="98" fill="hold">
+                          <p:cTn id="100" fill="hold">
                             <p:stCondLst>
                               <p:cond delay="500"/>
                             </p:stCondLst>
                             <p:childTnLst>
                               <p:par>
-                                <p:cTn id="99" presetID="10" presetClass="entr" presetSubtype="0" fill="hold" nodeType="afterEffect">
+                                <p:cTn id="101" presetID="10" presetClass="entr" presetSubtype="0" fill="hold" nodeType="afterEffect">
                                   <p:stCondLst>
                                     <p:cond delay="0"/>
                                   </p:stCondLst>
                                   <p:childTnLst>
                                     <p:set>
                                       <p:cBhvr>
-                                        <p:cTn id="100" dur="1" fill="hold">
+                                        <p:cTn id="102" dur="1" fill="hold">
                                           <p:stCondLst>
                                             <p:cond delay="0"/>
                                           </p:stCondLst>
@@ -14631,7 +17961,7 @@
                                     </p:set>
                                     <p:animEffect transition="in" filter="fade">
                                       <p:cBhvr>
-                                        <p:cTn id="101" dur="500"/>
+                                        <p:cTn id="103" dur="500"/>
                                         <p:tgtEl>
                                           <p:spTgt spid="3075"/>
                                         </p:tgtEl>
@@ -14647,26 +17977,26 @@
                     </p:cTn>
                   </p:par>
                   <p:par>
-                    <p:cTn id="102" fill="hold">
+                    <p:cTn id="104" fill="hold">
                       <p:stCondLst>
                         <p:cond delay="indefinite"/>
                       </p:stCondLst>
                       <p:childTnLst>
                         <p:par>
-                          <p:cTn id="103" fill="hold">
+                          <p:cTn id="105" fill="hold">
                             <p:stCondLst>
                               <p:cond delay="0"/>
                             </p:stCondLst>
                             <p:childTnLst>
                               <p:par>
-                                <p:cTn id="104" presetID="10" presetClass="entr" presetSubtype="0" fill="hold" nodeType="clickEffect">
+                                <p:cTn id="106" presetID="10" presetClass="entr" presetSubtype="0" fill="hold" nodeType="clickEffect">
                                   <p:stCondLst>
                                     <p:cond delay="0"/>
                                   </p:stCondLst>
                                   <p:childTnLst>
                                     <p:set>
                                       <p:cBhvr>
-                                        <p:cTn id="105" dur="1" fill="hold">
+                                        <p:cTn id="107" dur="1" fill="hold">
                                           <p:stCondLst>
                                             <p:cond delay="0"/>
                                           </p:stCondLst>
@@ -14688,7 +18018,7 @@
                                     </p:set>
                                     <p:animEffect transition="in" filter="fade">
                                       <p:cBhvr>
-                                        <p:cTn id="106" dur="500"/>
+                                        <p:cTn id="108" dur="500"/>
                                         <p:tgtEl>
                                           <p:spTgt spid="109">
                                             <p:txEl>
@@ -14705,20 +18035,20 @@
                           </p:cTn>
                         </p:par>
                         <p:par>
-                          <p:cTn id="107" fill="hold">
+                          <p:cTn id="109" fill="hold">
                             <p:stCondLst>
                               <p:cond delay="500"/>
                             </p:stCondLst>
                             <p:childTnLst>
                               <p:par>
-                                <p:cTn id="108" presetID="10" presetClass="entr" presetSubtype="0" fill="hold" nodeType="afterEffect">
+                                <p:cTn id="110" presetID="10" presetClass="entr" presetSubtype="0" fill="hold" nodeType="afterEffect">
                                   <p:stCondLst>
                                     <p:cond delay="0"/>
                                   </p:stCondLst>
                                   <p:childTnLst>
                                     <p:set>
                                       <p:cBhvr>
-                                        <p:cTn id="109" dur="1" fill="hold">
+                                        <p:cTn id="111" dur="1" fill="hold">
                                           <p:stCondLst>
                                             <p:cond delay="0"/>
                                           </p:stCondLst>
@@ -14736,7 +18066,7 @@
                                     </p:set>
                                     <p:animEffect transition="in" filter="fade">
                                       <p:cBhvr>
-                                        <p:cTn id="110" dur="500"/>
+                                        <p:cTn id="112" dur="500"/>
                                         <p:tgtEl>
                                           <p:spTgt spid="100"/>
                                         </p:tgtEl>
@@ -15016,8 +18346,8 @@
           </a:fontRef>
         </p:style>
       </p:cxnSp>
-      <mc:AlternateContent xmlns:mc="http://schemas.openxmlformats.org/markup-compatibility/2006">
-        <mc:Choice xmlns:a14="http://schemas.microsoft.com/office/drawing/2010/main" Requires="a14">
+      <mc:AlternateContent xmlns:mc="http://schemas.openxmlformats.org/markup-compatibility/2006" xmlns:a14="http://schemas.microsoft.com/office/drawing/2010/main">
+        <mc:Choice Requires="a14">
           <p:sp>
             <p:nvSpPr>
               <p:cNvPr id="13" name="TextBox 12"/>
@@ -15040,6 +18370,7 @@
               </a:bodyPr>
               <a:lstStyle/>
               <a:p>
+                <a:pPr/>
                 <a14:m>
                   <m:oMathPara xmlns:m="http://schemas.openxmlformats.org/officeDocument/2006/math">
                     <m:oMathParaPr>
@@ -15062,7 +18393,7 @@
             </p:txBody>
           </p:sp>
         </mc:Choice>
-        <mc:Fallback>
+        <mc:Fallback xmlns="">
           <p:sp>
             <p:nvSpPr>
               <p:cNvPr id="13" name="TextBox 12"/>
@@ -15101,8 +18432,8 @@
           </p:sp>
         </mc:Fallback>
       </mc:AlternateContent>
-      <mc:AlternateContent xmlns:mc="http://schemas.openxmlformats.org/markup-compatibility/2006">
-        <mc:Choice xmlns:a14="http://schemas.microsoft.com/office/drawing/2010/main" Requires="a14">
+      <mc:AlternateContent xmlns:mc="http://schemas.openxmlformats.org/markup-compatibility/2006" xmlns:a14="http://schemas.microsoft.com/office/drawing/2010/main">
+        <mc:Choice Requires="a14">
           <p:sp>
             <p:nvSpPr>
               <p:cNvPr id="14" name="TextBox 13"/>
@@ -15125,6 +18456,7 @@
               </a:bodyPr>
               <a:lstStyle/>
               <a:p>
+                <a:pPr/>
                 <a14:m>
                   <m:oMathPara xmlns:m="http://schemas.openxmlformats.org/officeDocument/2006/math">
                     <m:oMathParaPr>
@@ -15164,7 +18496,7 @@
             </p:txBody>
           </p:sp>
         </mc:Choice>
-        <mc:Fallback>
+        <mc:Fallback xmlns="">
           <p:sp>
             <p:nvSpPr>
               <p:cNvPr id="14" name="TextBox 13"/>
@@ -15203,8 +18535,8 @@
           </p:sp>
         </mc:Fallback>
       </mc:AlternateContent>
-      <mc:AlternateContent xmlns:mc="http://schemas.openxmlformats.org/markup-compatibility/2006">
-        <mc:Choice xmlns:a14="http://schemas.microsoft.com/office/drawing/2010/main" Requires="a14">
+      <mc:AlternateContent xmlns:mc="http://schemas.openxmlformats.org/markup-compatibility/2006" xmlns:a14="http://schemas.microsoft.com/office/drawing/2010/main">
+        <mc:Choice Requires="a14">
           <p:sp>
             <p:nvSpPr>
               <p:cNvPr id="15" name="TextBox 14"/>
@@ -15227,6 +18559,7 @@
               </a:bodyPr>
               <a:lstStyle/>
               <a:p>
+                <a:pPr/>
                 <a14:m>
                   <m:oMathPara xmlns:m="http://schemas.openxmlformats.org/officeDocument/2006/math">
                     <m:oMathParaPr>
@@ -15249,7 +18582,7 @@
             </p:txBody>
           </p:sp>
         </mc:Choice>
-        <mc:Fallback>
+        <mc:Fallback xmlns="">
           <p:sp>
             <p:nvSpPr>
               <p:cNvPr id="15" name="TextBox 14"/>
@@ -15410,8 +18743,8 @@
             <a:chExt cx="831600" cy="3267741"/>
           </a:xfrm>
         </p:grpSpPr>
-        <mc:AlternateContent xmlns:mc="http://schemas.openxmlformats.org/markup-compatibility/2006">
-          <mc:Choice xmlns:a14="http://schemas.microsoft.com/office/drawing/2010/main" Requires="a14">
+        <mc:AlternateContent xmlns:mc="http://schemas.openxmlformats.org/markup-compatibility/2006" xmlns:a14="http://schemas.microsoft.com/office/drawing/2010/main">
+          <mc:Choice Requires="a14">
             <p:sp>
               <p:nvSpPr>
                 <p:cNvPr id="20" name="Oval 19"/>
@@ -15486,7 +18819,7 @@
               </p:txBody>
             </p:sp>
           </mc:Choice>
-          <mc:Fallback>
+          <mc:Fallback xmlns="">
             <p:sp>
               <p:nvSpPr>
                 <p:cNvPr id="20" name="Oval 19"/>
@@ -15526,8 +18859,8 @@
             </p:sp>
           </mc:Fallback>
         </mc:AlternateContent>
-        <mc:AlternateContent xmlns:mc="http://schemas.openxmlformats.org/markup-compatibility/2006">
-          <mc:Choice xmlns:a14="http://schemas.microsoft.com/office/drawing/2010/main" Requires="a14">
+        <mc:AlternateContent xmlns:mc="http://schemas.openxmlformats.org/markup-compatibility/2006" xmlns:a14="http://schemas.microsoft.com/office/drawing/2010/main">
+          <mc:Choice Requires="a14">
             <p:sp>
               <p:nvSpPr>
                 <p:cNvPr id="21" name="Oval 20"/>
@@ -15602,7 +18935,7 @@
               </p:txBody>
             </p:sp>
           </mc:Choice>
-          <mc:Fallback>
+          <mc:Fallback xmlns="">
             <p:sp>
               <p:nvSpPr>
                 <p:cNvPr id="21" name="Oval 20"/>
@@ -15642,8 +18975,8 @@
             </p:sp>
           </mc:Fallback>
         </mc:AlternateContent>
-        <mc:AlternateContent xmlns:mc="http://schemas.openxmlformats.org/markup-compatibility/2006">
-          <mc:Choice xmlns:a14="http://schemas.microsoft.com/office/drawing/2010/main" Requires="a14">
+        <mc:AlternateContent xmlns:mc="http://schemas.openxmlformats.org/markup-compatibility/2006" xmlns:a14="http://schemas.microsoft.com/office/drawing/2010/main">
+          <mc:Choice Requires="a14">
             <p:sp>
               <p:nvSpPr>
                 <p:cNvPr id="22" name="Oval 21"/>
@@ -15718,7 +19051,7 @@
               </p:txBody>
             </p:sp>
           </mc:Choice>
-          <mc:Fallback>
+          <mc:Fallback xmlns="">
             <p:sp>
               <p:nvSpPr>
                 <p:cNvPr id="22" name="Oval 21"/>
@@ -15758,8 +19091,8 @@
             </p:sp>
           </mc:Fallback>
         </mc:AlternateContent>
-        <mc:AlternateContent xmlns:mc="http://schemas.openxmlformats.org/markup-compatibility/2006">
-          <mc:Choice xmlns:a14="http://schemas.microsoft.com/office/drawing/2010/main" Requires="a14">
+        <mc:AlternateContent xmlns:mc="http://schemas.openxmlformats.org/markup-compatibility/2006" xmlns:a14="http://schemas.microsoft.com/office/drawing/2010/main">
+          <mc:Choice Requires="a14">
             <p:sp>
               <p:nvSpPr>
                 <p:cNvPr id="23" name="Oval 22"/>
@@ -15819,7 +19152,7 @@
               </p:txBody>
             </p:sp>
           </mc:Choice>
-          <mc:Fallback>
+          <mc:Fallback xmlns="">
             <p:sp>
               <p:nvSpPr>
                 <p:cNvPr id="23" name="Oval 22"/>
@@ -15862,8 +19195,8 @@
           </mc:Fallback>
         </mc:AlternateContent>
       </p:grpSp>
-      <mc:AlternateContent xmlns:mc="http://schemas.openxmlformats.org/markup-compatibility/2006">
-        <mc:Choice xmlns:a14="http://schemas.microsoft.com/office/drawing/2010/main" Requires="a14">
+      <mc:AlternateContent xmlns:mc="http://schemas.openxmlformats.org/markup-compatibility/2006" xmlns:a14="http://schemas.microsoft.com/office/drawing/2010/main">
+        <mc:Choice Requires="a14">
           <p:sp>
             <p:nvSpPr>
               <p:cNvPr id="24" name="Oval 23"/>
@@ -15941,7 +19274,7 @@
             </p:txBody>
           </p:sp>
         </mc:Choice>
-        <mc:Fallback>
+        <mc:Fallback xmlns="">
           <p:sp>
             <p:nvSpPr>
               <p:cNvPr id="24" name="Oval 23"/>
@@ -15983,8 +19316,8 @@
           </p:sp>
         </mc:Fallback>
       </mc:AlternateContent>
-      <mc:AlternateContent xmlns:mc="http://schemas.openxmlformats.org/markup-compatibility/2006">
-        <mc:Choice xmlns:a14="http://schemas.microsoft.com/office/drawing/2010/main" Requires="a14">
+      <mc:AlternateContent xmlns:mc="http://schemas.openxmlformats.org/markup-compatibility/2006" xmlns:a14="http://schemas.microsoft.com/office/drawing/2010/main">
+        <mc:Choice Requires="a14">
           <p:sp>
             <p:nvSpPr>
               <p:cNvPr id="25" name="Oval 24"/>
@@ -16062,7 +19395,7 @@
             </p:txBody>
           </p:sp>
         </mc:Choice>
-        <mc:Fallback>
+        <mc:Fallback xmlns="">
           <p:sp>
             <p:nvSpPr>
               <p:cNvPr id="25" name="Oval 24"/>
@@ -16104,8 +19437,8 @@
           </p:sp>
         </mc:Fallback>
       </mc:AlternateContent>
-      <mc:AlternateContent xmlns:mc="http://schemas.openxmlformats.org/markup-compatibility/2006">
-        <mc:Choice xmlns:a14="http://schemas.microsoft.com/office/drawing/2010/main" Requires="a14">
+      <mc:AlternateContent xmlns:mc="http://schemas.openxmlformats.org/markup-compatibility/2006" xmlns:a14="http://schemas.microsoft.com/office/drawing/2010/main">
+        <mc:Choice Requires="a14">
           <p:sp>
             <p:nvSpPr>
               <p:cNvPr id="26" name="Oval 25"/>
@@ -16183,7 +19516,7 @@
             </p:txBody>
           </p:sp>
         </mc:Choice>
-        <mc:Fallback>
+        <mc:Fallback xmlns="">
           <p:sp>
             <p:nvSpPr>
               <p:cNvPr id="26" name="Oval 25"/>
@@ -16354,13 +19687,7 @@
               <a:rPr lang="en-GB" sz="1200" b="1" dirty="0" smtClean="0">
                 <a:latin typeface="+mn-lt"/>
               </a:rPr>
-              <a:t>OUT</a:t>
-            </a:r>
-            <a:r>
-              <a:rPr lang="en-GB" sz="1200" b="1" dirty="0" smtClean="0">
-                <a:latin typeface="+mn-lt"/>
-              </a:rPr>
-              <a:t>PUT</a:t>
+              <a:t>OUTPUT</a:t>
             </a:r>
             <a:endParaRPr lang="en-GB" sz="1200" b="1" dirty="0">
               <a:latin typeface="+mn-lt"/>
@@ -16637,19 +19964,19 @@
                     <m:oMath xmlns:m="http://schemas.openxmlformats.org/officeDocument/2006/math">
                       <m:r>
                         <a:rPr lang="it-IT" i="1">
-                          <a:latin typeface="+mj-lt"/>
+                          <a:latin typeface="Cambria Math"/>
                         </a:rPr>
                         <m:t>𝑦</m:t>
                       </m:r>
                       <m:r>
                         <a:rPr lang="it-IT" i="1">
-                          <a:latin typeface="+mj-lt"/>
+                          <a:latin typeface="Cambria Math"/>
                         </a:rPr>
                         <m:t>=</m:t>
                       </m:r>
                       <m:r>
                         <a:rPr lang="it-IT" i="1">
-                          <a:latin typeface="+mj-lt"/>
+                          <a:latin typeface="Cambria Math"/>
                         </a:rPr>
                         <m:t>𝑓</m:t>
                       </m:r>
@@ -16657,14 +19984,14 @@
                         <m:dPr>
                           <m:ctrlPr>
                             <a:rPr lang="it-IT" i="1">
-                              <a:latin typeface="+mj-lt"/>
+                              <a:latin typeface="Cambria Math"/>
                             </a:rPr>
                           </m:ctrlPr>
                         </m:dPr>
                         <m:e>
                           <m:r>
                             <a:rPr lang="it-IT" i="1">
-                              <a:latin typeface="+mj-lt"/>
+                              <a:latin typeface="Cambria Math"/>
                             </a:rPr>
                             <m:t>𝑠</m:t>
                           </m:r>
@@ -16672,13 +19999,13 @@
                       </m:d>
                       <m:r>
                         <a:rPr lang="it-IT" i="1">
-                          <a:latin typeface="+mj-lt"/>
+                          <a:latin typeface="Cambria Math"/>
                         </a:rPr>
                         <m:t>=</m:t>
                       </m:r>
                       <m:r>
                         <a:rPr lang="it-IT" i="1">
-                          <a:latin typeface="+mj-lt"/>
+                          <a:latin typeface="Cambria Math"/>
                         </a:rPr>
                         <m:t>𝑓</m:t>
                       </m:r>
@@ -16686,7 +20013,7 @@
                         <m:dPr>
                           <m:ctrlPr>
                             <a:rPr lang="it-IT" i="1">
-                              <a:latin typeface="+mj-lt"/>
+                              <a:latin typeface="Cambria Math"/>
                             </a:rPr>
                           </m:ctrlPr>
                         </m:dPr>
@@ -16695,7 +20022,7 @@
                             <m:sSupPr>
                               <m:ctrlPr>
                                 <a:rPr lang="it-IT" i="1">
-                                  <a:latin typeface="+mj-lt"/>
+                                  <a:latin typeface="Cambria Math"/>
                                 </a:rPr>
                               </m:ctrlPr>
                             </m:sSupPr>
@@ -16706,7 +20033,7 @@
                                   <m:endChr m:val="]"/>
                                   <m:ctrlPr>
                                     <a:rPr lang="it-IT" i="1">
-                                      <a:latin typeface="+mj-lt"/>
+                                      <a:latin typeface="Cambria Math"/>
                                     </a:rPr>
                                   </m:ctrlPr>
                                 </m:dPr>
@@ -16723,7 +20050,7 @@
                                       </m:mcs>
                                       <m:ctrlPr>
                                         <a:rPr lang="it-IT" i="1">
-                                          <a:latin typeface="+mj-lt"/>
+                                          <a:latin typeface="Cambria Math"/>
                                         </a:rPr>
                                       </m:ctrlPr>
                                     </m:mPr>
@@ -16733,14 +20060,14 @@
                                           <m:sSubPr>
                                             <m:ctrlPr>
                                               <a:rPr lang="it-IT" i="1">
-                                                <a:latin typeface="+mj-lt"/>
+                                                <a:latin typeface="Cambria Math"/>
                                               </a:rPr>
                                             </m:ctrlPr>
                                           </m:sSubPr>
                                           <m:e>
                                             <m:r>
                                               <a:rPr lang="it-IT" i="1">
-                                                <a:latin typeface="+mj-lt"/>
+                                                <a:latin typeface="Cambria Math"/>
                                               </a:rPr>
                                               <m:t>𝑤</m:t>
                                             </m:r>
@@ -16748,7 +20075,7 @@
                                           <m:sub>
                                             <m:r>
                                               <a:rPr lang="it-IT" i="1">
-                                                <a:latin typeface="+mj-lt"/>
+                                                <a:latin typeface="Cambria Math"/>
                                               </a:rPr>
                                               <m:t>1</m:t>
                                             </m:r>
@@ -16762,14 +20089,14 @@
                                           <m:sSubPr>
                                             <m:ctrlPr>
                                               <a:rPr lang="it-IT" i="1">
-                                                <a:latin typeface="+mj-lt"/>
+                                                <a:latin typeface="Cambria Math"/>
                                               </a:rPr>
                                             </m:ctrlPr>
                                           </m:sSubPr>
                                           <m:e>
                                             <m:r>
                                               <a:rPr lang="it-IT" i="1">
-                                                <a:latin typeface="+mj-lt"/>
+                                                <a:latin typeface="Cambria Math"/>
                                               </a:rPr>
                                               <m:t>𝑤</m:t>
                                             </m:r>
@@ -16777,7 +20104,7 @@
                                           <m:sub>
                                             <m:r>
                                               <a:rPr lang="it-IT" i="1">
-                                                <a:latin typeface="+mj-lt"/>
+                                                <a:latin typeface="Cambria Math"/>
                                               </a:rPr>
                                               <m:t>2</m:t>
                                             </m:r>
@@ -16789,7 +20116,7 @@
                                       <m:e>
                                         <m:r>
                                           <a:rPr lang="it-IT" i="1">
-                                            <a:latin typeface="+mj-lt"/>
+                                            <a:latin typeface="Cambria Math"/>
                                             <a:ea typeface="Cambria Math"/>
                                           </a:rPr>
                                           <m:t>⋮</m:t>
@@ -16802,14 +20129,14 @@
                                           <m:sSubPr>
                                             <m:ctrlPr>
                                               <a:rPr lang="it-IT" i="1">
-                                                <a:latin typeface="+mj-lt"/>
+                                                <a:latin typeface="Cambria Math"/>
                                               </a:rPr>
                                             </m:ctrlPr>
                                           </m:sSubPr>
                                           <m:e>
                                             <m:r>
                                               <a:rPr lang="it-IT" i="1">
-                                                <a:latin typeface="+mj-lt"/>
+                                                <a:latin typeface="Cambria Math"/>
                                               </a:rPr>
                                               <m:t>𝑤</m:t>
                                             </m:r>
@@ -16817,7 +20144,7 @@
                                           <m:sub>
                                             <m:r>
                                               <a:rPr lang="it-IT" i="1">
-                                                <a:latin typeface="+mj-lt"/>
+                                                <a:latin typeface="Cambria Math"/>
                                               </a:rPr>
                                               <m:t>𝑛</m:t>
                                             </m:r>
@@ -16832,7 +20159,7 @@
                             <m:sup>
                               <m:r>
                                 <a:rPr lang="it-IT" i="1">
-                                  <a:latin typeface="+mj-lt"/>
+                                  <a:latin typeface="Cambria Math"/>
                                 </a:rPr>
                                 <m:t>𝑇</m:t>
                               </m:r>
@@ -16840,7 +20167,7 @@
                           </m:sSup>
                           <m:r>
                             <a:rPr lang="it-IT" i="1">
-                              <a:latin typeface="+mj-lt"/>
+                              <a:latin typeface="Cambria Math"/>
                               <a:ea typeface="Cambria Math"/>
                             </a:rPr>
                             <m:t>∙</m:t>
@@ -16851,7 +20178,7 @@
                               <m:endChr m:val="]"/>
                               <m:ctrlPr>
                                 <a:rPr lang="it-IT" i="1">
-                                  <a:latin typeface="+mj-lt"/>
+                                  <a:latin typeface="Cambria Math"/>
                                 </a:rPr>
                               </m:ctrlPr>
                             </m:dPr>
@@ -16868,7 +20195,7 @@
                                   </m:mcs>
                                   <m:ctrlPr>
                                     <a:rPr lang="it-IT" i="1">
-                                      <a:latin typeface="+mj-lt"/>
+                                      <a:latin typeface="Cambria Math"/>
                                     </a:rPr>
                                   </m:ctrlPr>
                                 </m:mPr>
@@ -16878,14 +20205,14 @@
                                       <m:sSubPr>
                                         <m:ctrlPr>
                                           <a:rPr lang="it-IT" i="1">
-                                            <a:latin typeface="+mj-lt"/>
+                                            <a:latin typeface="Cambria Math"/>
                                           </a:rPr>
                                         </m:ctrlPr>
                                       </m:sSubPr>
                                       <m:e>
                                         <m:r>
                                           <a:rPr lang="it-IT" i="1">
-                                            <a:latin typeface="+mj-lt"/>
+                                            <a:latin typeface="Cambria Math"/>
                                           </a:rPr>
                                           <m:t>𝑥</m:t>
                                         </m:r>
@@ -16893,7 +20220,7 @@
                                       <m:sub>
                                         <m:r>
                                           <a:rPr lang="it-IT" i="1">
-                                            <a:latin typeface="+mj-lt"/>
+                                            <a:latin typeface="Cambria Math"/>
                                           </a:rPr>
                                           <m:t>1</m:t>
                                         </m:r>
@@ -16907,14 +20234,14 @@
                                       <m:sSubPr>
                                         <m:ctrlPr>
                                           <a:rPr lang="it-IT" i="1">
-                                            <a:latin typeface="+mj-lt"/>
+                                            <a:latin typeface="Cambria Math"/>
                                           </a:rPr>
                                         </m:ctrlPr>
                                       </m:sSubPr>
                                       <m:e>
                                         <m:r>
                                           <a:rPr lang="it-IT" i="1">
-                                            <a:latin typeface="+mj-lt"/>
+                                            <a:latin typeface="Cambria Math"/>
                                           </a:rPr>
                                           <m:t>𝑥</m:t>
                                         </m:r>
@@ -16922,7 +20249,7 @@
                                       <m:sub>
                                         <m:r>
                                           <a:rPr lang="it-IT" i="1">
-                                            <a:latin typeface="+mj-lt"/>
+                                            <a:latin typeface="Cambria Math"/>
                                           </a:rPr>
                                           <m:t>2</m:t>
                                         </m:r>
@@ -16934,7 +20261,7 @@
                                   <m:e>
                                     <m:r>
                                       <a:rPr lang="it-IT" i="1">
-                                        <a:latin typeface="+mj-lt"/>
+                                        <a:latin typeface="Cambria Math"/>
                                         <a:ea typeface="Cambria Math"/>
                                       </a:rPr>
                                       <m:t>⋮</m:t>
@@ -16947,14 +20274,14 @@
                                       <m:sSubPr>
                                         <m:ctrlPr>
                                           <a:rPr lang="it-IT" i="1">
-                                            <a:latin typeface="+mj-lt"/>
+                                            <a:latin typeface="Cambria Math"/>
                                           </a:rPr>
                                         </m:ctrlPr>
                                       </m:sSubPr>
                                       <m:e>
                                         <m:r>
                                           <a:rPr lang="it-IT" i="1">
-                                            <a:latin typeface="+mj-lt"/>
+                                            <a:latin typeface="Cambria Math"/>
                                           </a:rPr>
                                           <m:t>𝑥</m:t>
                                         </m:r>
@@ -16962,7 +20289,7 @@
                                       <m:sub>
                                         <m:r>
                                           <a:rPr lang="it-IT" i="1">
-                                            <a:latin typeface="+mj-lt"/>
+                                            <a:latin typeface="Cambria Math"/>
                                           </a:rPr>
                                           <m:t>𝑛</m:t>
                                         </m:r>
@@ -16975,6 +20302,43 @@
                           </m:d>
                         </m:e>
                       </m:d>
+                      <m:r>
+                        <a:rPr lang="it-IT" i="1">
+                          <a:latin typeface="Cambria Math"/>
+                        </a:rPr>
+                        <m:t>=</m:t>
+                      </m:r>
+                      <m:sSup>
+                        <m:sSupPr>
+                          <m:ctrlPr>
+                            <a:rPr lang="it-IT" i="1">
+                              <a:latin typeface="Cambria Math"/>
+                            </a:rPr>
+                          </m:ctrlPr>
+                        </m:sSupPr>
+                        <m:e>
+                          <m:r>
+                            <a:rPr lang="it-IT" b="1" i="1">
+                              <a:latin typeface="Cambria Math"/>
+                            </a:rPr>
+                            <m:t>𝒘</m:t>
+                          </m:r>
+                        </m:e>
+                        <m:sup>
+                          <m:r>
+                            <a:rPr lang="it-IT" i="1">
+                              <a:latin typeface="Cambria Math"/>
+                            </a:rPr>
+                            <m:t>𝑇</m:t>
+                          </m:r>
+                        </m:sup>
+                      </m:sSup>
+                      <m:r>
+                        <a:rPr lang="it-IT" b="1" i="1">
+                          <a:latin typeface="Cambria Math"/>
+                        </a:rPr>
+                        <m:t>𝒙</m:t>
+                      </m:r>
                     </m:oMath>
                   </m:oMathPara>
                 </a14:m>
@@ -17007,7 +20371,7 @@
                   <m:oMath xmlns:m="http://schemas.openxmlformats.org/officeDocument/2006/math">
                     <m:r>
                       <a:rPr lang="it-IT" i="1">
-                        <a:latin typeface="+mj-lt"/>
+                        <a:latin typeface="Cambria Math"/>
                       </a:rPr>
                       <m:t>𝑒</m:t>
                     </m:r>
@@ -17041,31 +20405,31 @@
                     <m:oMath xmlns:m="http://schemas.openxmlformats.org/officeDocument/2006/math">
                       <m:r>
                         <a:rPr lang="it-IT" b="0" i="1" smtClean="0">
-                          <a:latin typeface="+mj-lt"/>
+                          <a:latin typeface="Cambria Math"/>
                         </a:rPr>
                         <m:t>𝑒</m:t>
                       </m:r>
                       <m:r>
                         <a:rPr lang="it-IT" b="0" i="1" smtClean="0">
-                          <a:latin typeface="+mj-lt"/>
+                          <a:latin typeface="Cambria Math"/>
                         </a:rPr>
                         <m:t>=</m:t>
                       </m:r>
                       <m:r>
                         <a:rPr lang="it-IT" b="0" i="1" smtClean="0">
-                          <a:latin typeface="+mj-lt"/>
+                          <a:latin typeface="Cambria Math"/>
                         </a:rPr>
                         <m:t>𝑑</m:t>
                       </m:r>
                       <m:r>
                         <a:rPr lang="it-IT" b="0" i="1" smtClean="0">
-                          <a:latin typeface="+mj-lt"/>
+                          <a:latin typeface="Cambria Math"/>
                         </a:rPr>
                         <m:t>−</m:t>
                       </m:r>
                       <m:r>
                         <a:rPr lang="it-IT" b="0" i="1" smtClean="0">
-                          <a:latin typeface="+mj-lt"/>
+                          <a:latin typeface="Cambria Math"/>
                         </a:rPr>
                         <m:t>𝑦</m:t>
                       </m:r>
@@ -17129,7 +20493,7 @@
                           <m:endChr m:val="]"/>
                           <m:ctrlPr>
                             <a:rPr lang="it-IT" i="1">
-                              <a:latin typeface="+mj-lt"/>
+                              <a:latin typeface="Cambria Math"/>
                             </a:rPr>
                           </m:ctrlPr>
                         </m:dPr>
@@ -17146,7 +20510,7 @@
                               </m:mcs>
                               <m:ctrlPr>
                                 <a:rPr lang="it-IT" i="1">
-                                  <a:latin typeface="+mj-lt"/>
+                                  <a:latin typeface="Cambria Math"/>
                                 </a:rPr>
                               </m:ctrlPr>
                             </m:mPr>
@@ -17156,7 +20520,7 @@
                                   <m:sSubPr>
                                     <m:ctrlPr>
                                       <a:rPr lang="it-IT" i="1">
-                                        <a:latin typeface="+mj-lt"/>
+                                        <a:latin typeface="Cambria Math"/>
                                       </a:rPr>
                                     </m:ctrlPr>
                                   </m:sSubPr>
@@ -17166,14 +20530,14 @@
                                         <m:sty m:val="p"/>
                                       </m:rPr>
                                       <a:rPr lang="el-GR" i="1">
-                                        <a:latin typeface="+mj-lt"/>
+                                        <a:latin typeface="Cambria Math"/>
                                         <a:ea typeface="Cambria Math"/>
                                       </a:rPr>
                                       <m:t>Δ</m:t>
                                     </m:r>
                                     <m:r>
                                       <a:rPr lang="it-IT" i="1">
-                                        <a:latin typeface="+mj-lt"/>
+                                        <a:latin typeface="Cambria Math"/>
                                       </a:rPr>
                                       <m:t>𝑤</m:t>
                                     </m:r>
@@ -17181,7 +20545,7 @@
                                   <m:sub>
                                     <m:r>
                                       <a:rPr lang="it-IT" i="1">
-                                        <a:latin typeface="+mj-lt"/>
+                                        <a:latin typeface="Cambria Math"/>
                                       </a:rPr>
                                       <m:t>1</m:t>
                                     </m:r>
@@ -17196,7 +20560,7 @@
                                     <m:sty m:val="p"/>
                                   </m:rPr>
                                   <a:rPr lang="el-GR" i="1">
-                                    <a:latin typeface="+mj-lt"/>
+                                    <a:latin typeface="Cambria Math"/>
                                     <a:ea typeface="Cambria Math"/>
                                   </a:rPr>
                                   <m:t>Δ</m:t>
@@ -17205,14 +20569,14 @@
                                   <m:sSubPr>
                                     <m:ctrlPr>
                                       <a:rPr lang="it-IT" i="1">
-                                        <a:latin typeface="+mj-lt"/>
+                                        <a:latin typeface="Cambria Math"/>
                                       </a:rPr>
                                     </m:ctrlPr>
                                   </m:sSubPr>
                                   <m:e>
                                     <m:r>
                                       <a:rPr lang="it-IT" i="1">
-                                        <a:latin typeface="+mj-lt"/>
+                                        <a:latin typeface="Cambria Math"/>
                                       </a:rPr>
                                       <m:t>𝑤</m:t>
                                     </m:r>
@@ -17220,7 +20584,7 @@
                                   <m:sub>
                                     <m:r>
                                       <a:rPr lang="it-IT" i="1">
-                                        <a:latin typeface="+mj-lt"/>
+                                        <a:latin typeface="Cambria Math"/>
                                       </a:rPr>
                                       <m:t>2</m:t>
                                     </m:r>
@@ -17232,7 +20596,7 @@
                               <m:e>
                                 <m:r>
                                   <a:rPr lang="it-IT" i="1">
-                                    <a:latin typeface="+mj-lt"/>
+                                    <a:latin typeface="Cambria Math"/>
                                     <a:ea typeface="Cambria Math"/>
                                   </a:rPr>
                                   <m:t>⋮</m:t>
@@ -17245,7 +20609,7 @@
                                   <m:sSubPr>
                                     <m:ctrlPr>
                                       <a:rPr lang="it-IT" i="1">
-                                        <a:latin typeface="+mj-lt"/>
+                                        <a:latin typeface="Cambria Math"/>
                                       </a:rPr>
                                     </m:ctrlPr>
                                   </m:sSubPr>
@@ -17255,14 +20619,14 @@
                                         <m:sty m:val="p"/>
                                       </m:rPr>
                                       <a:rPr lang="el-GR" i="1">
-                                        <a:latin typeface="+mj-lt"/>
+                                        <a:latin typeface="Cambria Math"/>
                                         <a:ea typeface="Cambria Math"/>
                                       </a:rPr>
                                       <m:t>Δ</m:t>
                                     </m:r>
                                     <m:r>
                                       <a:rPr lang="it-IT" i="1">
-                                        <a:latin typeface="+mj-lt"/>
+                                        <a:latin typeface="Cambria Math"/>
                                       </a:rPr>
                                       <m:t>𝑤</m:t>
                                     </m:r>
@@ -17270,7 +20634,7 @@
                                   <m:sub>
                                     <m:r>
                                       <a:rPr lang="it-IT" i="1">
-                                        <a:latin typeface="+mj-lt"/>
+                                        <a:latin typeface="Cambria Math"/>
                                       </a:rPr>
                                       <m:t>𝑛</m:t>
                                     </m:r>
@@ -17283,33 +20647,33 @@
                       </m:d>
                       <m:r>
                         <a:rPr lang="it-IT" i="1">
-                          <a:latin typeface="+mj-lt"/>
+                          <a:latin typeface="Cambria Math"/>
                         </a:rPr>
                         <m:t>=</m:t>
                       </m:r>
                       <m:r>
                         <a:rPr lang="it-IT" i="1" smtClean="0">
-                          <a:latin typeface="+mj-lt"/>
+                          <a:latin typeface="Cambria Math"/>
                           <a:ea typeface="Cambria Math"/>
                         </a:rPr>
                         <m:t>𝜂</m:t>
                       </m:r>
                       <m:r>
                         <a:rPr lang="it-IT" i="1" smtClean="0">
-                          <a:latin typeface="+mj-lt"/>
+                          <a:latin typeface="Cambria Math"/>
                           <a:ea typeface="Cambria Math"/>
                         </a:rPr>
                         <m:t>∙</m:t>
                       </m:r>
                       <m:r>
                         <a:rPr lang="it-IT" i="1">
-                          <a:latin typeface="+mj-lt"/>
+                          <a:latin typeface="Cambria Math"/>
                         </a:rPr>
                         <m:t>𝑒</m:t>
                       </m:r>
                       <m:r>
                         <a:rPr lang="it-IT" i="1" smtClean="0">
-                          <a:latin typeface="+mj-lt"/>
+                          <a:latin typeface="Cambria Math"/>
                           <a:ea typeface="Cambria Math"/>
                         </a:rPr>
                         <m:t>∙</m:t>
@@ -17320,7 +20684,7 @@
                           <m:endChr m:val="]"/>
                           <m:ctrlPr>
                             <a:rPr lang="it-IT" i="1">
-                              <a:latin typeface="+mj-lt"/>
+                              <a:latin typeface="Cambria Math"/>
                             </a:rPr>
                           </m:ctrlPr>
                         </m:dPr>
@@ -17337,7 +20701,7 @@
                               </m:mcs>
                               <m:ctrlPr>
                                 <a:rPr lang="it-IT" i="1">
-                                  <a:latin typeface="+mj-lt"/>
+                                  <a:latin typeface="Cambria Math"/>
                                 </a:rPr>
                               </m:ctrlPr>
                             </m:mPr>
@@ -17347,14 +20711,14 @@
                                   <m:sSubPr>
                                     <m:ctrlPr>
                                       <a:rPr lang="it-IT" i="1">
-                                        <a:latin typeface="+mj-lt"/>
+                                        <a:latin typeface="Cambria Math"/>
                                       </a:rPr>
                                     </m:ctrlPr>
                                   </m:sSubPr>
                                   <m:e>
                                     <m:r>
                                       <a:rPr lang="it-IT" i="1">
-                                        <a:latin typeface="+mj-lt"/>
+                                        <a:latin typeface="Cambria Math"/>
                                       </a:rPr>
                                       <m:t>𝑥</m:t>
                                     </m:r>
@@ -17362,7 +20726,7 @@
                                   <m:sub>
                                     <m:r>
                                       <a:rPr lang="it-IT" i="1">
-                                        <a:latin typeface="+mj-lt"/>
+                                        <a:latin typeface="Cambria Math"/>
                                       </a:rPr>
                                       <m:t>1</m:t>
                                     </m:r>
@@ -17376,14 +20740,14 @@
                                   <m:sSubPr>
                                     <m:ctrlPr>
                                       <a:rPr lang="it-IT" i="1">
-                                        <a:latin typeface="+mj-lt"/>
+                                        <a:latin typeface="Cambria Math"/>
                                       </a:rPr>
                                     </m:ctrlPr>
                                   </m:sSubPr>
                                   <m:e>
                                     <m:r>
                                       <a:rPr lang="it-IT" i="1">
-                                        <a:latin typeface="+mj-lt"/>
+                                        <a:latin typeface="Cambria Math"/>
                                       </a:rPr>
                                       <m:t>𝑥</m:t>
                                     </m:r>
@@ -17391,7 +20755,7 @@
                                   <m:sub>
                                     <m:r>
                                       <a:rPr lang="it-IT" i="1">
-                                        <a:latin typeface="+mj-lt"/>
+                                        <a:latin typeface="Cambria Math"/>
                                       </a:rPr>
                                       <m:t>2</m:t>
                                     </m:r>
@@ -17403,7 +20767,7 @@
                               <m:e>
                                 <m:r>
                                   <a:rPr lang="it-IT" i="1">
-                                    <a:latin typeface="+mj-lt"/>
+                                    <a:latin typeface="Cambria Math"/>
                                     <a:ea typeface="Cambria Math"/>
                                   </a:rPr>
                                   <m:t>⋮</m:t>
@@ -17416,14 +20780,14 @@
                                   <m:sSubPr>
                                     <m:ctrlPr>
                                       <a:rPr lang="it-IT" i="1">
-                                        <a:latin typeface="+mj-lt"/>
+                                        <a:latin typeface="Cambria Math"/>
                                       </a:rPr>
                                     </m:ctrlPr>
                                   </m:sSubPr>
                                   <m:e>
                                     <m:r>
                                       <a:rPr lang="it-IT" i="1">
-                                        <a:latin typeface="+mj-lt"/>
+                                        <a:latin typeface="Cambria Math"/>
                                       </a:rPr>
                                       <m:t>𝑥</m:t>
                                     </m:r>
@@ -17431,7 +20795,7 @@
                                   <m:sub>
                                     <m:r>
                                       <a:rPr lang="it-IT" i="1">
-                                        <a:latin typeface="+mj-lt"/>
+                                        <a:latin typeface="Cambria Math"/>
                                       </a:rPr>
                                       <m:t>𝑛</m:t>
                                     </m:r>
@@ -17463,7 +20827,7 @@
                   <m:oMath xmlns:m="http://schemas.openxmlformats.org/officeDocument/2006/math">
                     <m:r>
                       <a:rPr lang="it-IT" i="1">
-                        <a:latin typeface="+mj-lt"/>
+                        <a:latin typeface="Cambria Math"/>
                         <a:ea typeface="Cambria Math"/>
                       </a:rPr>
                       <m:t>𝜂</m:t>
@@ -17532,7 +20896,7 @@
               <a:blipFill rotWithShape="1">
                 <a:blip r:embed="rId12"/>
                 <a:stretch>
-                  <a:fillRect l="-2659" t="-1434" b="-5346"/>
+                  <a:fillRect l="-2659" t="-1434" b="-5215"/>
                 </a:stretch>
               </a:blipFill>
             </p:spPr>
@@ -18263,15 +21627,24 @@
                                   </p:childTnLst>
                                 </p:cTn>
                               </p:par>
+                            </p:childTnLst>
+                          </p:cTn>
+                        </p:par>
+                        <p:par>
+                          <p:cTn id="43" fill="hold">
+                            <p:stCondLst>
+                              <p:cond delay="500"/>
+                            </p:stCondLst>
+                            <p:childTnLst>
                               <p:par>
-                                <p:cTn id="43" presetID="10" presetClass="entr" presetSubtype="0" fill="hold" nodeType="withEffect">
+                                <p:cTn id="44" presetID="10" presetClass="entr" presetSubtype="0" fill="hold" nodeType="afterEffect">
                                   <p:stCondLst>
                                     <p:cond delay="0"/>
                                   </p:stCondLst>
                                   <p:childTnLst>
                                     <p:set>
                                       <p:cBhvr>
-                                        <p:cTn id="44" dur="1" fill="hold">
+                                        <p:cTn id="45" dur="1" fill="hold">
                                           <p:stCondLst>
                                             <p:cond delay="0"/>
                                           </p:stCondLst>
@@ -18293,7 +21666,7 @@
                                     </p:set>
                                     <p:animEffect transition="in" filter="fade">
                                       <p:cBhvr>
-                                        <p:cTn id="45" dur="500"/>
+                                        <p:cTn id="46" dur="500"/>
                                         <p:tgtEl>
                                           <p:spTgt spid="33">
                                             <p:txEl>
@@ -18313,26 +21686,26 @@
                     </p:cTn>
                   </p:par>
                   <p:par>
-                    <p:cTn id="46" fill="hold">
+                    <p:cTn id="47" fill="hold">
                       <p:stCondLst>
                         <p:cond delay="indefinite"/>
                       </p:stCondLst>
                       <p:childTnLst>
                         <p:par>
-                          <p:cTn id="47" fill="hold">
+                          <p:cTn id="48" fill="hold">
                             <p:stCondLst>
                               <p:cond delay="0"/>
                             </p:stCondLst>
                             <p:childTnLst>
                               <p:par>
-                                <p:cTn id="48" presetID="10" presetClass="entr" presetSubtype="0" fill="hold" grpId="0" nodeType="clickEffect">
+                                <p:cTn id="49" presetID="10" presetClass="entr" presetSubtype="0" fill="hold" grpId="0" nodeType="clickEffect">
                                   <p:stCondLst>
                                     <p:cond delay="0"/>
                                   </p:stCondLst>
                                   <p:childTnLst>
                                     <p:set>
                                       <p:cBhvr>
-                                        <p:cTn id="49" dur="1" fill="hold">
+                                        <p:cTn id="50" dur="1" fill="hold">
                                           <p:stCondLst>
                                             <p:cond delay="0"/>
                                           </p:stCondLst>
@@ -18350,7 +21723,7 @@
                                     </p:set>
                                     <p:animEffect transition="in" filter="fade">
                                       <p:cBhvr>
-                                        <p:cTn id="50" dur="500"/>
+                                        <p:cTn id="51" dur="500"/>
                                         <p:tgtEl>
                                           <p:spTgt spid="35"/>
                                         </p:tgtEl>
@@ -18360,14 +21733,14 @@
                                 </p:cTn>
                               </p:par>
                               <p:par>
-                                <p:cTn id="51" presetID="22" presetClass="entr" presetSubtype="2" fill="hold" grpId="0" nodeType="withEffect">
+                                <p:cTn id="52" presetID="22" presetClass="entr" presetSubtype="2" fill="hold" grpId="0" nodeType="withEffect">
                                   <p:stCondLst>
                                     <p:cond delay="0"/>
                                   </p:stCondLst>
                                   <p:childTnLst>
                                     <p:set>
                                       <p:cBhvr>
-                                        <p:cTn id="52" dur="1" fill="hold">
+                                        <p:cTn id="53" dur="1" fill="hold">
                                           <p:stCondLst>
                                             <p:cond delay="0"/>
                                           </p:stCondLst>
@@ -18385,9 +21758,61 @@
                                     </p:set>
                                     <p:animEffect transition="in" filter="wipe(right)">
                                       <p:cBhvr>
-                                        <p:cTn id="53" dur="500"/>
+                                        <p:cTn id="54" dur="500"/>
                                         <p:tgtEl>
                                           <p:spTgt spid="38"/>
+                                        </p:tgtEl>
+                                      </p:cBhvr>
+                                    </p:animEffect>
+                                  </p:childTnLst>
+                                </p:cTn>
+                              </p:par>
+                            </p:childTnLst>
+                          </p:cTn>
+                        </p:par>
+                        <p:par>
+                          <p:cTn id="55" fill="hold">
+                            <p:stCondLst>
+                              <p:cond delay="500"/>
+                            </p:stCondLst>
+                            <p:childTnLst>
+                              <p:par>
+                                <p:cTn id="56" presetID="10" presetClass="entr" presetSubtype="0" fill="hold" grpId="0" nodeType="afterEffect">
+                                  <p:stCondLst>
+                                    <p:cond delay="0"/>
+                                  </p:stCondLst>
+                                  <p:childTnLst>
+                                    <p:set>
+                                      <p:cBhvr>
+                                        <p:cTn id="57" dur="1" fill="hold">
+                                          <p:stCondLst>
+                                            <p:cond delay="0"/>
+                                          </p:stCondLst>
+                                        </p:cTn>
+                                        <p:tgtEl>
+                                          <p:spTgt spid="3">
+                                            <p:txEl>
+                                              <p:pRg st="0" end="0"/>
+                                            </p:txEl>
+                                          </p:spTgt>
+                                        </p:tgtEl>
+                                        <p:attrNameLst>
+                                          <p:attrName>style.visibility</p:attrName>
+                                        </p:attrNameLst>
+                                      </p:cBhvr>
+                                      <p:to>
+                                        <p:strVal val="visible"/>
+                                      </p:to>
+                                    </p:set>
+                                    <p:animEffect transition="in" filter="fade">
+                                      <p:cBhvr>
+                                        <p:cTn id="58" dur="500"/>
+                                        <p:tgtEl>
+                                          <p:spTgt spid="3">
+                                            <p:txEl>
+                                              <p:pRg st="0" end="0"/>
+                                            </p:txEl>
+                                          </p:spTgt>
                                         </p:tgtEl>
                                       </p:cBhvr>
                                     </p:animEffect>
@@ -18422,6 +21847,7 @@
       </p:par>
     </p:tnLst>
     <p:bldLst>
+      <p:bldP spid="3" grpId="0" build="p"/>
       <p:bldP spid="34" grpId="0" animBg="1"/>
       <p:bldP spid="35" grpId="0" animBg="1"/>
       <p:bldP spid="37" grpId="0" animBg="1"/>
@@ -18729,8 +22155,8 @@
             <a:chExt cx="831600" cy="3267741"/>
           </a:xfrm>
         </p:grpSpPr>
-        <mc:AlternateContent xmlns:mc="http://schemas.openxmlformats.org/markup-compatibility/2006">
-          <mc:Choice xmlns:a14="http://schemas.microsoft.com/office/drawing/2010/main" Requires="a14">
+        <mc:AlternateContent xmlns:mc="http://schemas.openxmlformats.org/markup-compatibility/2006" xmlns:a14="http://schemas.microsoft.com/office/drawing/2010/main">
+          <mc:Choice Requires="a14">
             <p:sp>
               <p:nvSpPr>
                 <p:cNvPr id="20" name="Oval 19"/>
@@ -18805,7 +22231,7 @@
               </p:txBody>
             </p:sp>
           </mc:Choice>
-          <mc:Fallback>
+          <mc:Fallback xmlns="">
             <p:sp>
               <p:nvSpPr>
                 <p:cNvPr id="20" name="Oval 19"/>
@@ -18845,8 +22271,8 @@
             </p:sp>
           </mc:Fallback>
         </mc:AlternateContent>
-        <mc:AlternateContent xmlns:mc="http://schemas.openxmlformats.org/markup-compatibility/2006">
-          <mc:Choice xmlns:a14="http://schemas.microsoft.com/office/drawing/2010/main" Requires="a14">
+        <mc:AlternateContent xmlns:mc="http://schemas.openxmlformats.org/markup-compatibility/2006" xmlns:a14="http://schemas.microsoft.com/office/drawing/2010/main">
+          <mc:Choice Requires="a14">
             <p:sp>
               <p:nvSpPr>
                 <p:cNvPr id="21" name="Oval 20"/>
@@ -18921,7 +22347,7 @@
               </p:txBody>
             </p:sp>
           </mc:Choice>
-          <mc:Fallback>
+          <mc:Fallback xmlns="">
             <p:sp>
               <p:nvSpPr>
                 <p:cNvPr id="21" name="Oval 20"/>
@@ -18961,8 +22387,8 @@
             </p:sp>
           </mc:Fallback>
         </mc:AlternateContent>
-        <mc:AlternateContent xmlns:mc="http://schemas.openxmlformats.org/markup-compatibility/2006">
-          <mc:Choice xmlns:a14="http://schemas.microsoft.com/office/drawing/2010/main" Requires="a14">
+        <mc:AlternateContent xmlns:mc="http://schemas.openxmlformats.org/markup-compatibility/2006" xmlns:a14="http://schemas.microsoft.com/office/drawing/2010/main">
+          <mc:Choice Requires="a14">
             <p:sp>
               <p:nvSpPr>
                 <p:cNvPr id="22" name="Oval 21"/>
@@ -19037,7 +22463,7 @@
               </p:txBody>
             </p:sp>
           </mc:Choice>
-          <mc:Fallback>
+          <mc:Fallback xmlns="">
             <p:sp>
               <p:nvSpPr>
                 <p:cNvPr id="22" name="Oval 21"/>
@@ -19077,8 +22503,8 @@
             </p:sp>
           </mc:Fallback>
         </mc:AlternateContent>
-        <mc:AlternateContent xmlns:mc="http://schemas.openxmlformats.org/markup-compatibility/2006">
-          <mc:Choice xmlns:a14="http://schemas.microsoft.com/office/drawing/2010/main" Requires="a14">
+        <mc:AlternateContent xmlns:mc="http://schemas.openxmlformats.org/markup-compatibility/2006" xmlns:a14="http://schemas.microsoft.com/office/drawing/2010/main">
+          <mc:Choice Requires="a14">
             <p:sp>
               <p:nvSpPr>
                 <p:cNvPr id="23" name="Oval 22"/>
@@ -19138,7 +22564,7 @@
               </p:txBody>
             </p:sp>
           </mc:Choice>
-          <mc:Fallback>
+          <mc:Fallback xmlns="">
             <p:sp>
               <p:nvSpPr>
                 <p:cNvPr id="23" name="Oval 22"/>
@@ -19336,8 +22762,8 @@
             <a:chExt cx="831600" cy="3267741"/>
           </a:xfrm>
         </p:grpSpPr>
-        <mc:AlternateContent xmlns:mc="http://schemas.openxmlformats.org/markup-compatibility/2006">
-          <mc:Choice xmlns:a14="http://schemas.microsoft.com/office/drawing/2010/main" Requires="a14">
+        <mc:AlternateContent xmlns:mc="http://schemas.openxmlformats.org/markup-compatibility/2006" xmlns:a14="http://schemas.microsoft.com/office/drawing/2010/main">
+          <mc:Choice Requires="a14">
             <p:sp>
               <p:nvSpPr>
                 <p:cNvPr id="40" name="Oval 39"/>
@@ -19412,7 +22838,7 @@
               </p:txBody>
             </p:sp>
           </mc:Choice>
-          <mc:Fallback>
+          <mc:Fallback xmlns="">
             <p:sp>
               <p:nvSpPr>
                 <p:cNvPr id="40" name="Oval 39"/>
@@ -19452,8 +22878,8 @@
             </p:sp>
           </mc:Fallback>
         </mc:AlternateContent>
-        <mc:AlternateContent xmlns:mc="http://schemas.openxmlformats.org/markup-compatibility/2006">
-          <mc:Choice xmlns:a14="http://schemas.microsoft.com/office/drawing/2010/main" Requires="a14">
+        <mc:AlternateContent xmlns:mc="http://schemas.openxmlformats.org/markup-compatibility/2006" xmlns:a14="http://schemas.microsoft.com/office/drawing/2010/main">
+          <mc:Choice Requires="a14">
             <p:sp>
               <p:nvSpPr>
                 <p:cNvPr id="41" name="Oval 40"/>
@@ -19528,7 +22954,7 @@
               </p:txBody>
             </p:sp>
           </mc:Choice>
-          <mc:Fallback>
+          <mc:Fallback xmlns="">
             <p:sp>
               <p:nvSpPr>
                 <p:cNvPr id="41" name="Oval 40"/>
@@ -19568,8 +22994,8 @@
             </p:sp>
           </mc:Fallback>
         </mc:AlternateContent>
-        <mc:AlternateContent xmlns:mc="http://schemas.openxmlformats.org/markup-compatibility/2006">
-          <mc:Choice xmlns:a14="http://schemas.microsoft.com/office/drawing/2010/main" Requires="a14">
+        <mc:AlternateContent xmlns:mc="http://schemas.openxmlformats.org/markup-compatibility/2006" xmlns:a14="http://schemas.microsoft.com/office/drawing/2010/main">
+          <mc:Choice Requires="a14">
             <p:sp>
               <p:nvSpPr>
                 <p:cNvPr id="42" name="Oval 41"/>
@@ -19644,7 +23070,7 @@
               </p:txBody>
             </p:sp>
           </mc:Choice>
-          <mc:Fallback>
+          <mc:Fallback xmlns="">
             <p:sp>
               <p:nvSpPr>
                 <p:cNvPr id="42" name="Oval 41"/>
@@ -19684,8 +23110,8 @@
             </p:sp>
           </mc:Fallback>
         </mc:AlternateContent>
-        <mc:AlternateContent xmlns:mc="http://schemas.openxmlformats.org/markup-compatibility/2006">
-          <mc:Choice xmlns:a14="http://schemas.microsoft.com/office/drawing/2010/main" Requires="a14">
+        <mc:AlternateContent xmlns:mc="http://schemas.openxmlformats.org/markup-compatibility/2006" xmlns:a14="http://schemas.microsoft.com/office/drawing/2010/main">
+          <mc:Choice Requires="a14">
             <p:sp>
               <p:nvSpPr>
                 <p:cNvPr id="43" name="Oval 42"/>
@@ -19745,7 +23171,7 @@
               </p:txBody>
             </p:sp>
           </mc:Choice>
-          <mc:Fallback>
+          <mc:Fallback xmlns="">
             <p:sp>
               <p:nvSpPr>
                 <p:cNvPr id="43" name="Oval 42"/>
@@ -20004,8 +23430,8 @@
           </a:fontRef>
         </p:style>
       </p:cxnSp>
-      <mc:AlternateContent xmlns:mc="http://schemas.openxmlformats.org/markup-compatibility/2006">
-        <mc:Choice xmlns:a14="http://schemas.microsoft.com/office/drawing/2010/main" Requires="a14">
+      <mc:AlternateContent xmlns:mc="http://schemas.openxmlformats.org/markup-compatibility/2006" xmlns:a14="http://schemas.microsoft.com/office/drawing/2010/main">
+        <mc:Choice Requires="a14">
           <p:sp>
             <p:nvSpPr>
               <p:cNvPr id="71" name="Oval 70"/>
@@ -20061,7 +23487,7 @@
             </p:txBody>
           </p:sp>
         </mc:Choice>
-        <mc:Fallback>
+        <mc:Fallback xmlns="">
           <p:sp>
             <p:nvSpPr>
               <p:cNvPr id="71" name="Oval 70"/>
@@ -20509,14 +23935,6 @@
                 <a:pPr marL="0" indent="0">
                   <a:buNone/>
                 </a:pPr>
-                <a:endParaRPr lang="it-IT" i="1" dirty="0" smtClean="0">
-                  <a:latin typeface="Cambria Math"/>
-                </a:endParaRPr>
-              </a:p>
-              <a:p>
-                <a:pPr marL="0" indent="0">
-                  <a:buNone/>
-                </a:pPr>
                 <a14:m>
                   <m:oMathPara xmlns:m="http://schemas.openxmlformats.org/officeDocument/2006/math">
                     <m:oMathParaPr>
@@ -20526,7 +23944,7 @@
                       <m:sSub>
                         <m:sSubPr>
                           <m:ctrlPr>
-                            <a:rPr lang="it-IT" i="1">
+                            <a:rPr lang="it-IT" i="1" smtClean="0">
                               <a:latin typeface="Cambria Math"/>
                             </a:rPr>
                           </m:ctrlPr>
@@ -20644,16 +24062,22 @@
                                           </m:e>
                                           <m:sub>
                                             <m:r>
-                                              <a:rPr lang="it-IT" i="1">
+                                              <a:rPr lang="it-IT" i="1" smtClean="0">
+                                                <a:latin typeface="Cambria Math"/>
+                                              </a:rPr>
+                                              <m:t>1</m:t>
+                                            </m:r>
+                                            <m:r>
+                                              <a:rPr lang="it-IT" b="0" i="1" smtClean="0">
+                                                <a:latin typeface="Cambria Math"/>
+                                              </a:rPr>
+                                              <m:t>,</m:t>
+                                            </m:r>
+                                            <m:r>
+                                              <a:rPr lang="it-IT" b="0" i="1" smtClean="0">
                                                 <a:latin typeface="Cambria Math"/>
                                               </a:rPr>
                                               <m:t>𝑗</m:t>
-                                            </m:r>
-                                            <m:r>
-                                              <a:rPr lang="it-IT" i="1">
-                                                <a:latin typeface="Cambria Math"/>
-                                              </a:rPr>
-                                              <m:t>,1</m:t>
                                             </m:r>
                                           </m:sub>
                                           <m:sup>
@@ -20687,16 +24111,22 @@
                                           </m:e>
                                           <m:sub>
                                             <m:r>
-                                              <a:rPr lang="it-IT" i="1">
+                                              <a:rPr lang="it-IT" b="0" i="1" smtClean="0">
                                                 <a:latin typeface="Cambria Math"/>
                                               </a:rPr>
-                                              <m:t>𝑗</m:t>
+                                              <m:t>2</m:t>
                                             </m:r>
                                             <m:r>
                                               <a:rPr lang="it-IT" i="1">
                                                 <a:latin typeface="Cambria Math"/>
                                               </a:rPr>
-                                              <m:t>,2</m:t>
+                                              <m:t>,</m:t>
+                                            </m:r>
+                                            <m:r>
+                                              <a:rPr lang="it-IT" b="0" i="1" smtClean="0">
+                                                <a:latin typeface="Cambria Math"/>
+                                              </a:rPr>
+                                              <m:t>𝑗</m:t>
                                             </m:r>
                                           </m:sub>
                                           <m:sup>
@@ -20741,10 +24171,10 @@
                                           </m:e>
                                           <m:sub>
                                             <m:r>
-                                              <a:rPr lang="it-IT" i="1">
+                                              <a:rPr lang="it-IT" b="0" i="1" smtClean="0">
                                                 <a:latin typeface="Cambria Math"/>
                                               </a:rPr>
-                                              <m:t>𝑗</m:t>
+                                              <m:t>𝑛</m:t>
                                             </m:r>
                                             <m:r>
                                               <a:rPr lang="it-IT" i="1">
@@ -20753,10 +24183,10 @@
                                               <m:t>,</m:t>
                                             </m:r>
                                             <m:r>
-                                              <a:rPr lang="it-IT" i="1">
+                                              <a:rPr lang="it-IT" b="0" i="1" smtClean="0">
                                                 <a:latin typeface="Cambria Math"/>
                                               </a:rPr>
-                                              <m:t>𝑛</m:t>
+                                              <m:t>𝑗</m:t>
                                             </m:r>
                                           </m:sub>
                                           <m:sup>
@@ -21319,42 +24749,114 @@
                 <a:endParaRPr lang="en-GB" dirty="0"/>
               </a:p>
               <a:p>
-                <a:pPr>
+                <a:pPr marL="180975" indent="0">
                   <a:spcBef>
                     <a:spcPts val="600"/>
                   </a:spcBef>
                   <a:spcAft>
                     <a:spcPts val="600"/>
                   </a:spcAft>
+                  <a:buNone/>
                 </a:pPr>
-                <a:endParaRPr lang="en-US" dirty="0" smtClean="0">
-                  <a:latin typeface="+mj-lt"/>
-                </a:endParaRPr>
+                <a:r>
+                  <a:rPr lang="en-US" dirty="0" smtClean="0">
+                    <a:latin typeface="+mj-lt"/>
+                  </a:rPr>
+                  <a:t>Here </a:t>
+                </a:r>
+                <a:r>
+                  <a:rPr lang="en-US" dirty="0" smtClean="0">
+                    <a:latin typeface="+mj-lt"/>
+                  </a:rPr>
+                  <a:t>it gets </a:t>
+                </a:r>
+                <a:r>
+                  <a:rPr lang="en-US" dirty="0" smtClean="0">
+                    <a:latin typeface="+mj-lt"/>
+                  </a:rPr>
+                  <a:t>tricky…</a:t>
+                </a:r>
               </a:p>
               <a:p>
-                <a:pPr>
+                <a:pPr marL="180975" indent="0">
                   <a:spcBef>
                     <a:spcPts val="600"/>
                   </a:spcBef>
                   <a:spcAft>
                     <a:spcPts val="600"/>
                   </a:spcAft>
+                  <a:buNone/>
                 </a:pPr>
                 <a:r>
                   <a:rPr lang="en-US" dirty="0" smtClean="0">
                     <a:latin typeface="+mj-lt"/>
                   </a:rPr>
-                  <a:t>Here it gets tricky…</a:t>
+                  <a:t>We can define a </a:t>
                 </a:r>
+                <a:r>
+                  <a:rPr lang="en-US" b="1" dirty="0" smtClean="0">
+                    <a:latin typeface="+mj-lt"/>
+                  </a:rPr>
+                  <a:t>loss </a:t>
+                </a:r>
+                <a:r>
+                  <a:rPr lang="en-US" b="1" dirty="0">
+                    <a:latin typeface="+mj-lt"/>
+                  </a:rPr>
+                  <a:t>function</a:t>
+                </a:r>
+                <a:r>
+                  <a:rPr lang="en-US" dirty="0">
+                    <a:latin typeface="+mj-lt"/>
+                  </a:rPr>
+                  <a:t> </a:t>
+                </a:r>
+                <a14:m>
+                  <m:oMath xmlns:m="http://schemas.openxmlformats.org/officeDocument/2006/math">
+                    <m:r>
+                      <a:rPr lang="it-IT" i="1" smtClean="0">
+                        <a:latin typeface="Cambria Math"/>
+                      </a:rPr>
+                      <m:t>𝐽</m:t>
+                    </m:r>
+                    <m:d>
+                      <m:dPr>
+                        <m:ctrlPr>
+                          <a:rPr lang="it-IT" i="1" smtClean="0">
+                            <a:latin typeface="Cambria Math"/>
+                          </a:rPr>
+                        </m:ctrlPr>
+                      </m:dPr>
+                      <m:e>
+                        <m:r>
+                          <a:rPr lang="it-IT" b="1" i="1">
+                            <a:latin typeface="Cambria Math"/>
+                          </a:rPr>
+                          <m:t>𝒘</m:t>
+                        </m:r>
+                      </m:e>
+                    </m:d>
+                  </m:oMath>
+                </a14:m>
+                <a:r>
+                  <a:rPr lang="en-US" dirty="0" smtClean="0">
+                    <a:latin typeface="+mj-lt"/>
+                  </a:rPr>
+                  <a:t> to measure the distance of the predictions from the desired outcome</a:t>
+                </a:r>
+                <a:endParaRPr lang="en-US" dirty="0" smtClean="0">
+                  <a:latin typeface="+mj-lt"/>
+                </a:endParaRPr>
               </a:p>
               <a:p>
-                <a:pPr>
+                <a:pPr marL="180975" indent="0">
                   <a:spcBef>
                     <a:spcPts val="600"/>
                   </a:spcBef>
                   <a:spcAft>
                     <a:spcPts val="600"/>
                   </a:spcAft>
+                  <a:buNone/>
                 </a:pPr>
                 <a:r>
                   <a:rPr lang="en-US" dirty="0" smtClean="0">
@@ -21384,23 +24886,39 @@
                   <a:rPr lang="en-US" dirty="0" smtClean="0">
                     <a:latin typeface="+mj-lt"/>
                   </a:rPr>
-                  <a:t>unit</a:t>
+                  <a:t>unit, by minimizing </a:t>
                 </a:r>
+                <a:r>
+                  <a:rPr lang="it-IT" dirty="0" smtClean="0">
+                    <a:latin typeface="+mj-lt"/>
+                  </a:rPr>
+                  <a:t>the loss </a:t>
+                </a:r>
+                <a:r>
+                  <a:rPr lang="it-IT" dirty="0" err="1" smtClean="0">
+                    <a:latin typeface="+mj-lt"/>
+                  </a:rPr>
+                  <a:t>function</a:t>
+                </a:r>
+                <a:endParaRPr lang="en-US" dirty="0" smtClean="0">
+                  <a:latin typeface="+mj-lt"/>
+                </a:endParaRPr>
               </a:p>
               <a:p>
-                <a:pPr>
+                <a:pPr marL="180975" indent="0">
                   <a:spcBef>
                     <a:spcPts val="600"/>
                   </a:spcBef>
                   <a:spcAft>
                     <a:spcPts val="600"/>
                   </a:spcAft>
+                  <a:buNone/>
                 </a:pPr>
                 <a:r>
                   <a:rPr lang="en-US" dirty="0" smtClean="0">
                     <a:latin typeface="+mj-lt"/>
                   </a:rPr>
-                  <a:t>and since convergence is not ensured, we must do so in small steps</a:t>
+                  <a:t>Since convergence is not ensured, we must do so in small steps</a:t>
                 </a:r>
                 <a:endParaRPr lang="en-US" b="1" dirty="0" smtClean="0">
                   <a:latin typeface="+mj-lt"/>
@@ -21429,7 +24947,7 @@
               <a:blipFill rotWithShape="1">
                 <a:blip r:embed="rId11"/>
                 <a:stretch>
-                  <a:fillRect l="-2659" r="-2363" b="-261"/>
+                  <a:fillRect r="-2511" b="-5476"/>
                 </a:stretch>
               </a:blipFill>
             </p:spPr>
@@ -21644,6 +25162,901 @@
           </a:p>
         </p:txBody>
       </p:sp>
+      <mc:AlternateContent xmlns:mc="http://schemas.openxmlformats.org/markup-compatibility/2006" xmlns:a14="http://schemas.microsoft.com/office/drawing/2010/main">
+        <mc:Choice Requires="a14">
+          <p:sp>
+            <p:nvSpPr>
+              <p:cNvPr id="45" name="Oval 44"/>
+              <p:cNvSpPr/>
+              <p:nvPr/>
+            </p:nvSpPr>
+            <p:spPr>
+              <a:xfrm>
+                <a:off x="2480400" y="2995070"/>
+                <a:ext cx="831600" cy="831600"/>
+              </a:xfrm>
+              <a:prstGeom prst="ellipse">
+                <a:avLst/>
+              </a:prstGeom>
+              <a:noFill/>
+              <a:ln>
+                <a:noFill/>
+              </a:ln>
+            </p:spPr>
+            <p:style>
+              <a:lnRef idx="2">
+                <a:schemeClr val="accent1"/>
+              </a:lnRef>
+              <a:fillRef idx="1">
+                <a:schemeClr val="lt1"/>
+              </a:fillRef>
+              <a:effectRef idx="0">
+                <a:schemeClr val="accent1"/>
+              </a:effectRef>
+              <a:fontRef idx="minor">
+                <a:schemeClr val="dk1"/>
+              </a:fontRef>
+            </p:style>
+            <p:txBody>
+              <a:bodyPr lIns="90000" tIns="162000" rIns="0" bIns="0" rtlCol="0" anchor="t" anchorCtr="0"/>
+              <a:lstStyle/>
+              <a:p>
+                <a:pPr algn="ctr"/>
+                <a14:m>
+                  <m:oMathPara xmlns:m="http://schemas.openxmlformats.org/officeDocument/2006/math">
+                    <m:oMathParaPr>
+                      <m:jc m:val="centerGroup"/>
+                    </m:oMathParaPr>
+                    <m:oMath xmlns:m="http://schemas.openxmlformats.org/officeDocument/2006/math">
+                      <m:sSubSup>
+                        <m:sSubSupPr>
+                          <m:ctrlPr>
+                            <a:rPr lang="it-IT" sz="1600" i="1">
+                              <a:latin typeface="Cambria Math"/>
+                            </a:rPr>
+                          </m:ctrlPr>
+                        </m:sSubSupPr>
+                        <m:e>
+                          <m:r>
+                            <a:rPr lang="it-IT" sz="1600" i="1">
+                              <a:latin typeface="Cambria Math"/>
+                            </a:rPr>
+                            <m:t>𝑤</m:t>
+                          </m:r>
+                        </m:e>
+                        <m:sub>
+                          <m:r>
+                            <a:rPr lang="it-IT" sz="1600" i="1">
+                              <a:latin typeface="Cambria Math"/>
+                            </a:rPr>
+                            <m:t>1</m:t>
+                          </m:r>
+                        </m:sub>
+                        <m:sup>
+                          <m:r>
+                            <a:rPr lang="it-IT" sz="1600" i="1">
+                              <a:latin typeface="Cambria Math"/>
+                            </a:rPr>
+                            <m:t>h</m:t>
+                          </m:r>
+                        </m:sup>
+                      </m:sSubSup>
+                    </m:oMath>
+                  </m:oMathPara>
+                </a14:m>
+                <a:endParaRPr lang="en-GB" sz="1600" dirty="0"/>
+              </a:p>
+            </p:txBody>
+          </p:sp>
+        </mc:Choice>
+        <mc:Fallback xmlns="">
+          <p:sp>
+            <p:nvSpPr>
+              <p:cNvPr id="45" name="Oval 44"/>
+              <p:cNvSpPr>
+                <a:spLocks noRot="1" noChangeAspect="1" noMove="1" noResize="1" noEditPoints="1" noAdjustHandles="1" noChangeArrowheads="1" noChangeShapeType="1" noTextEdit="1"/>
+              </p:cNvSpPr>
+              <p:nvPr/>
+            </p:nvSpPr>
+            <p:spPr>
+              <a:xfrm>
+                <a:off x="2480400" y="2995070"/>
+                <a:ext cx="831600" cy="831600"/>
+              </a:xfrm>
+              <a:prstGeom prst="ellipse">
+                <a:avLst/>
+              </a:prstGeom>
+              <a:blipFill rotWithShape="1">
+                <a:blip r:embed="rId12"/>
+                <a:stretch>
+                  <a:fillRect/>
+                </a:stretch>
+              </a:blipFill>
+              <a:ln>
+                <a:noFill/>
+              </a:ln>
+            </p:spPr>
+            <p:txBody>
+              <a:bodyPr/>
+              <a:lstStyle/>
+              <a:p>
+                <a:r>
+                  <a:rPr lang="en-GB">
+                    <a:noFill/>
+                  </a:rPr>
+                  <a:t> </a:t>
+                </a:r>
+              </a:p>
+            </p:txBody>
+          </p:sp>
+        </mc:Fallback>
+      </mc:AlternateContent>
+      <mc:AlternateContent xmlns:mc="http://schemas.openxmlformats.org/markup-compatibility/2006" xmlns:a14="http://schemas.microsoft.com/office/drawing/2010/main">
+        <mc:Choice Requires="a14">
+          <p:sp>
+            <p:nvSpPr>
+              <p:cNvPr id="46" name="Oval 45"/>
+              <p:cNvSpPr/>
+              <p:nvPr/>
+            </p:nvSpPr>
+            <p:spPr>
+              <a:xfrm>
+                <a:off x="2480400" y="3457098"/>
+                <a:ext cx="831600" cy="831600"/>
+              </a:xfrm>
+              <a:prstGeom prst="ellipse">
+                <a:avLst/>
+              </a:prstGeom>
+              <a:noFill/>
+              <a:ln>
+                <a:noFill/>
+              </a:ln>
+            </p:spPr>
+            <p:style>
+              <a:lnRef idx="2">
+                <a:schemeClr val="accent1"/>
+              </a:lnRef>
+              <a:fillRef idx="1">
+                <a:schemeClr val="lt1"/>
+              </a:fillRef>
+              <a:effectRef idx="0">
+                <a:schemeClr val="accent1"/>
+              </a:effectRef>
+              <a:fontRef idx="minor">
+                <a:schemeClr val="dk1"/>
+              </a:fontRef>
+            </p:style>
+            <p:txBody>
+              <a:bodyPr lIns="90000" tIns="162000" rIns="0" bIns="0" rtlCol="0" anchor="t" anchorCtr="0"/>
+              <a:lstStyle/>
+              <a:p>
+                <a:pPr algn="ctr"/>
+                <a14:m>
+                  <m:oMathPara xmlns:m="http://schemas.openxmlformats.org/officeDocument/2006/math">
+                    <m:oMathParaPr>
+                      <m:jc m:val="centerGroup"/>
+                    </m:oMathParaPr>
+                    <m:oMath xmlns:m="http://schemas.openxmlformats.org/officeDocument/2006/math">
+                      <m:sSubSup>
+                        <m:sSubSupPr>
+                          <m:ctrlPr>
+                            <a:rPr lang="it-IT" sz="1600" i="1" smtClean="0">
+                              <a:latin typeface="Cambria Math"/>
+                            </a:rPr>
+                          </m:ctrlPr>
+                        </m:sSubSupPr>
+                        <m:e>
+                          <m:r>
+                            <a:rPr lang="it-IT" sz="1600" i="1">
+                              <a:latin typeface="Cambria Math"/>
+                            </a:rPr>
+                            <m:t>𝑤</m:t>
+                          </m:r>
+                        </m:e>
+                        <m:sub>
+                          <m:r>
+                            <a:rPr lang="it-IT" sz="1600" b="0" i="1" smtClean="0">
+                              <a:latin typeface="Cambria Math"/>
+                            </a:rPr>
+                            <m:t>2</m:t>
+                          </m:r>
+                        </m:sub>
+                        <m:sup>
+                          <m:r>
+                            <a:rPr lang="it-IT" sz="1600" i="1">
+                              <a:latin typeface="Cambria Math"/>
+                            </a:rPr>
+                            <m:t>h</m:t>
+                          </m:r>
+                        </m:sup>
+                      </m:sSubSup>
+                    </m:oMath>
+                  </m:oMathPara>
+                </a14:m>
+                <a:endParaRPr lang="en-GB" sz="1600" dirty="0"/>
+              </a:p>
+            </p:txBody>
+          </p:sp>
+        </mc:Choice>
+        <mc:Fallback xmlns="">
+          <p:sp>
+            <p:nvSpPr>
+              <p:cNvPr id="46" name="Oval 45"/>
+              <p:cNvSpPr>
+                <a:spLocks noRot="1" noChangeAspect="1" noMove="1" noResize="1" noEditPoints="1" noAdjustHandles="1" noChangeArrowheads="1" noChangeShapeType="1" noTextEdit="1"/>
+              </p:cNvSpPr>
+              <p:nvPr/>
+            </p:nvSpPr>
+            <p:spPr>
+              <a:xfrm>
+                <a:off x="2480400" y="3457098"/>
+                <a:ext cx="831600" cy="831600"/>
+              </a:xfrm>
+              <a:prstGeom prst="ellipse">
+                <a:avLst/>
+              </a:prstGeom>
+              <a:blipFill rotWithShape="1">
+                <a:blip r:embed="rId13"/>
+                <a:stretch>
+                  <a:fillRect/>
+                </a:stretch>
+              </a:blipFill>
+              <a:ln>
+                <a:noFill/>
+              </a:ln>
+            </p:spPr>
+            <p:txBody>
+              <a:bodyPr/>
+              <a:lstStyle/>
+              <a:p>
+                <a:r>
+                  <a:rPr lang="en-GB">
+                    <a:noFill/>
+                  </a:rPr>
+                  <a:t> </a:t>
+                </a:r>
+              </a:p>
+            </p:txBody>
+          </p:sp>
+        </mc:Fallback>
+      </mc:AlternateContent>
+      <mc:AlternateContent xmlns:mc="http://schemas.openxmlformats.org/markup-compatibility/2006" xmlns:a14="http://schemas.microsoft.com/office/drawing/2010/main">
+        <mc:Choice Requires="a14">
+          <p:sp>
+            <p:nvSpPr>
+              <p:cNvPr id="47" name="Oval 46"/>
+              <p:cNvSpPr/>
+              <p:nvPr/>
+            </p:nvSpPr>
+            <p:spPr>
+              <a:xfrm>
+                <a:off x="2480400" y="4222216"/>
+                <a:ext cx="831600" cy="831600"/>
+              </a:xfrm>
+              <a:prstGeom prst="ellipse">
+                <a:avLst/>
+              </a:prstGeom>
+              <a:noFill/>
+              <a:ln>
+                <a:noFill/>
+              </a:ln>
+            </p:spPr>
+            <p:style>
+              <a:lnRef idx="2">
+                <a:schemeClr val="accent1"/>
+              </a:lnRef>
+              <a:fillRef idx="1">
+                <a:schemeClr val="lt1"/>
+              </a:fillRef>
+              <a:effectRef idx="0">
+                <a:schemeClr val="accent1"/>
+              </a:effectRef>
+              <a:fontRef idx="minor">
+                <a:schemeClr val="dk1"/>
+              </a:fontRef>
+            </p:style>
+            <p:txBody>
+              <a:bodyPr lIns="90000" tIns="162000" rIns="0" bIns="0" rtlCol="0" anchor="t" anchorCtr="0"/>
+              <a:lstStyle/>
+              <a:p>
+                <a:pPr algn="ctr"/>
+                <a14:m>
+                  <m:oMathPara xmlns:m="http://schemas.openxmlformats.org/officeDocument/2006/math">
+                    <m:oMathParaPr>
+                      <m:jc m:val="centerGroup"/>
+                    </m:oMathParaPr>
+                    <m:oMath xmlns:m="http://schemas.openxmlformats.org/officeDocument/2006/math">
+                      <m:sSubSup>
+                        <m:sSubSupPr>
+                          <m:ctrlPr>
+                            <a:rPr lang="it-IT" sz="1600" i="1" smtClean="0">
+                              <a:latin typeface="Cambria Math"/>
+                            </a:rPr>
+                          </m:ctrlPr>
+                        </m:sSubSupPr>
+                        <m:e>
+                          <m:r>
+                            <a:rPr lang="it-IT" sz="1600" i="1">
+                              <a:latin typeface="Cambria Math"/>
+                            </a:rPr>
+                            <m:t>𝑤</m:t>
+                          </m:r>
+                        </m:e>
+                        <m:sub>
+                          <m:r>
+                            <a:rPr lang="it-IT" sz="1600" b="0" i="1" smtClean="0">
+                              <a:latin typeface="Cambria Math"/>
+                            </a:rPr>
+                            <m:t>𝑚</m:t>
+                          </m:r>
+                        </m:sub>
+                        <m:sup>
+                          <m:r>
+                            <a:rPr lang="it-IT" sz="1600" i="1">
+                              <a:latin typeface="Cambria Math"/>
+                            </a:rPr>
+                            <m:t>h</m:t>
+                          </m:r>
+                        </m:sup>
+                      </m:sSubSup>
+                    </m:oMath>
+                  </m:oMathPara>
+                </a14:m>
+                <a:endParaRPr lang="en-GB" sz="1600" dirty="0"/>
+              </a:p>
+            </p:txBody>
+          </p:sp>
+        </mc:Choice>
+        <mc:Fallback xmlns="">
+          <p:sp>
+            <p:nvSpPr>
+              <p:cNvPr id="47" name="Oval 46"/>
+              <p:cNvSpPr>
+                <a:spLocks noRot="1" noChangeAspect="1" noMove="1" noResize="1" noEditPoints="1" noAdjustHandles="1" noChangeArrowheads="1" noChangeShapeType="1" noTextEdit="1"/>
+              </p:cNvSpPr>
+              <p:nvPr/>
+            </p:nvSpPr>
+            <p:spPr>
+              <a:xfrm>
+                <a:off x="2480400" y="4222216"/>
+                <a:ext cx="831600" cy="831600"/>
+              </a:xfrm>
+              <a:prstGeom prst="ellipse">
+                <a:avLst/>
+              </a:prstGeom>
+              <a:blipFill rotWithShape="1">
+                <a:blip r:embed="rId14"/>
+                <a:stretch>
+                  <a:fillRect/>
+                </a:stretch>
+              </a:blipFill>
+              <a:ln>
+                <a:noFill/>
+              </a:ln>
+            </p:spPr>
+            <p:txBody>
+              <a:bodyPr/>
+              <a:lstStyle/>
+              <a:p>
+                <a:r>
+                  <a:rPr lang="en-GB">
+                    <a:noFill/>
+                  </a:rPr>
+                  <a:t> </a:t>
+                </a:r>
+              </a:p>
+            </p:txBody>
+          </p:sp>
+        </mc:Fallback>
+      </mc:AlternateContent>
+      <mc:AlternateContent xmlns:mc="http://schemas.openxmlformats.org/markup-compatibility/2006" xmlns:a14="http://schemas.microsoft.com/office/drawing/2010/main">
+        <mc:Choice Requires="a14">
+          <p:sp>
+            <p:nvSpPr>
+              <p:cNvPr id="49" name="Oval 48"/>
+              <p:cNvSpPr/>
+              <p:nvPr/>
+            </p:nvSpPr>
+            <p:spPr>
+              <a:xfrm>
+                <a:off x="961550" y="2395111"/>
+                <a:ext cx="831600" cy="831600"/>
+              </a:xfrm>
+              <a:prstGeom prst="ellipse">
+                <a:avLst/>
+              </a:prstGeom>
+              <a:noFill/>
+              <a:ln>
+                <a:noFill/>
+              </a:ln>
+            </p:spPr>
+            <p:style>
+              <a:lnRef idx="2">
+                <a:schemeClr val="accent1"/>
+              </a:lnRef>
+              <a:fillRef idx="1">
+                <a:schemeClr val="lt1"/>
+              </a:fillRef>
+              <a:effectRef idx="0">
+                <a:schemeClr val="accent1"/>
+              </a:effectRef>
+              <a:fontRef idx="minor">
+                <a:schemeClr val="dk1"/>
+              </a:fontRef>
+            </p:style>
+            <p:txBody>
+              <a:bodyPr lIns="90000" tIns="162000" rIns="0" bIns="0" rtlCol="0" anchor="t" anchorCtr="0"/>
+              <a:lstStyle/>
+              <a:p>
+                <a:pPr algn="ctr"/>
+                <a14:m>
+                  <m:oMathPara xmlns:m="http://schemas.openxmlformats.org/officeDocument/2006/math">
+                    <m:oMathParaPr>
+                      <m:jc m:val="centerGroup"/>
+                    </m:oMathParaPr>
+                    <m:oMath xmlns:m="http://schemas.openxmlformats.org/officeDocument/2006/math">
+                      <m:sSubSup>
+                        <m:sSubSupPr>
+                          <m:ctrlPr>
+                            <a:rPr lang="it-IT" sz="1600" i="1" smtClean="0">
+                              <a:latin typeface="Cambria Math"/>
+                            </a:rPr>
+                          </m:ctrlPr>
+                        </m:sSubSupPr>
+                        <m:e>
+                          <m:r>
+                            <a:rPr lang="it-IT" sz="1600" i="1">
+                              <a:latin typeface="Cambria Math"/>
+                            </a:rPr>
+                            <m:t>𝑤</m:t>
+                          </m:r>
+                        </m:e>
+                        <m:sub>
+                          <m:r>
+                            <a:rPr lang="it-IT" sz="1600" b="0" i="1" smtClean="0">
+                              <a:latin typeface="Cambria Math"/>
+                            </a:rPr>
+                            <m:t>1,</m:t>
+                          </m:r>
+                          <m:r>
+                            <a:rPr lang="it-IT" sz="1600" i="1">
+                              <a:latin typeface="Cambria Math"/>
+                            </a:rPr>
+                            <m:t>1</m:t>
+                          </m:r>
+                        </m:sub>
+                        <m:sup>
+                          <m:r>
+                            <a:rPr lang="it-IT" sz="1600" b="0" i="1" smtClean="0">
+                              <a:latin typeface="Cambria Math"/>
+                            </a:rPr>
+                            <m:t>𝑥</m:t>
+                          </m:r>
+                        </m:sup>
+                      </m:sSubSup>
+                    </m:oMath>
+                  </m:oMathPara>
+                </a14:m>
+                <a:endParaRPr lang="en-GB" sz="1600" dirty="0"/>
+              </a:p>
+            </p:txBody>
+          </p:sp>
+        </mc:Choice>
+        <mc:Fallback xmlns="">
+          <p:sp>
+            <p:nvSpPr>
+              <p:cNvPr id="49" name="Oval 48"/>
+              <p:cNvSpPr>
+                <a:spLocks noRot="1" noChangeAspect="1" noMove="1" noResize="1" noEditPoints="1" noAdjustHandles="1" noChangeArrowheads="1" noChangeShapeType="1" noTextEdit="1"/>
+              </p:cNvSpPr>
+              <p:nvPr/>
+            </p:nvSpPr>
+            <p:spPr>
+              <a:xfrm>
+                <a:off x="961550" y="2395111"/>
+                <a:ext cx="831600" cy="831600"/>
+              </a:xfrm>
+              <a:prstGeom prst="ellipse">
+                <a:avLst/>
+              </a:prstGeom>
+              <a:blipFill rotWithShape="1">
+                <a:blip r:embed="rId15"/>
+                <a:stretch>
+                  <a:fillRect/>
+                </a:stretch>
+              </a:blipFill>
+              <a:ln>
+                <a:noFill/>
+              </a:ln>
+            </p:spPr>
+            <p:txBody>
+              <a:bodyPr/>
+              <a:lstStyle/>
+              <a:p>
+                <a:r>
+                  <a:rPr lang="en-GB">
+                    <a:noFill/>
+                  </a:rPr>
+                  <a:t> </a:t>
+                </a:r>
+              </a:p>
+            </p:txBody>
+          </p:sp>
+        </mc:Fallback>
+      </mc:AlternateContent>
+      <mc:AlternateContent xmlns:mc="http://schemas.openxmlformats.org/markup-compatibility/2006" xmlns:a14="http://schemas.microsoft.com/office/drawing/2010/main">
+        <mc:Choice Requires="a14">
+          <p:sp>
+            <p:nvSpPr>
+              <p:cNvPr id="53" name="Oval 52"/>
+              <p:cNvSpPr/>
+              <p:nvPr/>
+            </p:nvSpPr>
+            <p:spPr>
+              <a:xfrm>
+                <a:off x="961550" y="4831252"/>
+                <a:ext cx="831600" cy="831600"/>
+              </a:xfrm>
+              <a:prstGeom prst="ellipse">
+                <a:avLst/>
+              </a:prstGeom>
+              <a:noFill/>
+              <a:ln>
+                <a:noFill/>
+              </a:ln>
+            </p:spPr>
+            <p:style>
+              <a:lnRef idx="2">
+                <a:schemeClr val="accent1"/>
+              </a:lnRef>
+              <a:fillRef idx="1">
+                <a:schemeClr val="lt1"/>
+              </a:fillRef>
+              <a:effectRef idx="0">
+                <a:schemeClr val="accent1"/>
+              </a:effectRef>
+              <a:fontRef idx="minor">
+                <a:schemeClr val="dk1"/>
+              </a:fontRef>
+            </p:style>
+            <p:txBody>
+              <a:bodyPr lIns="90000" tIns="162000" rIns="0" bIns="0" rtlCol="0" anchor="t" anchorCtr="0"/>
+              <a:lstStyle/>
+              <a:p>
+                <a:pPr algn="ctr"/>
+                <a14:m>
+                  <m:oMathPara xmlns:m="http://schemas.openxmlformats.org/officeDocument/2006/math">
+                    <m:oMathParaPr>
+                      <m:jc m:val="centerGroup"/>
+                    </m:oMathParaPr>
+                    <m:oMath xmlns:m="http://schemas.openxmlformats.org/officeDocument/2006/math">
+                      <m:sSubSup>
+                        <m:sSubSupPr>
+                          <m:ctrlPr>
+                            <a:rPr lang="it-IT" sz="1600" i="1" smtClean="0">
+                              <a:latin typeface="Cambria Math"/>
+                            </a:rPr>
+                          </m:ctrlPr>
+                        </m:sSubSupPr>
+                        <m:e>
+                          <m:r>
+                            <a:rPr lang="it-IT" sz="1600" i="1">
+                              <a:latin typeface="Cambria Math"/>
+                            </a:rPr>
+                            <m:t>𝑤</m:t>
+                          </m:r>
+                        </m:e>
+                        <m:sub>
+                          <m:r>
+                            <a:rPr lang="it-IT" sz="1600" b="0" i="1" smtClean="0">
+                              <a:latin typeface="Cambria Math"/>
+                            </a:rPr>
+                            <m:t>𝑛</m:t>
+                          </m:r>
+                          <m:r>
+                            <a:rPr lang="it-IT" sz="1600" b="0" i="1" smtClean="0">
+                              <a:latin typeface="Cambria Math"/>
+                            </a:rPr>
+                            <m:t>,</m:t>
+                          </m:r>
+                          <m:r>
+                            <a:rPr lang="it-IT" sz="1600" b="0" i="1" smtClean="0">
+                              <a:latin typeface="Cambria Math"/>
+                            </a:rPr>
+                            <m:t>𝑚</m:t>
+                          </m:r>
+                        </m:sub>
+                        <m:sup>
+                          <m:r>
+                            <a:rPr lang="it-IT" sz="1600" b="0" i="1" smtClean="0">
+                              <a:latin typeface="Cambria Math"/>
+                            </a:rPr>
+                            <m:t>𝑥</m:t>
+                          </m:r>
+                        </m:sup>
+                      </m:sSubSup>
+                    </m:oMath>
+                  </m:oMathPara>
+                </a14:m>
+                <a:endParaRPr lang="en-GB" sz="1600" dirty="0"/>
+              </a:p>
+            </p:txBody>
+          </p:sp>
+        </mc:Choice>
+        <mc:Fallback xmlns="">
+          <p:sp>
+            <p:nvSpPr>
+              <p:cNvPr id="53" name="Oval 52"/>
+              <p:cNvSpPr>
+                <a:spLocks noRot="1" noChangeAspect="1" noMove="1" noResize="1" noEditPoints="1" noAdjustHandles="1" noChangeArrowheads="1" noChangeShapeType="1" noTextEdit="1"/>
+              </p:cNvSpPr>
+              <p:nvPr/>
+            </p:nvSpPr>
+            <p:spPr>
+              <a:xfrm>
+                <a:off x="961550" y="4831252"/>
+                <a:ext cx="831600" cy="831600"/>
+              </a:xfrm>
+              <a:prstGeom prst="ellipse">
+                <a:avLst/>
+              </a:prstGeom>
+              <a:blipFill rotWithShape="1">
+                <a:blip r:embed="rId16"/>
+                <a:stretch>
+                  <a:fillRect/>
+                </a:stretch>
+              </a:blipFill>
+              <a:ln>
+                <a:noFill/>
+              </a:ln>
+            </p:spPr>
+            <p:txBody>
+              <a:bodyPr/>
+              <a:lstStyle/>
+              <a:p>
+                <a:r>
+                  <a:rPr lang="en-GB">
+                    <a:noFill/>
+                  </a:rPr>
+                  <a:t> </a:t>
+                </a:r>
+              </a:p>
+            </p:txBody>
+          </p:sp>
+        </mc:Fallback>
+      </mc:AlternateContent>
+      <mc:AlternateContent xmlns:mc="http://schemas.openxmlformats.org/markup-compatibility/2006" xmlns:a14="http://schemas.microsoft.com/office/drawing/2010/main">
+        <mc:Choice Requires="a14">
+          <p:sp>
+            <p:nvSpPr>
+              <p:cNvPr id="54" name="Oval 53"/>
+              <p:cNvSpPr/>
+              <p:nvPr/>
+            </p:nvSpPr>
+            <p:spPr>
+              <a:xfrm>
+                <a:off x="961550" y="2793633"/>
+                <a:ext cx="831600" cy="831600"/>
+              </a:xfrm>
+              <a:prstGeom prst="ellipse">
+                <a:avLst/>
+              </a:prstGeom>
+              <a:noFill/>
+              <a:ln>
+                <a:noFill/>
+              </a:ln>
+            </p:spPr>
+            <p:style>
+              <a:lnRef idx="2">
+                <a:schemeClr val="accent1"/>
+              </a:lnRef>
+              <a:fillRef idx="1">
+                <a:schemeClr val="lt1"/>
+              </a:fillRef>
+              <a:effectRef idx="0">
+                <a:schemeClr val="accent1"/>
+              </a:effectRef>
+              <a:fontRef idx="minor">
+                <a:schemeClr val="dk1"/>
+              </a:fontRef>
+            </p:style>
+            <p:txBody>
+              <a:bodyPr lIns="90000" tIns="162000" rIns="0" bIns="0" rtlCol="0" anchor="t" anchorCtr="0"/>
+              <a:lstStyle/>
+              <a:p>
+                <a:pPr algn="ctr"/>
+                <a14:m>
+                  <m:oMathPara xmlns:m="http://schemas.openxmlformats.org/officeDocument/2006/math">
+                    <m:oMathParaPr>
+                      <m:jc m:val="centerGroup"/>
+                    </m:oMathParaPr>
+                    <m:oMath xmlns:m="http://schemas.openxmlformats.org/officeDocument/2006/math">
+                      <m:sSubSup>
+                        <m:sSubSupPr>
+                          <m:ctrlPr>
+                            <a:rPr lang="it-IT" sz="1600" i="1" smtClean="0">
+                              <a:latin typeface="Cambria Math"/>
+                            </a:rPr>
+                          </m:ctrlPr>
+                        </m:sSubSupPr>
+                        <m:e>
+                          <m:r>
+                            <a:rPr lang="it-IT" sz="1600" i="1">
+                              <a:latin typeface="Cambria Math"/>
+                            </a:rPr>
+                            <m:t>𝑤</m:t>
+                          </m:r>
+                        </m:e>
+                        <m:sub>
+                          <m:r>
+                            <a:rPr lang="it-IT" sz="1600" b="0" i="1" smtClean="0">
+                              <a:latin typeface="Cambria Math"/>
+                            </a:rPr>
+                            <m:t>1,2</m:t>
+                          </m:r>
+                        </m:sub>
+                        <m:sup>
+                          <m:r>
+                            <a:rPr lang="it-IT" sz="1600" b="0" i="1" smtClean="0">
+                              <a:latin typeface="Cambria Math"/>
+                            </a:rPr>
+                            <m:t>𝑥</m:t>
+                          </m:r>
+                        </m:sup>
+                      </m:sSubSup>
+                    </m:oMath>
+                  </m:oMathPara>
+                </a14:m>
+                <a:endParaRPr lang="en-GB" sz="1600" dirty="0"/>
+              </a:p>
+            </p:txBody>
+          </p:sp>
+        </mc:Choice>
+        <mc:Fallback xmlns="">
+          <p:sp>
+            <p:nvSpPr>
+              <p:cNvPr id="54" name="Oval 53"/>
+              <p:cNvSpPr>
+                <a:spLocks noRot="1" noChangeAspect="1" noMove="1" noResize="1" noEditPoints="1" noAdjustHandles="1" noChangeArrowheads="1" noChangeShapeType="1" noTextEdit="1"/>
+              </p:cNvSpPr>
+              <p:nvPr/>
+            </p:nvSpPr>
+            <p:spPr>
+              <a:xfrm>
+                <a:off x="961550" y="2793633"/>
+                <a:ext cx="831600" cy="831600"/>
+              </a:xfrm>
+              <a:prstGeom prst="ellipse">
+                <a:avLst/>
+              </a:prstGeom>
+              <a:blipFill rotWithShape="1">
+                <a:blip r:embed="rId17"/>
+                <a:stretch>
+                  <a:fillRect/>
+                </a:stretch>
+              </a:blipFill>
+              <a:ln>
+                <a:noFill/>
+              </a:ln>
+            </p:spPr>
+            <p:txBody>
+              <a:bodyPr/>
+              <a:lstStyle/>
+              <a:p>
+                <a:r>
+                  <a:rPr lang="en-GB">
+                    <a:noFill/>
+                  </a:rPr>
+                  <a:t> </a:t>
+                </a:r>
+              </a:p>
+            </p:txBody>
+          </p:sp>
+        </mc:Fallback>
+      </mc:AlternateContent>
+      <mc:AlternateContent xmlns:mc="http://schemas.openxmlformats.org/markup-compatibility/2006" xmlns:a14="http://schemas.microsoft.com/office/drawing/2010/main">
+        <mc:Choice Requires="a14">
+          <p:sp>
+            <p:nvSpPr>
+              <p:cNvPr id="57" name="Oval 56"/>
+              <p:cNvSpPr/>
+              <p:nvPr/>
+            </p:nvSpPr>
+            <p:spPr>
+              <a:xfrm>
+                <a:off x="961550" y="3301015"/>
+                <a:ext cx="831600" cy="831600"/>
+              </a:xfrm>
+              <a:prstGeom prst="ellipse">
+                <a:avLst/>
+              </a:prstGeom>
+              <a:noFill/>
+              <a:ln>
+                <a:noFill/>
+              </a:ln>
+            </p:spPr>
+            <p:style>
+              <a:lnRef idx="2">
+                <a:schemeClr val="accent1"/>
+              </a:lnRef>
+              <a:fillRef idx="1">
+                <a:schemeClr val="lt1"/>
+              </a:fillRef>
+              <a:effectRef idx="0">
+                <a:schemeClr val="accent1"/>
+              </a:effectRef>
+              <a:fontRef idx="minor">
+                <a:schemeClr val="dk1"/>
+              </a:fontRef>
+            </p:style>
+            <p:txBody>
+              <a:bodyPr lIns="90000" tIns="162000" rIns="0" bIns="0" rtlCol="0" anchor="t" anchorCtr="0"/>
+              <a:lstStyle/>
+              <a:p>
+                <a:pPr algn="ctr"/>
+                <a14:m>
+                  <m:oMathPara xmlns:m="http://schemas.openxmlformats.org/officeDocument/2006/math">
+                    <m:oMathParaPr>
+                      <m:jc m:val="centerGroup"/>
+                    </m:oMathParaPr>
+                    <m:oMath xmlns:m="http://schemas.openxmlformats.org/officeDocument/2006/math">
+                      <m:r>
+                        <a:rPr lang="it-IT" sz="1600" i="1" smtClean="0">
+                          <a:latin typeface="Cambria Math"/>
+                          <a:ea typeface="Cambria Math"/>
+                        </a:rPr>
+                        <m:t>⋮</m:t>
+                      </m:r>
+                    </m:oMath>
+                  </m:oMathPara>
+                </a14:m>
+                <a:endParaRPr lang="en-GB" sz="1600" dirty="0"/>
+              </a:p>
+            </p:txBody>
+          </p:sp>
+        </mc:Choice>
+        <mc:Fallback xmlns="">
+          <p:sp>
+            <p:nvSpPr>
+              <p:cNvPr id="57" name="Oval 56"/>
+              <p:cNvSpPr>
+                <a:spLocks noRot="1" noChangeAspect="1" noMove="1" noResize="1" noEditPoints="1" noAdjustHandles="1" noChangeArrowheads="1" noChangeShapeType="1" noTextEdit="1"/>
+              </p:cNvSpPr>
+              <p:nvPr/>
+            </p:nvSpPr>
+            <p:spPr>
+              <a:xfrm>
+                <a:off x="961550" y="3301015"/>
+                <a:ext cx="831600" cy="831600"/>
+              </a:xfrm>
+              <a:prstGeom prst="ellipse">
+                <a:avLst/>
+              </a:prstGeom>
+              <a:blipFill rotWithShape="1">
+                <a:blip r:embed="rId18"/>
+                <a:stretch>
+                  <a:fillRect/>
+                </a:stretch>
+              </a:blipFill>
+              <a:ln>
+                <a:noFill/>
+              </a:ln>
+            </p:spPr>
+            <p:txBody>
+              <a:bodyPr/>
+              <a:lstStyle/>
+              <a:p>
+                <a:r>
+                  <a:rPr lang="en-GB">
+                    <a:noFill/>
+                  </a:rPr>
+                  <a:t> </a:t>
+                </a:r>
+              </a:p>
+            </p:txBody>
+          </p:sp>
+        </mc:Fallback>
+      </mc:AlternateContent>
     </p:spTree>
     <p:extLst>
       <p:ext uri="{BB962C8B-B14F-4D97-AF65-F5344CB8AC3E}">
@@ -22086,24 +26499,164 @@
                                   </p:childTnLst>
                                 </p:cTn>
                               </p:par>
-                            </p:childTnLst>
-                          </p:cTn>
-                        </p:par>
-                        <p:par>
-                          <p:cTn id="41" fill="hold">
-                            <p:stCondLst>
-                              <p:cond delay="500"/>
-                            </p:stCondLst>
-                            <p:childTnLst>
                               <p:par>
-                                <p:cTn id="42" presetID="10" presetClass="entr" presetSubtype="0" fill="hold" grpId="0" nodeType="afterEffect">
+                                <p:cTn id="41" presetID="10" presetClass="entr" presetSubtype="0" fill="hold" grpId="0" nodeType="withEffect">
                                   <p:stCondLst>
                                     <p:cond delay="0"/>
                                   </p:stCondLst>
                                   <p:childTnLst>
                                     <p:set>
                                       <p:cBhvr>
-                                        <p:cTn id="43" dur="1" fill="hold">
+                                        <p:cTn id="42" dur="1" fill="hold">
+                                          <p:stCondLst>
+                                            <p:cond delay="0"/>
+                                          </p:stCondLst>
+                                        </p:cTn>
+                                        <p:tgtEl>
+                                          <p:spTgt spid="49"/>
+                                        </p:tgtEl>
+                                        <p:attrNameLst>
+                                          <p:attrName>style.visibility</p:attrName>
+                                        </p:attrNameLst>
+                                      </p:cBhvr>
+                                      <p:to>
+                                        <p:strVal val="visible"/>
+                                      </p:to>
+                                    </p:set>
+                                    <p:animEffect transition="in" filter="fade">
+                                      <p:cBhvr>
+                                        <p:cTn id="43" dur="500"/>
+                                        <p:tgtEl>
+                                          <p:spTgt spid="49"/>
+                                        </p:tgtEl>
+                                      </p:cBhvr>
+                                    </p:animEffect>
+                                  </p:childTnLst>
+                                </p:cTn>
+                              </p:par>
+                              <p:par>
+                                <p:cTn id="44" presetID="10" presetClass="entr" presetSubtype="0" fill="hold" grpId="0" nodeType="withEffect">
+                                  <p:stCondLst>
+                                    <p:cond delay="0"/>
+                                  </p:stCondLst>
+                                  <p:childTnLst>
+                                    <p:set>
+                                      <p:cBhvr>
+                                        <p:cTn id="45" dur="1" fill="hold">
+                                          <p:stCondLst>
+                                            <p:cond delay="0"/>
+                                          </p:stCondLst>
+                                        </p:cTn>
+                                        <p:tgtEl>
+                                          <p:spTgt spid="54"/>
+                                        </p:tgtEl>
+                                        <p:attrNameLst>
+                                          <p:attrName>style.visibility</p:attrName>
+                                        </p:attrNameLst>
+                                      </p:cBhvr>
+                                      <p:to>
+                                        <p:strVal val="visible"/>
+                                      </p:to>
+                                    </p:set>
+                                    <p:animEffect transition="in" filter="fade">
+                                      <p:cBhvr>
+                                        <p:cTn id="46" dur="500"/>
+                                        <p:tgtEl>
+                                          <p:spTgt spid="54"/>
+                                        </p:tgtEl>
+                                      </p:cBhvr>
+                                    </p:animEffect>
+                                  </p:childTnLst>
+                                </p:cTn>
+                              </p:par>
+                              <p:par>
+                                <p:cTn id="47" presetID="10" presetClass="entr" presetSubtype="0" fill="hold" grpId="0" nodeType="withEffect">
+                                  <p:stCondLst>
+                                    <p:cond delay="0"/>
+                                  </p:stCondLst>
+                                  <p:childTnLst>
+                                    <p:set>
+                                      <p:cBhvr>
+                                        <p:cTn id="48" dur="1" fill="hold">
+                                          <p:stCondLst>
+                                            <p:cond delay="0"/>
+                                          </p:stCondLst>
+                                        </p:cTn>
+                                        <p:tgtEl>
+                                          <p:spTgt spid="57"/>
+                                        </p:tgtEl>
+                                        <p:attrNameLst>
+                                          <p:attrName>style.visibility</p:attrName>
+                                        </p:attrNameLst>
+                                      </p:cBhvr>
+                                      <p:to>
+                                        <p:strVal val="visible"/>
+                                      </p:to>
+                                    </p:set>
+                                    <p:animEffect transition="in" filter="fade">
+                                      <p:cBhvr>
+                                        <p:cTn id="49" dur="500"/>
+                                        <p:tgtEl>
+                                          <p:spTgt spid="57"/>
+                                        </p:tgtEl>
+                                      </p:cBhvr>
+                                    </p:animEffect>
+                                  </p:childTnLst>
+                                </p:cTn>
+                              </p:par>
+                              <p:par>
+                                <p:cTn id="50" presetID="10" presetClass="entr" presetSubtype="0" fill="hold" grpId="0" nodeType="withEffect">
+                                  <p:stCondLst>
+                                    <p:cond delay="0"/>
+                                  </p:stCondLst>
+                                  <p:childTnLst>
+                                    <p:set>
+                                      <p:cBhvr>
+                                        <p:cTn id="51" dur="1" fill="hold">
+                                          <p:stCondLst>
+                                            <p:cond delay="0"/>
+                                          </p:stCondLst>
+                                        </p:cTn>
+                                        <p:tgtEl>
+                                          <p:spTgt spid="53"/>
+                                        </p:tgtEl>
+                                        <p:attrNameLst>
+                                          <p:attrName>style.visibility</p:attrName>
+                                        </p:attrNameLst>
+                                      </p:cBhvr>
+                                      <p:to>
+                                        <p:strVal val="visible"/>
+                                      </p:to>
+                                    </p:set>
+                                    <p:animEffect transition="in" filter="fade">
+                                      <p:cBhvr>
+                                        <p:cTn id="52" dur="500"/>
+                                        <p:tgtEl>
+                                          <p:spTgt spid="53"/>
+                                        </p:tgtEl>
+                                      </p:cBhvr>
+                                    </p:animEffect>
+                                  </p:childTnLst>
+                                </p:cTn>
+                              </p:par>
+                            </p:childTnLst>
+                          </p:cTn>
+                        </p:par>
+                        <p:par>
+                          <p:cTn id="53" fill="hold">
+                            <p:stCondLst>
+                              <p:cond delay="500"/>
+                            </p:stCondLst>
+                            <p:childTnLst>
+                              <p:par>
+                                <p:cTn id="54" presetID="10" presetClass="entr" presetSubtype="0" fill="hold" grpId="0" nodeType="afterEffect">
+                                  <p:stCondLst>
+                                    <p:cond delay="0"/>
+                                  </p:stCondLst>
+                                  <p:childTnLst>
+                                    <p:set>
+                                      <p:cBhvr>
+                                        <p:cTn id="55" dur="1" fill="hold">
                                           <p:stCondLst>
                                             <p:cond delay="0"/>
                                           </p:stCondLst>
@@ -22121,7 +26674,7 @@
                                     </p:set>
                                     <p:animEffect transition="in" filter="fade">
                                       <p:cBhvr>
-                                        <p:cTn id="44" dur="500"/>
+                                        <p:cTn id="56" dur="500"/>
                                         <p:tgtEl>
                                           <p:spTgt spid="29"/>
                                         </p:tgtEl>
@@ -22134,20 +26687,20 @@
                           </p:cTn>
                         </p:par>
                         <p:par>
-                          <p:cTn id="45" fill="hold">
+                          <p:cTn id="57" fill="hold">
                             <p:stCondLst>
                               <p:cond delay="1000"/>
                             </p:stCondLst>
                             <p:childTnLst>
                               <p:par>
-                                <p:cTn id="46" presetID="10" presetClass="entr" presetSubtype="0" fill="hold" nodeType="afterEffect">
+                                <p:cTn id="58" presetID="10" presetClass="entr" presetSubtype="0" fill="hold" nodeType="afterEffect">
                                   <p:stCondLst>
                                     <p:cond delay="0"/>
                                   </p:stCondLst>
                                   <p:childTnLst>
                                     <p:set>
                                       <p:cBhvr>
-                                        <p:cTn id="47" dur="1" fill="hold">
+                                        <p:cTn id="59" dur="1" fill="hold">
                                           <p:stCondLst>
                                             <p:cond delay="0"/>
                                           </p:stCondLst>
@@ -22165,7 +26718,7 @@
                                     </p:set>
                                     <p:animEffect transition="in" filter="fade">
                                       <p:cBhvr>
-                                        <p:cTn id="48" dur="500"/>
+                                        <p:cTn id="60" dur="500"/>
                                         <p:tgtEl>
                                           <p:spTgt spid="36"/>
                                         </p:tgtEl>
@@ -22181,26 +26734,26 @@
                     </p:cTn>
                   </p:par>
                   <p:par>
-                    <p:cTn id="49" fill="hold">
+                    <p:cTn id="61" fill="hold">
                       <p:stCondLst>
                         <p:cond delay="indefinite"/>
                       </p:stCondLst>
                       <p:childTnLst>
                         <p:par>
-                          <p:cTn id="50" fill="hold">
+                          <p:cTn id="62" fill="hold">
                             <p:stCondLst>
                               <p:cond delay="0"/>
                             </p:stCondLst>
                             <p:childTnLst>
                               <p:par>
-                                <p:cTn id="51" presetID="22" presetClass="entr" presetSubtype="8" fill="hold" nodeType="clickEffect">
+                                <p:cTn id="63" presetID="22" presetClass="entr" presetSubtype="8" fill="hold" nodeType="clickEffect">
                                   <p:stCondLst>
                                     <p:cond delay="0"/>
                                   </p:stCondLst>
                                   <p:childTnLst>
                                     <p:set>
                                       <p:cBhvr>
-                                        <p:cTn id="52" dur="1" fill="hold">
+                                        <p:cTn id="64" dur="1" fill="hold">
                                           <p:stCondLst>
                                             <p:cond delay="0"/>
                                           </p:stCondLst>
@@ -22218,7 +26771,7 @@
                                     </p:set>
                                     <p:animEffect transition="in" filter="wipe(left)">
                                       <p:cBhvr>
-                                        <p:cTn id="53" dur="500"/>
+                                        <p:cTn id="65" dur="500"/>
                                         <p:tgtEl>
                                           <p:spTgt spid="72"/>
                                         </p:tgtEl>
@@ -22228,14 +26781,14 @@
                                 </p:cTn>
                               </p:par>
                               <p:par>
-                                <p:cTn id="54" presetID="22" presetClass="entr" presetSubtype="8" fill="hold" nodeType="withEffect">
+                                <p:cTn id="66" presetID="22" presetClass="entr" presetSubtype="8" fill="hold" nodeType="withEffect">
                                   <p:stCondLst>
                                     <p:cond delay="0"/>
                                   </p:stCondLst>
                                   <p:childTnLst>
                                     <p:set>
                                       <p:cBhvr>
-                                        <p:cTn id="55" dur="1" fill="hold">
+                                        <p:cTn id="67" dur="1" fill="hold">
                                           <p:stCondLst>
                                             <p:cond delay="0"/>
                                           </p:stCondLst>
@@ -22253,7 +26806,7 @@
                                     </p:set>
                                     <p:animEffect transition="in" filter="wipe(left)">
                                       <p:cBhvr>
-                                        <p:cTn id="56" dur="500"/>
+                                        <p:cTn id="68" dur="500"/>
                                         <p:tgtEl>
                                           <p:spTgt spid="75"/>
                                         </p:tgtEl>
@@ -22263,14 +26816,14 @@
                                 </p:cTn>
                               </p:par>
                               <p:par>
-                                <p:cTn id="57" presetID="22" presetClass="entr" presetSubtype="8" fill="hold" nodeType="withEffect">
+                                <p:cTn id="69" presetID="22" presetClass="entr" presetSubtype="8" fill="hold" nodeType="withEffect">
                                   <p:stCondLst>
                                     <p:cond delay="0"/>
                                   </p:stCondLst>
                                   <p:childTnLst>
                                     <p:set>
                                       <p:cBhvr>
-                                        <p:cTn id="58" dur="1" fill="hold">
+                                        <p:cTn id="70" dur="1" fill="hold">
                                           <p:stCondLst>
                                             <p:cond delay="0"/>
                                           </p:stCondLst>
@@ -22288,9 +26841,114 @@
                                     </p:set>
                                     <p:animEffect transition="in" filter="wipe(left)">
                                       <p:cBhvr>
-                                        <p:cTn id="59" dur="500"/>
+                                        <p:cTn id="71" dur="500"/>
                                         <p:tgtEl>
                                           <p:spTgt spid="78"/>
+                                        </p:tgtEl>
+                                      </p:cBhvr>
+                                    </p:animEffect>
+                                  </p:childTnLst>
+                                </p:cTn>
+                              </p:par>
+                              <p:par>
+                                <p:cTn id="72" presetID="10" presetClass="entr" presetSubtype="0" fill="hold" grpId="0" nodeType="withEffect">
+                                  <p:stCondLst>
+                                    <p:cond delay="0"/>
+                                  </p:stCondLst>
+                                  <p:childTnLst>
+                                    <p:set>
+                                      <p:cBhvr>
+                                        <p:cTn id="73" dur="1" fill="hold">
+                                          <p:stCondLst>
+                                            <p:cond delay="0"/>
+                                          </p:stCondLst>
+                                        </p:cTn>
+                                        <p:tgtEl>
+                                          <p:spTgt spid="45"/>
+                                        </p:tgtEl>
+                                        <p:attrNameLst>
+                                          <p:attrName>style.visibility</p:attrName>
+                                        </p:attrNameLst>
+                                      </p:cBhvr>
+                                      <p:to>
+                                        <p:strVal val="visible"/>
+                                      </p:to>
+                                    </p:set>
+                                    <p:animEffect transition="in" filter="fade">
+                                      <p:cBhvr>
+                                        <p:cTn id="74" dur="500"/>
+                                        <p:tgtEl>
+                                          <p:spTgt spid="45"/>
+                                        </p:tgtEl>
+                                      </p:cBhvr>
+                                    </p:animEffect>
+                                  </p:childTnLst>
+                                </p:cTn>
+                              </p:par>
+                              <p:par>
+                                <p:cTn id="75" presetID="10" presetClass="entr" presetSubtype="0" fill="hold" grpId="0" nodeType="withEffect">
+                                  <p:stCondLst>
+                                    <p:cond delay="0"/>
+                                  </p:stCondLst>
+                                  <p:childTnLst>
+                                    <p:set>
+                                      <p:cBhvr>
+                                        <p:cTn id="76" dur="1" fill="hold">
+                                          <p:stCondLst>
+                                            <p:cond delay="0"/>
+                                          </p:stCondLst>
+                                        </p:cTn>
+                                        <p:tgtEl>
+                                          <p:spTgt spid="46"/>
+                                        </p:tgtEl>
+                                        <p:attrNameLst>
+                                          <p:attrName>style.visibility</p:attrName>
+                                        </p:attrNameLst>
+                                      </p:cBhvr>
+                                      <p:to>
+                                        <p:strVal val="visible"/>
+                                      </p:to>
+                                    </p:set>
+                                    <p:animEffect transition="in" filter="fade">
+                                      <p:cBhvr>
+                                        <p:cTn id="77" dur="500"/>
+                                        <p:tgtEl>
+                                          <p:spTgt spid="46"/>
+                                        </p:tgtEl>
+                                      </p:cBhvr>
+                                    </p:animEffect>
+                                  </p:childTnLst>
+                                </p:cTn>
+                              </p:par>
+                              <p:par>
+                                <p:cTn id="78" presetID="10" presetClass="entr" presetSubtype="0" fill="hold" grpId="0" nodeType="withEffect">
+                                  <p:stCondLst>
+                                    <p:cond delay="0"/>
+                                  </p:stCondLst>
+                                  <p:childTnLst>
+                                    <p:set>
+                                      <p:cBhvr>
+                                        <p:cTn id="79" dur="1" fill="hold">
+                                          <p:stCondLst>
+                                            <p:cond delay="0"/>
+                                          </p:stCondLst>
+                                        </p:cTn>
+                                        <p:tgtEl>
+                                          <p:spTgt spid="47"/>
+                                        </p:tgtEl>
+                                        <p:attrNameLst>
+                                          <p:attrName>style.visibility</p:attrName>
+                                        </p:attrNameLst>
+                                      </p:cBhvr>
+                                      <p:to>
+                                        <p:strVal val="visible"/>
+                                      </p:to>
+                                    </p:set>
+                                    <p:animEffect transition="in" filter="fade">
+                                      <p:cBhvr>
+                                        <p:cTn id="80" dur="500"/>
+                                        <p:tgtEl>
+                                          <p:spTgt spid="47"/>
                                         </p:tgtEl>
                                       </p:cBhvr>
                                     </p:animEffect>
@@ -22301,20 +26959,20 @@
                           </p:cTn>
                         </p:par>
                         <p:par>
-                          <p:cTn id="60" fill="hold">
+                          <p:cTn id="81" fill="hold">
                             <p:stCondLst>
                               <p:cond delay="500"/>
                             </p:stCondLst>
                             <p:childTnLst>
                               <p:par>
-                                <p:cTn id="61" presetID="10" presetClass="entr" presetSubtype="0" fill="hold" grpId="0" nodeType="afterEffect">
+                                <p:cTn id="82" presetID="10" presetClass="entr" presetSubtype="0" fill="hold" grpId="0" nodeType="afterEffect">
                                   <p:stCondLst>
                                     <p:cond delay="0"/>
                                   </p:stCondLst>
                                   <p:childTnLst>
                                     <p:set>
                                       <p:cBhvr>
-                                        <p:cTn id="62" dur="1" fill="hold">
+                                        <p:cTn id="83" dur="1" fill="hold">
                                           <p:stCondLst>
                                             <p:cond delay="0"/>
                                           </p:stCondLst>
@@ -22332,7 +26990,7 @@
                                     </p:set>
                                     <p:animEffect transition="in" filter="fade">
                                       <p:cBhvr>
-                                        <p:cTn id="63" dur="500"/>
+                                        <p:cTn id="84" dur="500"/>
                                         <p:tgtEl>
                                           <p:spTgt spid="30"/>
                                         </p:tgtEl>
@@ -22345,20 +27003,20 @@
                           </p:cTn>
                         </p:par>
                         <p:par>
-                          <p:cTn id="64" fill="hold">
+                          <p:cTn id="85" fill="hold">
                             <p:stCondLst>
                               <p:cond delay="1000"/>
                             </p:stCondLst>
                             <p:childTnLst>
                               <p:par>
-                                <p:cTn id="65" presetID="10" presetClass="entr" presetSubtype="0" fill="hold" grpId="0" nodeType="afterEffect">
+                                <p:cTn id="86" presetID="10" presetClass="entr" presetSubtype="0" fill="hold" grpId="0" nodeType="afterEffect">
                                   <p:stCondLst>
                                     <p:cond delay="0"/>
                                   </p:stCondLst>
                                   <p:childTnLst>
                                     <p:set>
                                       <p:cBhvr>
-                                        <p:cTn id="66" dur="1" fill="hold">
+                                        <p:cTn id="87" dur="1" fill="hold">
                                           <p:stCondLst>
                                             <p:cond delay="0"/>
                                           </p:stCondLst>
@@ -22376,7 +27034,7 @@
                                     </p:set>
                                     <p:animEffect transition="in" filter="fade">
                                       <p:cBhvr>
-                                        <p:cTn id="67" dur="500"/>
+                                        <p:cTn id="88" dur="500"/>
                                         <p:tgtEl>
                                           <p:spTgt spid="71"/>
                                         </p:tgtEl>
@@ -22389,20 +27047,20 @@
                           </p:cTn>
                         </p:par>
                         <p:par>
-                          <p:cTn id="68" fill="hold">
+                          <p:cTn id="89" fill="hold">
                             <p:stCondLst>
                               <p:cond delay="1500"/>
                             </p:stCondLst>
                             <p:childTnLst>
                               <p:par>
-                                <p:cTn id="69" presetID="22" presetClass="entr" presetSubtype="8" fill="hold" nodeType="afterEffect">
+                                <p:cTn id="90" presetID="22" presetClass="entr" presetSubtype="8" fill="hold" nodeType="afterEffect">
                                   <p:stCondLst>
                                     <p:cond delay="0"/>
                                   </p:stCondLst>
                                   <p:childTnLst>
                                     <p:set>
                                       <p:cBhvr>
-                                        <p:cTn id="70" dur="1" fill="hold">
+                                        <p:cTn id="91" dur="1" fill="hold">
                                           <p:stCondLst>
                                             <p:cond delay="0"/>
                                           </p:stCondLst>
@@ -22420,7 +27078,7 @@
                                     </p:set>
                                     <p:animEffect transition="in" filter="wipe(left)">
                                       <p:cBhvr>
-                                        <p:cTn id="71" dur="500"/>
+                                        <p:cTn id="92" dur="500"/>
                                         <p:tgtEl>
                                           <p:spTgt spid="82"/>
                                         </p:tgtEl>
@@ -22436,26 +27094,26 @@
                     </p:cTn>
                   </p:par>
                   <p:par>
-                    <p:cTn id="72" fill="hold">
+                    <p:cTn id="93" fill="hold">
                       <p:stCondLst>
                         <p:cond delay="indefinite"/>
                       </p:stCondLst>
                       <p:childTnLst>
                         <p:par>
-                          <p:cTn id="73" fill="hold">
+                          <p:cTn id="94" fill="hold">
                             <p:stCondLst>
                               <p:cond delay="0"/>
                             </p:stCondLst>
                             <p:childTnLst>
                               <p:par>
-                                <p:cTn id="74" presetID="10" presetClass="entr" presetSubtype="0" fill="hold" grpId="0" nodeType="clickEffect">
+                                <p:cTn id="95" presetID="10" presetClass="entr" presetSubtype="0" fill="hold" grpId="0" nodeType="clickEffect">
                                   <p:stCondLst>
                                     <p:cond delay="0"/>
                                   </p:stCondLst>
                                   <p:childTnLst>
                                     <p:set>
                                       <p:cBhvr>
-                                        <p:cTn id="75" dur="1" fill="hold">
+                                        <p:cTn id="96" dur="1" fill="hold">
                                           <p:stCondLst>
                                             <p:cond delay="0"/>
                                           </p:stCondLst>
@@ -22473,7 +27131,7 @@
                                     </p:set>
                                     <p:animEffect transition="in" filter="fade">
                                       <p:cBhvr>
-                                        <p:cTn id="76" dur="500"/>
+                                        <p:cTn id="97" dur="500"/>
                                         <p:tgtEl>
                                           <p:spTgt spid="101"/>
                                         </p:tgtEl>
@@ -22483,14 +27141,14 @@
                                 </p:cTn>
                               </p:par>
                               <p:par>
-                                <p:cTn id="77" presetID="22" presetClass="entr" presetSubtype="8" fill="hold" grpId="0" nodeType="withEffect">
+                                <p:cTn id="98" presetID="22" presetClass="entr" presetSubtype="8" fill="hold" grpId="0" nodeType="withEffect">
                                   <p:stCondLst>
                                     <p:cond delay="0"/>
                                   </p:stCondLst>
                                   <p:childTnLst>
                                     <p:set>
                                       <p:cBhvr>
-                                        <p:cTn id="78" dur="1" fill="hold">
+                                        <p:cTn id="99" dur="1" fill="hold">
                                           <p:stCondLst>
                                             <p:cond delay="0"/>
                                           </p:stCondLst>
@@ -22508,7 +27166,7 @@
                                     </p:set>
                                     <p:animEffect transition="in" filter="wipe(left)">
                                       <p:cBhvr>
-                                        <p:cTn id="79" dur="500"/>
+                                        <p:cTn id="100" dur="500"/>
                                         <p:tgtEl>
                                           <p:spTgt spid="103"/>
                                         </p:tgtEl>
@@ -22521,266 +27179,13 @@
                           </p:cTn>
                         </p:par>
                         <p:par>
-                          <p:cTn id="80" fill="hold">
+                          <p:cTn id="101" fill="hold">
                             <p:stCondLst>
                               <p:cond delay="500"/>
                             </p:stCondLst>
                             <p:childTnLst>
                               <p:par>
-                                <p:cTn id="81" presetID="10" presetClass="entr" presetSubtype="0" fill="hold" nodeType="afterEffect">
-                                  <p:stCondLst>
-                                    <p:cond delay="0"/>
-                                  </p:stCondLst>
-                                  <p:childTnLst>
-                                    <p:set>
-                                      <p:cBhvr>
-                                        <p:cTn id="82" dur="1" fill="hold">
-                                          <p:stCondLst>
-                                            <p:cond delay="0"/>
-                                          </p:stCondLst>
-                                        </p:cTn>
-                                        <p:tgtEl>
-                                          <p:spTgt spid="100">
-                                            <p:txEl>
-                                              <p:pRg st="1" end="1"/>
-                                            </p:txEl>
-                                          </p:spTgt>
-                                        </p:tgtEl>
-                                        <p:attrNameLst>
-                                          <p:attrName>style.visibility</p:attrName>
-                                        </p:attrNameLst>
-                                      </p:cBhvr>
-                                      <p:to>
-                                        <p:strVal val="visible"/>
-                                      </p:to>
-                                    </p:set>
-                                    <p:animEffect transition="in" filter="fade">
-                                      <p:cBhvr>
-                                        <p:cTn id="83" dur="500"/>
-                                        <p:tgtEl>
-                                          <p:spTgt spid="100">
-                                            <p:txEl>
-                                              <p:pRg st="1" end="1"/>
-                                            </p:txEl>
-                                          </p:spTgt>
-                                        </p:tgtEl>
-                                      </p:cBhvr>
-                                    </p:animEffect>
-                                  </p:childTnLst>
-                                </p:cTn>
-                              </p:par>
-                            </p:childTnLst>
-                          </p:cTn>
-                        </p:par>
-                        <p:par>
-                          <p:cTn id="84" fill="hold">
-                            <p:stCondLst>
-                              <p:cond delay="1000"/>
-                            </p:stCondLst>
-                            <p:childTnLst>
-                              <p:par>
-                                <p:cTn id="85" presetID="10" presetClass="entr" presetSubtype="0" fill="hold" nodeType="afterEffect">
-                                  <p:stCondLst>
-                                    <p:cond delay="0"/>
-                                  </p:stCondLst>
-                                  <p:childTnLst>
-                                    <p:set>
-                                      <p:cBhvr>
-                                        <p:cTn id="86" dur="1" fill="hold">
-                                          <p:stCondLst>
-                                            <p:cond delay="0"/>
-                                          </p:stCondLst>
-                                        </p:cTn>
-                                        <p:tgtEl>
-                                          <p:spTgt spid="100">
-                                            <p:txEl>
-                                              <p:pRg st="2" end="2"/>
-                                            </p:txEl>
-                                          </p:spTgt>
-                                        </p:tgtEl>
-                                        <p:attrNameLst>
-                                          <p:attrName>style.visibility</p:attrName>
-                                        </p:attrNameLst>
-                                      </p:cBhvr>
-                                      <p:to>
-                                        <p:strVal val="visible"/>
-                                      </p:to>
-                                    </p:set>
-                                    <p:animEffect transition="in" filter="fade">
-                                      <p:cBhvr>
-                                        <p:cTn id="87" dur="500"/>
-                                        <p:tgtEl>
-                                          <p:spTgt spid="100">
-                                            <p:txEl>
-                                              <p:pRg st="2" end="2"/>
-                                            </p:txEl>
-                                          </p:spTgt>
-                                        </p:tgtEl>
-                                      </p:cBhvr>
-                                    </p:animEffect>
-                                  </p:childTnLst>
-                                </p:cTn>
-                              </p:par>
-                            </p:childTnLst>
-                          </p:cTn>
-                        </p:par>
-                      </p:childTnLst>
-                    </p:cTn>
-                  </p:par>
-                  <p:par>
-                    <p:cTn id="88" fill="hold">
-                      <p:stCondLst>
-                        <p:cond delay="indefinite"/>
-                      </p:stCondLst>
-                      <p:childTnLst>
-                        <p:par>
-                          <p:cTn id="89" fill="hold">
-                            <p:stCondLst>
-                              <p:cond delay="0"/>
-                            </p:stCondLst>
-                            <p:childTnLst>
-                              <p:par>
-                                <p:cTn id="90" presetID="10" presetClass="entr" presetSubtype="0" fill="hold" grpId="0" nodeType="clickEffect">
-                                  <p:stCondLst>
-                                    <p:cond delay="0"/>
-                                  </p:stCondLst>
-                                  <p:childTnLst>
-                                    <p:set>
-                                      <p:cBhvr>
-                                        <p:cTn id="91" dur="1" fill="hold">
-                                          <p:stCondLst>
-                                            <p:cond delay="0"/>
-                                          </p:stCondLst>
-                                        </p:cTn>
-                                        <p:tgtEl>
-                                          <p:spTgt spid="102"/>
-                                        </p:tgtEl>
-                                        <p:attrNameLst>
-                                          <p:attrName>style.visibility</p:attrName>
-                                        </p:attrNameLst>
-                                      </p:cBhvr>
-                                      <p:to>
-                                        <p:strVal val="visible"/>
-                                      </p:to>
-                                    </p:set>
-                                    <p:animEffect transition="in" filter="fade">
-                                      <p:cBhvr>
-                                        <p:cTn id="92" dur="500"/>
-                                        <p:tgtEl>
-                                          <p:spTgt spid="102"/>
-                                        </p:tgtEl>
-                                      </p:cBhvr>
-                                    </p:animEffect>
-                                  </p:childTnLst>
-                                </p:cTn>
-                              </p:par>
-                              <p:par>
-                                <p:cTn id="93" presetID="22" presetClass="entr" presetSubtype="2" fill="hold" grpId="0" nodeType="withEffect">
-                                  <p:stCondLst>
-                                    <p:cond delay="0"/>
-                                  </p:stCondLst>
-                                  <p:childTnLst>
-                                    <p:set>
-                                      <p:cBhvr>
-                                        <p:cTn id="94" dur="1" fill="hold">
-                                          <p:stCondLst>
-                                            <p:cond delay="0"/>
-                                          </p:stCondLst>
-                                        </p:cTn>
-                                        <p:tgtEl>
-                                          <p:spTgt spid="104"/>
-                                        </p:tgtEl>
-                                        <p:attrNameLst>
-                                          <p:attrName>style.visibility</p:attrName>
-                                        </p:attrNameLst>
-                                      </p:cBhvr>
-                                      <p:to>
-                                        <p:strVal val="visible"/>
-                                      </p:to>
-                                    </p:set>
-                                    <p:animEffect transition="in" filter="wipe(right)">
-                                      <p:cBhvr>
-                                        <p:cTn id="95" dur="500"/>
-                                        <p:tgtEl>
-                                          <p:spTgt spid="104"/>
-                                        </p:tgtEl>
-                                      </p:cBhvr>
-                                    </p:animEffect>
-                                  </p:childTnLst>
-                                </p:cTn>
-                              </p:par>
-                            </p:childTnLst>
-                          </p:cTn>
-                        </p:par>
-                        <p:par>
-                          <p:cTn id="96" fill="hold">
-                            <p:stCondLst>
-                              <p:cond delay="500"/>
-                            </p:stCondLst>
-                            <p:childTnLst>
-                              <p:par>
-                                <p:cTn id="97" presetID="10" presetClass="entr" presetSubtype="0" fill="hold" nodeType="afterEffect">
-                                  <p:stCondLst>
-                                    <p:cond delay="0"/>
-                                  </p:stCondLst>
-                                  <p:childTnLst>
-                                    <p:set>
-                                      <p:cBhvr>
-                                        <p:cTn id="98" dur="1" fill="hold">
-                                          <p:stCondLst>
-                                            <p:cond delay="0"/>
-                                          </p:stCondLst>
-                                        </p:cTn>
-                                        <p:tgtEl>
-                                          <p:spTgt spid="100">
-                                            <p:txEl>
-                                              <p:pRg st="4" end="4"/>
-                                            </p:txEl>
-                                          </p:spTgt>
-                                        </p:tgtEl>
-                                        <p:attrNameLst>
-                                          <p:attrName>style.visibility</p:attrName>
-                                        </p:attrNameLst>
-                                      </p:cBhvr>
-                                      <p:to>
-                                        <p:strVal val="visible"/>
-                                      </p:to>
-                                    </p:set>
-                                    <p:animEffect transition="in" filter="fade">
-                                      <p:cBhvr>
-                                        <p:cTn id="99" dur="500"/>
-                                        <p:tgtEl>
-                                          <p:spTgt spid="100">
-                                            <p:txEl>
-                                              <p:pRg st="4" end="4"/>
-                                            </p:txEl>
-                                          </p:spTgt>
-                                        </p:tgtEl>
-                                      </p:cBhvr>
-                                    </p:animEffect>
-                                  </p:childTnLst>
-                                </p:cTn>
-                              </p:par>
-                            </p:childTnLst>
-                          </p:cTn>
-                        </p:par>
-                      </p:childTnLst>
-                    </p:cTn>
-                  </p:par>
-                  <p:par>
-                    <p:cTn id="100" fill="hold">
-                      <p:stCondLst>
-                        <p:cond delay="indefinite"/>
-                      </p:stCondLst>
-                      <p:childTnLst>
-                        <p:par>
-                          <p:cTn id="101" fill="hold">
-                            <p:stCondLst>
-                              <p:cond delay="0"/>
-                            </p:stCondLst>
-                            <p:childTnLst>
-                              <p:par>
-                                <p:cTn id="102" presetID="10" presetClass="entr" presetSubtype="0" fill="hold" nodeType="clickEffect">
+                                <p:cTn id="102" presetID="10" presetClass="entr" presetSubtype="0" fill="hold" nodeType="afterEffect">
                                   <p:stCondLst>
                                     <p:cond delay="0"/>
                                   </p:stCondLst>
@@ -22795,7 +27200,7 @@
                                         <p:tgtEl>
                                           <p:spTgt spid="100">
                                             <p:txEl>
-                                              <p:pRg st="5" end="5"/>
+                                              <p:pRg st="0" end="0"/>
                                             </p:txEl>
                                           </p:spTgt>
                                         </p:tgtEl>
@@ -22813,7 +27218,7 @@
                                         <p:tgtEl>
                                           <p:spTgt spid="100">
                                             <p:txEl>
-                                              <p:pRg st="5" end="5"/>
+                                              <p:pRg st="0" end="0"/>
                                             </p:txEl>
                                           </p:spTgt>
                                         </p:tgtEl>
@@ -22856,7 +27261,7 @@
                                         <p:tgtEl>
                                           <p:spTgt spid="100">
                                             <p:txEl>
-                                              <p:pRg st="6" end="6"/>
+                                              <p:pRg st="1" end="1"/>
                                             </p:txEl>
                                           </p:spTgt>
                                         </p:tgtEl>
@@ -22874,7 +27279,312 @@
                                         <p:tgtEl>
                                           <p:spTgt spid="100">
                                             <p:txEl>
-                                              <p:pRg st="6" end="6"/>
+                                              <p:pRg st="1" end="1"/>
+                                            </p:txEl>
+                                          </p:spTgt>
+                                        </p:tgtEl>
+                                      </p:cBhvr>
+                                    </p:animEffect>
+                                  </p:childTnLst>
+                                </p:cTn>
+                              </p:par>
+                            </p:childTnLst>
+                          </p:cTn>
+                        </p:par>
+                      </p:childTnLst>
+                    </p:cTn>
+                  </p:par>
+                  <p:par>
+                    <p:cTn id="110" fill="hold">
+                      <p:stCondLst>
+                        <p:cond delay="indefinite"/>
+                      </p:stCondLst>
+                      <p:childTnLst>
+                        <p:par>
+                          <p:cTn id="111" fill="hold">
+                            <p:stCondLst>
+                              <p:cond delay="0"/>
+                            </p:stCondLst>
+                            <p:childTnLst>
+                              <p:par>
+                                <p:cTn id="112" presetID="10" presetClass="entr" presetSubtype="0" fill="hold" grpId="0" nodeType="clickEffect">
+                                  <p:stCondLst>
+                                    <p:cond delay="0"/>
+                                  </p:stCondLst>
+                                  <p:childTnLst>
+                                    <p:set>
+                                      <p:cBhvr>
+                                        <p:cTn id="113" dur="1" fill="hold">
+                                          <p:stCondLst>
+                                            <p:cond delay="0"/>
+                                          </p:stCondLst>
+                                        </p:cTn>
+                                        <p:tgtEl>
+                                          <p:spTgt spid="102"/>
+                                        </p:tgtEl>
+                                        <p:attrNameLst>
+                                          <p:attrName>style.visibility</p:attrName>
+                                        </p:attrNameLst>
+                                      </p:cBhvr>
+                                      <p:to>
+                                        <p:strVal val="visible"/>
+                                      </p:to>
+                                    </p:set>
+                                    <p:animEffect transition="in" filter="fade">
+                                      <p:cBhvr>
+                                        <p:cTn id="114" dur="500"/>
+                                        <p:tgtEl>
+                                          <p:spTgt spid="102"/>
+                                        </p:tgtEl>
+                                      </p:cBhvr>
+                                    </p:animEffect>
+                                  </p:childTnLst>
+                                </p:cTn>
+                              </p:par>
+                              <p:par>
+                                <p:cTn id="115" presetID="22" presetClass="entr" presetSubtype="2" fill="hold" grpId="0" nodeType="withEffect">
+                                  <p:stCondLst>
+                                    <p:cond delay="0"/>
+                                  </p:stCondLst>
+                                  <p:childTnLst>
+                                    <p:set>
+                                      <p:cBhvr>
+                                        <p:cTn id="116" dur="1" fill="hold">
+                                          <p:stCondLst>
+                                            <p:cond delay="0"/>
+                                          </p:stCondLst>
+                                        </p:cTn>
+                                        <p:tgtEl>
+                                          <p:spTgt spid="104"/>
+                                        </p:tgtEl>
+                                        <p:attrNameLst>
+                                          <p:attrName>style.visibility</p:attrName>
+                                        </p:attrNameLst>
+                                      </p:cBhvr>
+                                      <p:to>
+                                        <p:strVal val="visible"/>
+                                      </p:to>
+                                    </p:set>
+                                    <p:animEffect transition="in" filter="wipe(right)">
+                                      <p:cBhvr>
+                                        <p:cTn id="117" dur="500"/>
+                                        <p:tgtEl>
+                                          <p:spTgt spid="104"/>
+                                        </p:tgtEl>
+                                      </p:cBhvr>
+                                    </p:animEffect>
+                                  </p:childTnLst>
+                                </p:cTn>
+                              </p:par>
+                            </p:childTnLst>
+                          </p:cTn>
+                        </p:par>
+                        <p:par>
+                          <p:cTn id="118" fill="hold">
+                            <p:stCondLst>
+                              <p:cond delay="500"/>
+                            </p:stCondLst>
+                            <p:childTnLst>
+                              <p:par>
+                                <p:cTn id="119" presetID="10" presetClass="entr" presetSubtype="0" fill="hold" nodeType="afterEffect">
+                                  <p:stCondLst>
+                                    <p:cond delay="0"/>
+                                  </p:stCondLst>
+                                  <p:childTnLst>
+                                    <p:set>
+                                      <p:cBhvr>
+                                        <p:cTn id="120" dur="1" fill="hold">
+                                          <p:stCondLst>
+                                            <p:cond delay="0"/>
+                                          </p:stCondLst>
+                                        </p:cTn>
+                                        <p:tgtEl>
+                                          <p:spTgt spid="100">
+                                            <p:txEl>
+                                              <p:pRg st="2" end="2"/>
+                                            </p:txEl>
+                                          </p:spTgt>
+                                        </p:tgtEl>
+                                        <p:attrNameLst>
+                                          <p:attrName>style.visibility</p:attrName>
+                                        </p:attrNameLst>
+                                      </p:cBhvr>
+                                      <p:to>
+                                        <p:strVal val="visible"/>
+                                      </p:to>
+                                    </p:set>
+                                    <p:animEffect transition="in" filter="fade">
+                                      <p:cBhvr>
+                                        <p:cTn id="121" dur="500"/>
+                                        <p:tgtEl>
+                                          <p:spTgt spid="100">
+                                            <p:txEl>
+                                              <p:pRg st="2" end="2"/>
+                                            </p:txEl>
+                                          </p:spTgt>
+                                        </p:tgtEl>
+                                      </p:cBhvr>
+                                    </p:animEffect>
+                                  </p:childTnLst>
+                                </p:cTn>
+                              </p:par>
+                            </p:childTnLst>
+                          </p:cTn>
+                        </p:par>
+                      </p:childTnLst>
+                    </p:cTn>
+                  </p:par>
+                  <p:par>
+                    <p:cTn id="122" fill="hold">
+                      <p:stCondLst>
+                        <p:cond delay="indefinite"/>
+                      </p:stCondLst>
+                      <p:childTnLst>
+                        <p:par>
+                          <p:cTn id="123" fill="hold">
+                            <p:stCondLst>
+                              <p:cond delay="0"/>
+                            </p:stCondLst>
+                            <p:childTnLst>
+                              <p:par>
+                                <p:cTn id="124" presetID="10" presetClass="entr" presetSubtype="0" fill="hold" nodeType="clickEffect">
+                                  <p:stCondLst>
+                                    <p:cond delay="0"/>
+                                  </p:stCondLst>
+                                  <p:childTnLst>
+                                    <p:set>
+                                      <p:cBhvr>
+                                        <p:cTn id="125" dur="1" fill="hold">
+                                          <p:stCondLst>
+                                            <p:cond delay="0"/>
+                                          </p:stCondLst>
+                                        </p:cTn>
+                                        <p:tgtEl>
+                                          <p:spTgt spid="100">
+                                            <p:txEl>
+                                              <p:pRg st="3" end="3"/>
+                                            </p:txEl>
+                                          </p:spTgt>
+                                        </p:tgtEl>
+                                        <p:attrNameLst>
+                                          <p:attrName>style.visibility</p:attrName>
+                                        </p:attrNameLst>
+                                      </p:cBhvr>
+                                      <p:to>
+                                        <p:strVal val="visible"/>
+                                      </p:to>
+                                    </p:set>
+                                    <p:animEffect transition="in" filter="fade">
+                                      <p:cBhvr>
+                                        <p:cTn id="126" dur="500"/>
+                                        <p:tgtEl>
+                                          <p:spTgt spid="100">
+                                            <p:txEl>
+                                              <p:pRg st="3" end="3"/>
+                                            </p:txEl>
+                                          </p:spTgt>
+                                        </p:tgtEl>
+                                      </p:cBhvr>
+                                    </p:animEffect>
+                                  </p:childTnLst>
+                                </p:cTn>
+                              </p:par>
+                            </p:childTnLst>
+                          </p:cTn>
+                        </p:par>
+                        <p:par>
+                          <p:cTn id="127" fill="hold">
+                            <p:stCondLst>
+                              <p:cond delay="500"/>
+                            </p:stCondLst>
+                            <p:childTnLst>
+                              <p:par>
+                                <p:cTn id="128" presetID="10" presetClass="entr" presetSubtype="0" fill="hold" nodeType="afterEffect">
+                                  <p:stCondLst>
+                                    <p:cond delay="0"/>
+                                  </p:stCondLst>
+                                  <p:childTnLst>
+                                    <p:set>
+                                      <p:cBhvr>
+                                        <p:cTn id="129" dur="1" fill="hold">
+                                          <p:stCondLst>
+                                            <p:cond delay="0"/>
+                                          </p:stCondLst>
+                                        </p:cTn>
+                                        <p:tgtEl>
+                                          <p:spTgt spid="100">
+                                            <p:txEl>
+                                              <p:pRg st="4" end="4"/>
+                                            </p:txEl>
+                                          </p:spTgt>
+                                        </p:tgtEl>
+                                        <p:attrNameLst>
+                                          <p:attrName>style.visibility</p:attrName>
+                                        </p:attrNameLst>
+                                      </p:cBhvr>
+                                      <p:to>
+                                        <p:strVal val="visible"/>
+                                      </p:to>
+                                    </p:set>
+                                    <p:animEffect transition="in" filter="fade">
+                                      <p:cBhvr>
+                                        <p:cTn id="130" dur="500"/>
+                                        <p:tgtEl>
+                                          <p:spTgt spid="100">
+                                            <p:txEl>
+                                              <p:pRg st="4" end="4"/>
+                                            </p:txEl>
+                                          </p:spTgt>
+                                        </p:tgtEl>
+                                      </p:cBhvr>
+                                    </p:animEffect>
+                                  </p:childTnLst>
+                                </p:cTn>
+                              </p:par>
+                            </p:childTnLst>
+                          </p:cTn>
+                        </p:par>
+                        <p:par>
+                          <p:cTn id="131" fill="hold">
+                            <p:stCondLst>
+                              <p:cond delay="1000"/>
+                            </p:stCondLst>
+                            <p:childTnLst>
+                              <p:par>
+                                <p:cTn id="132" presetID="10" presetClass="entr" presetSubtype="0" fill="hold" nodeType="afterEffect">
+                                  <p:stCondLst>
+                                    <p:cond delay="0"/>
+                                  </p:stCondLst>
+                                  <p:childTnLst>
+                                    <p:set>
+                                      <p:cBhvr>
+                                        <p:cTn id="133" dur="1" fill="hold">
+                                          <p:stCondLst>
+                                            <p:cond delay="0"/>
+                                          </p:stCondLst>
+                                        </p:cTn>
+                                        <p:tgtEl>
+                                          <p:spTgt spid="100">
+                                            <p:txEl>
+                                              <p:pRg st="5" end="5"/>
+                                            </p:txEl>
+                                          </p:spTgt>
+                                        </p:tgtEl>
+                                        <p:attrNameLst>
+                                          <p:attrName>style.visibility</p:attrName>
+                                        </p:attrNameLst>
+                                      </p:cBhvr>
+                                      <p:to>
+                                        <p:strVal val="visible"/>
+                                      </p:to>
+                                    </p:set>
+                                    <p:animEffect transition="in" filter="fade">
+                                      <p:cBhvr>
+                                        <p:cTn id="134" dur="500"/>
+                                        <p:tgtEl>
+                                          <p:spTgt spid="100">
+                                            <p:txEl>
+                                              <p:pRg st="5" end="5"/>
                                             </p:txEl>
                                           </p:spTgt>
                                         </p:tgtEl>
@@ -22919,6 +27629,13 @@
       <p:bldP spid="102" grpId="0" animBg="1"/>
       <p:bldP spid="103" grpId="0" animBg="1"/>
       <p:bldP spid="104" grpId="0" animBg="1"/>
+      <p:bldP spid="45" grpId="0"/>
+      <p:bldP spid="46" grpId="0"/>
+      <p:bldP spid="47" grpId="0"/>
+      <p:bldP spid="49" grpId="0"/>
+      <p:bldP spid="53" grpId="0"/>
+      <p:bldP spid="54" grpId="0"/>
+      <p:bldP spid="57" grpId="0"/>
     </p:bldLst>
   </p:timing>
 </p:sld>
@@ -23023,7 +27740,106 @@
           <a:bodyPr/>
           <a:lstStyle/>
           <a:p>
-            <a:endParaRPr lang="en-GB"/>
+            <a:r>
+              <a:rPr lang="en-US" dirty="0" smtClean="0"/>
+              <a:t>The </a:t>
+            </a:r>
+            <a:r>
+              <a:rPr lang="en-US" b="1" dirty="0" smtClean="0"/>
+              <a:t>training loop </a:t>
+            </a:r>
+            <a:r>
+              <a:rPr lang="en-US" dirty="0" smtClean="0"/>
+              <a:t>is a step in the gradual adjustment of the weights through </a:t>
+            </a:r>
+            <a:r>
+              <a:rPr lang="en-US" dirty="0"/>
+              <a:t>a feedback </a:t>
+            </a:r>
+            <a:r>
+              <a:rPr lang="en-US" dirty="0" smtClean="0"/>
+              <a:t>signal</a:t>
+            </a:r>
+          </a:p>
+          <a:p>
+            <a:r>
+              <a:rPr lang="en-US" dirty="0" smtClean="0"/>
+              <a:t>The </a:t>
+            </a:r>
+            <a:r>
+              <a:rPr lang="en-US" dirty="0"/>
+              <a:t>loss </a:t>
+            </a:r>
+            <a:r>
+              <a:rPr lang="en-US" dirty="0" smtClean="0"/>
+              <a:t>function is </a:t>
+            </a:r>
+            <a:r>
+              <a:rPr lang="en-US" dirty="0"/>
+              <a:t>minimized using a </a:t>
+            </a:r>
+            <a:r>
+              <a:rPr lang="en-US" dirty="0" smtClean="0"/>
+              <a:t>well known iterative </a:t>
+            </a:r>
+            <a:r>
+              <a:rPr lang="en-US" dirty="0"/>
+              <a:t>optimization </a:t>
+            </a:r>
+            <a:r>
+              <a:rPr lang="en-US" dirty="0" smtClean="0"/>
+              <a:t>algorithm: </a:t>
+            </a:r>
+            <a:r>
+              <a:rPr lang="en-US" b="1" dirty="0" smtClean="0"/>
+              <a:t>gradient descent</a:t>
+            </a:r>
+          </a:p>
+          <a:p>
+            <a:endParaRPr lang="en-US" b="1" dirty="0"/>
+          </a:p>
+          <a:p>
+            <a:endParaRPr lang="en-US" b="1" dirty="0" smtClean="0"/>
+          </a:p>
+          <a:p>
+            <a:endParaRPr lang="en-US" b="1" dirty="0"/>
+          </a:p>
+          <a:p>
+            <a:endParaRPr lang="en-US" b="1" dirty="0" smtClean="0"/>
+          </a:p>
+          <a:p>
+            <a:endParaRPr lang="en-US" b="1" dirty="0"/>
+          </a:p>
+          <a:p>
+            <a:endParaRPr lang="en-US" b="1" dirty="0" smtClean="0"/>
+          </a:p>
+          <a:p>
+            <a:endParaRPr lang="en-US" b="1" dirty="0"/>
+          </a:p>
+          <a:p>
+            <a:r>
+              <a:rPr lang="en-US" dirty="0" smtClean="0"/>
+              <a:t>The </a:t>
+            </a:r>
+            <a:r>
+              <a:rPr lang="en-US" b="1" dirty="0" smtClean="0"/>
+              <a:t>learning rate</a:t>
+            </a:r>
+            <a:r>
+              <a:rPr lang="en-US" dirty="0" smtClean="0"/>
+              <a:t> </a:t>
+            </a:r>
+            <a:r>
+              <a:rPr lang="en-US" dirty="0" err="1" smtClean="0"/>
+              <a:t>hyperparameter</a:t>
+            </a:r>
+            <a:r>
+              <a:rPr lang="en-US" dirty="0" smtClean="0"/>
+              <a:t> plays a vital role in the convergence of the algorithm</a:t>
+            </a:r>
+          </a:p>
+          <a:p>
+            <a:endParaRPr lang="en-US" dirty="0"/>
           </a:p>
         </p:txBody>
       </p:sp>
@@ -23050,6 +27866,166 @@
           </a:p>
         </p:txBody>
       </p:sp>
+      <p:pic>
+        <p:nvPicPr>
+          <p:cNvPr id="1026" name="Picture 2" descr="C:\Users\C305392\Desktop\mlTeachings\fig\1d_loss.PNG"/>
+          <p:cNvPicPr>
+            <a:picLocks noChangeAspect="1" noChangeArrowheads="1"/>
+          </p:cNvPicPr>
+          <p:nvPr/>
+        </p:nvPicPr>
+        <p:blipFill>
+          <a:blip r:embed="rId2">
+            <a:extLst>
+              <a:ext uri="{28A0092B-C50C-407E-A947-70E740481C1C}">
+                <a14:useLocalDpi xmlns:a14="http://schemas.microsoft.com/office/drawing/2010/main" val="0"/>
+              </a:ext>
+            </a:extLst>
+          </a:blip>
+          <a:srcRect/>
+          <a:stretch>
+            <a:fillRect/>
+          </a:stretch>
+        </p:blipFill>
+        <p:spPr bwMode="auto">
+          <a:xfrm>
+            <a:off x="2046394" y="1883348"/>
+            <a:ext cx="1969084" cy="1944000"/>
+          </a:xfrm>
+          <a:prstGeom prst="rect">
+            <a:avLst/>
+          </a:prstGeom>
+          <a:noFill/>
+          <a:extLst>
+            <a:ext uri="{909E8E84-426E-40DD-AFC4-6F175D3DCCD1}">
+              <a14:hiddenFill xmlns:a14="http://schemas.microsoft.com/office/drawing/2010/main">
+                <a:solidFill>
+                  <a:srgbClr val="FFFFFF"/>
+                </a:solidFill>
+              </a14:hiddenFill>
+            </a:ext>
+          </a:extLst>
+        </p:spPr>
+      </p:pic>
+      <p:pic>
+        <p:nvPicPr>
+          <p:cNvPr id="1027" name="Picture 3" descr="C:\Users\C305392\Desktop\mlTeachings\fig\2d_loss.PNG"/>
+          <p:cNvPicPr>
+            <a:picLocks noChangeAspect="1" noChangeArrowheads="1"/>
+          </p:cNvPicPr>
+          <p:nvPr/>
+        </p:nvPicPr>
+        <p:blipFill>
+          <a:blip r:embed="rId3">
+            <a:extLst>
+              <a:ext uri="{28A0092B-C50C-407E-A947-70E740481C1C}">
+                <a14:useLocalDpi xmlns:a14="http://schemas.microsoft.com/office/drawing/2010/main" val="0"/>
+              </a:ext>
+            </a:extLst>
+          </a:blip>
+          <a:srcRect/>
+          <a:stretch>
+            <a:fillRect/>
+          </a:stretch>
+        </p:blipFill>
+        <p:spPr bwMode="auto">
+          <a:xfrm>
+            <a:off x="4630902" y="1883348"/>
+            <a:ext cx="2363192" cy="1944000"/>
+          </a:xfrm>
+          <a:prstGeom prst="rect">
+            <a:avLst/>
+          </a:prstGeom>
+          <a:noFill/>
+          <a:extLst>
+            <a:ext uri="{909E8E84-426E-40DD-AFC4-6F175D3DCCD1}">
+              <a14:hiddenFill xmlns:a14="http://schemas.microsoft.com/office/drawing/2010/main">
+                <a:solidFill>
+                  <a:srgbClr val="FFFFFF"/>
+                </a:solidFill>
+              </a14:hiddenFill>
+            </a:ext>
+          </a:extLst>
+        </p:spPr>
+      </p:pic>
+      <p:pic>
+        <p:nvPicPr>
+          <p:cNvPr id="1028" name="Picture 4" descr="C:\Users\C305392\Desktop\mlTeachings\fig\perceptron_learning_rate.png"/>
+          <p:cNvPicPr>
+            <a:picLocks noChangeAspect="1" noChangeArrowheads="1"/>
+          </p:cNvPicPr>
+          <p:nvPr/>
+        </p:nvPicPr>
+        <p:blipFill rotWithShape="1">
+          <a:blip r:embed="rId4" cstate="print">
+            <a:extLst>
+              <a:ext uri="{28A0092B-C50C-407E-A947-70E740481C1C}">
+                <a14:useLocalDpi xmlns:a14="http://schemas.microsoft.com/office/drawing/2010/main" val="0"/>
+              </a:ext>
+            </a:extLst>
+          </a:blip>
+          <a:srcRect r="50000"/>
+          <a:stretch/>
+        </p:blipFill>
+        <p:spPr bwMode="auto">
+          <a:xfrm>
+            <a:off x="2576881" y="4209663"/>
+            <a:ext cx="1616257" cy="1800000"/>
+          </a:xfrm>
+          <a:prstGeom prst="rect">
+            <a:avLst/>
+          </a:prstGeom>
+          <a:noFill/>
+          <a:extLst>
+            <a:ext uri="{909E8E84-426E-40DD-AFC4-6F175D3DCCD1}">
+              <a14:hiddenFill xmlns:a14="http://schemas.microsoft.com/office/drawing/2010/main">
+                <a:solidFill>
+                  <a:srgbClr val="FFFFFF"/>
+                </a:solidFill>
+              </a14:hiddenFill>
+            </a:ext>
+          </a:extLst>
+        </p:spPr>
+      </p:pic>
+      <p:pic>
+        <p:nvPicPr>
+          <p:cNvPr id="11" name="Picture 4" descr="C:\Users\C305392\Desktop\mlTeachings\fig\perceptron_learning_rate.png"/>
+          <p:cNvPicPr>
+            <a:picLocks noChangeAspect="1" noChangeArrowheads="1"/>
+          </p:cNvPicPr>
+          <p:nvPr/>
+        </p:nvPicPr>
+        <p:blipFill rotWithShape="1">
+          <a:blip r:embed="rId4" cstate="print">
+            <a:extLst>
+              <a:ext uri="{28A0092B-C50C-407E-A947-70E740481C1C}">
+                <a14:useLocalDpi xmlns:a14="http://schemas.microsoft.com/office/drawing/2010/main" val="0"/>
+              </a:ext>
+            </a:extLst>
+          </a:blip>
+          <a:srcRect l="50038" r="-75"/>
+          <a:stretch/>
+        </p:blipFill>
+        <p:spPr bwMode="auto">
+          <a:xfrm>
+            <a:off x="4949665" y="4209663"/>
+            <a:ext cx="1617453" cy="1800000"/>
+          </a:xfrm>
+          <a:prstGeom prst="rect">
+            <a:avLst/>
+          </a:prstGeom>
+          <a:noFill/>
+          <a:extLst>
+            <a:ext uri="{909E8E84-426E-40DD-AFC4-6F175D3DCCD1}">
+              <a14:hiddenFill xmlns:a14="http://schemas.microsoft.com/office/drawing/2010/main">
+                <a:solidFill>
+                  <a:srgbClr val="FFFFFF"/>
+                </a:solidFill>
+              </a14:hiddenFill>
+            </a:ext>
+          </a:extLst>
+        </p:spPr>
+      </p:pic>
     </p:spTree>
     <p:extLst>
       <p:ext uri="{BB962C8B-B14F-4D97-AF65-F5344CB8AC3E}">
@@ -23063,7 +28039,392 @@
   <p:timing>
     <p:tnLst>
       <p:par>
-        <p:cTn id="1" dur="indefinite" restart="never" nodeType="tmRoot"/>
+        <p:cTn id="1" dur="indefinite" restart="never" nodeType="tmRoot">
+          <p:childTnLst>
+            <p:seq concurrent="1" nextAc="seek">
+              <p:cTn id="2" dur="indefinite" nodeType="mainSeq">
+                <p:childTnLst>
+                  <p:par>
+                    <p:cTn id="3" fill="hold">
+                      <p:stCondLst>
+                        <p:cond delay="indefinite"/>
+                        <p:cond evt="onBegin" delay="0">
+                          <p:tn val="2"/>
+                        </p:cond>
+                      </p:stCondLst>
+                      <p:childTnLst>
+                        <p:par>
+                          <p:cTn id="4" fill="hold">
+                            <p:stCondLst>
+                              <p:cond delay="0"/>
+                            </p:stCondLst>
+                            <p:childTnLst>
+                              <p:par>
+                                <p:cTn id="5" presetID="10" presetClass="entr" presetSubtype="0" fill="hold" nodeType="afterEffect">
+                                  <p:stCondLst>
+                                    <p:cond delay="0"/>
+                                  </p:stCondLst>
+                                  <p:childTnLst>
+                                    <p:set>
+                                      <p:cBhvr>
+                                        <p:cTn id="6" dur="1" fill="hold">
+                                          <p:stCondLst>
+                                            <p:cond delay="0"/>
+                                          </p:stCondLst>
+                                        </p:cTn>
+                                        <p:tgtEl>
+                                          <p:spTgt spid="5">
+                                            <p:txEl>
+                                              <p:pRg st="0" end="0"/>
+                                            </p:txEl>
+                                          </p:spTgt>
+                                        </p:tgtEl>
+                                        <p:attrNameLst>
+                                          <p:attrName>style.visibility</p:attrName>
+                                        </p:attrNameLst>
+                                      </p:cBhvr>
+                                      <p:to>
+                                        <p:strVal val="visible"/>
+                                      </p:to>
+                                    </p:set>
+                                    <p:animEffect transition="in" filter="fade">
+                                      <p:cBhvr>
+                                        <p:cTn id="7" dur="500"/>
+                                        <p:tgtEl>
+                                          <p:spTgt spid="5">
+                                            <p:txEl>
+                                              <p:pRg st="0" end="0"/>
+                                            </p:txEl>
+                                          </p:spTgt>
+                                        </p:tgtEl>
+                                      </p:cBhvr>
+                                    </p:animEffect>
+                                  </p:childTnLst>
+                                </p:cTn>
+                              </p:par>
+                            </p:childTnLst>
+                          </p:cTn>
+                        </p:par>
+                      </p:childTnLst>
+                    </p:cTn>
+                  </p:par>
+                  <p:par>
+                    <p:cTn id="8" fill="hold">
+                      <p:stCondLst>
+                        <p:cond delay="indefinite"/>
+                      </p:stCondLst>
+                      <p:childTnLst>
+                        <p:par>
+                          <p:cTn id="9" fill="hold">
+                            <p:stCondLst>
+                              <p:cond delay="0"/>
+                            </p:stCondLst>
+                            <p:childTnLst>
+                              <p:par>
+                                <p:cTn id="10" presetID="10" presetClass="entr" presetSubtype="0" fill="hold" nodeType="clickEffect">
+                                  <p:stCondLst>
+                                    <p:cond delay="0"/>
+                                  </p:stCondLst>
+                                  <p:childTnLst>
+                                    <p:set>
+                                      <p:cBhvr>
+                                        <p:cTn id="11" dur="1" fill="hold">
+                                          <p:stCondLst>
+                                            <p:cond delay="0"/>
+                                          </p:stCondLst>
+                                        </p:cTn>
+                                        <p:tgtEl>
+                                          <p:spTgt spid="5">
+                                            <p:txEl>
+                                              <p:pRg st="1" end="1"/>
+                                            </p:txEl>
+                                          </p:spTgt>
+                                        </p:tgtEl>
+                                        <p:attrNameLst>
+                                          <p:attrName>style.visibility</p:attrName>
+                                        </p:attrNameLst>
+                                      </p:cBhvr>
+                                      <p:to>
+                                        <p:strVal val="visible"/>
+                                      </p:to>
+                                    </p:set>
+                                    <p:animEffect transition="in" filter="fade">
+                                      <p:cBhvr>
+                                        <p:cTn id="12" dur="500"/>
+                                        <p:tgtEl>
+                                          <p:spTgt spid="5">
+                                            <p:txEl>
+                                              <p:pRg st="1" end="1"/>
+                                            </p:txEl>
+                                          </p:spTgt>
+                                        </p:tgtEl>
+                                      </p:cBhvr>
+                                    </p:animEffect>
+                                  </p:childTnLst>
+                                </p:cTn>
+                              </p:par>
+                            </p:childTnLst>
+                          </p:cTn>
+                        </p:par>
+                        <p:par>
+                          <p:cTn id="13" fill="hold">
+                            <p:stCondLst>
+                              <p:cond delay="500"/>
+                            </p:stCondLst>
+                            <p:childTnLst>
+                              <p:par>
+                                <p:cTn id="14" presetID="10" presetClass="entr" presetSubtype="0" fill="hold" nodeType="afterEffect">
+                                  <p:stCondLst>
+                                    <p:cond delay="0"/>
+                                  </p:stCondLst>
+                                  <p:childTnLst>
+                                    <p:set>
+                                      <p:cBhvr>
+                                        <p:cTn id="15" dur="1" fill="hold">
+                                          <p:stCondLst>
+                                            <p:cond delay="0"/>
+                                          </p:stCondLst>
+                                        </p:cTn>
+                                        <p:tgtEl>
+                                          <p:spTgt spid="1026"/>
+                                        </p:tgtEl>
+                                        <p:attrNameLst>
+                                          <p:attrName>style.visibility</p:attrName>
+                                        </p:attrNameLst>
+                                      </p:cBhvr>
+                                      <p:to>
+                                        <p:strVal val="visible"/>
+                                      </p:to>
+                                    </p:set>
+                                    <p:animEffect transition="in" filter="fade">
+                                      <p:cBhvr>
+                                        <p:cTn id="16" dur="500"/>
+                                        <p:tgtEl>
+                                          <p:spTgt spid="1026"/>
+                                        </p:tgtEl>
+                                      </p:cBhvr>
+                                    </p:animEffect>
+                                  </p:childTnLst>
+                                </p:cTn>
+                              </p:par>
+                            </p:childTnLst>
+                          </p:cTn>
+                        </p:par>
+                        <p:par>
+                          <p:cTn id="17" fill="hold">
+                            <p:stCondLst>
+                              <p:cond delay="1000"/>
+                            </p:stCondLst>
+                            <p:childTnLst>
+                              <p:par>
+                                <p:cTn id="18" presetID="10" presetClass="entr" presetSubtype="0" fill="hold" nodeType="afterEffect">
+                                  <p:stCondLst>
+                                    <p:cond delay="0"/>
+                                  </p:stCondLst>
+                                  <p:childTnLst>
+                                    <p:set>
+                                      <p:cBhvr>
+                                        <p:cTn id="19" dur="1" fill="hold">
+                                          <p:stCondLst>
+                                            <p:cond delay="0"/>
+                                          </p:stCondLst>
+                                        </p:cTn>
+                                        <p:tgtEl>
+                                          <p:spTgt spid="1027"/>
+                                        </p:tgtEl>
+                                        <p:attrNameLst>
+                                          <p:attrName>style.visibility</p:attrName>
+                                        </p:attrNameLst>
+                                      </p:cBhvr>
+                                      <p:to>
+                                        <p:strVal val="visible"/>
+                                      </p:to>
+                                    </p:set>
+                                    <p:animEffect transition="in" filter="fade">
+                                      <p:cBhvr>
+                                        <p:cTn id="20" dur="500"/>
+                                        <p:tgtEl>
+                                          <p:spTgt spid="1027"/>
+                                        </p:tgtEl>
+                                      </p:cBhvr>
+                                    </p:animEffect>
+                                  </p:childTnLst>
+                                </p:cTn>
+                              </p:par>
+                            </p:childTnLst>
+                          </p:cTn>
+                        </p:par>
+                      </p:childTnLst>
+                    </p:cTn>
+                  </p:par>
+                  <p:par>
+                    <p:cTn id="21" fill="hold">
+                      <p:stCondLst>
+                        <p:cond delay="indefinite"/>
+                      </p:stCondLst>
+                      <p:childTnLst>
+                        <p:par>
+                          <p:cTn id="22" fill="hold">
+                            <p:stCondLst>
+                              <p:cond delay="0"/>
+                            </p:stCondLst>
+                            <p:childTnLst>
+                              <p:par>
+                                <p:cTn id="23" presetID="10" presetClass="entr" presetSubtype="0" fill="hold" nodeType="clickEffect">
+                                  <p:stCondLst>
+                                    <p:cond delay="0"/>
+                                  </p:stCondLst>
+                                  <p:childTnLst>
+                                    <p:set>
+                                      <p:cBhvr>
+                                        <p:cTn id="24" dur="1" fill="hold">
+                                          <p:stCondLst>
+                                            <p:cond delay="0"/>
+                                          </p:stCondLst>
+                                        </p:cTn>
+                                        <p:tgtEl>
+                                          <p:spTgt spid="5">
+                                            <p:txEl>
+                                              <p:pRg st="9" end="9"/>
+                                            </p:txEl>
+                                          </p:spTgt>
+                                        </p:tgtEl>
+                                        <p:attrNameLst>
+                                          <p:attrName>style.visibility</p:attrName>
+                                        </p:attrNameLst>
+                                      </p:cBhvr>
+                                      <p:to>
+                                        <p:strVal val="visible"/>
+                                      </p:to>
+                                    </p:set>
+                                    <p:animEffect transition="in" filter="fade">
+                                      <p:cBhvr>
+                                        <p:cTn id="25" dur="500"/>
+                                        <p:tgtEl>
+                                          <p:spTgt spid="5">
+                                            <p:txEl>
+                                              <p:pRg st="9" end="9"/>
+                                            </p:txEl>
+                                          </p:spTgt>
+                                        </p:tgtEl>
+                                      </p:cBhvr>
+                                    </p:animEffect>
+                                  </p:childTnLst>
+                                </p:cTn>
+                              </p:par>
+                            </p:childTnLst>
+                          </p:cTn>
+                        </p:par>
+                        <p:par>
+                          <p:cTn id="26" fill="hold">
+                            <p:stCondLst>
+                              <p:cond delay="500"/>
+                            </p:stCondLst>
+                            <p:childTnLst>
+                              <p:par>
+                                <p:cTn id="27" presetID="10" presetClass="entr" presetSubtype="0" fill="hold" nodeType="afterEffect">
+                                  <p:stCondLst>
+                                    <p:cond delay="0"/>
+                                  </p:stCondLst>
+                                  <p:childTnLst>
+                                    <p:set>
+                                      <p:cBhvr>
+                                        <p:cTn id="28" dur="1" fill="hold">
+                                          <p:stCondLst>
+                                            <p:cond delay="0"/>
+                                          </p:stCondLst>
+                                        </p:cTn>
+                                        <p:tgtEl>
+                                          <p:spTgt spid="1028"/>
+                                        </p:tgtEl>
+                                        <p:attrNameLst>
+                                          <p:attrName>style.visibility</p:attrName>
+                                        </p:attrNameLst>
+                                      </p:cBhvr>
+                                      <p:to>
+                                        <p:strVal val="visible"/>
+                                      </p:to>
+                                    </p:set>
+                                    <p:animEffect transition="in" filter="fade">
+                                      <p:cBhvr>
+                                        <p:cTn id="29" dur="500"/>
+                                        <p:tgtEl>
+                                          <p:spTgt spid="1028"/>
+                                        </p:tgtEl>
+                                      </p:cBhvr>
+                                    </p:animEffect>
+                                  </p:childTnLst>
+                                </p:cTn>
+                              </p:par>
+                            </p:childTnLst>
+                          </p:cTn>
+                        </p:par>
+                        <p:par>
+                          <p:cTn id="30" fill="hold">
+                            <p:stCondLst>
+                              <p:cond delay="1000"/>
+                            </p:stCondLst>
+                            <p:childTnLst>
+                              <p:par>
+                                <p:cTn id="31" presetID="10" presetClass="entr" presetSubtype="0" fill="hold" nodeType="afterEffect">
+                                  <p:stCondLst>
+                                    <p:cond delay="0"/>
+                                  </p:stCondLst>
+                                  <p:childTnLst>
+                                    <p:set>
+                                      <p:cBhvr>
+                                        <p:cTn id="32" dur="1" fill="hold">
+                                          <p:stCondLst>
+                                            <p:cond delay="0"/>
+                                          </p:stCondLst>
+                                        </p:cTn>
+                                        <p:tgtEl>
+                                          <p:spTgt spid="11"/>
+                                        </p:tgtEl>
+                                        <p:attrNameLst>
+                                          <p:attrName>style.visibility</p:attrName>
+                                        </p:attrNameLst>
+                                      </p:cBhvr>
+                                      <p:to>
+                                        <p:strVal val="visible"/>
+                                      </p:to>
+                                    </p:set>
+                                    <p:animEffect transition="in" filter="fade">
+                                      <p:cBhvr>
+                                        <p:cTn id="33" dur="500"/>
+                                        <p:tgtEl>
+                                          <p:spTgt spid="11"/>
+                                        </p:tgtEl>
+                                      </p:cBhvr>
+                                    </p:animEffect>
+                                  </p:childTnLst>
+                                </p:cTn>
+                              </p:par>
+                            </p:childTnLst>
+                          </p:cTn>
+                        </p:par>
+                      </p:childTnLst>
+                    </p:cTn>
+                  </p:par>
+                </p:childTnLst>
+              </p:cTn>
+              <p:prevCondLst>
+                <p:cond evt="onPrev" delay="0">
+                  <p:tgtEl>
+                    <p:sldTgt/>
+                  </p:tgtEl>
+                </p:cond>
+              </p:prevCondLst>
+              <p:nextCondLst>
+                <p:cond evt="onNext" delay="0">
+                  <p:tgtEl>
+                    <p:sldTgt/>
+                  </p:tgtEl>
+                </p:cond>
+              </p:nextCondLst>
+            </p:seq>
+          </p:childTnLst>
+        </p:cTn>
       </p:par>
     </p:tnLst>
   </p:timing>
